--- a/Algoritma dan Struktur Data.pptx
+++ b/Algoritma dan Struktur Data.pptx
@@ -1242,10 +1242,25 @@
   <pc:docChgLst>
     <pc:chgData name="Rosihan Ariyuana" userId="a673341b-dfea-48bd-bc6b-c1125fd20ed3" providerId="ADAL" clId="{CAB50CE4-68A2-4207-B7DE-D119D3359EB7}"/>
     <pc:docChg chg="undo custSel addSld delSld modSld">
-      <pc:chgData name="Rosihan Ariyuana" userId="a673341b-dfea-48bd-bc6b-c1125fd20ed3" providerId="ADAL" clId="{CAB50CE4-68A2-4207-B7DE-D119D3359EB7}" dt="2019-03-26T02:48:35.297" v="1656" actId="20577"/>
+      <pc:chgData name="Rosihan Ariyuana" userId="a673341b-dfea-48bd-bc6b-c1125fd20ed3" providerId="ADAL" clId="{CAB50CE4-68A2-4207-B7DE-D119D3359EB7}" dt="2019-03-26T04:29:36.804" v="1658" actId="27636"/>
       <pc:docMkLst>
         <pc:docMk/>
       </pc:docMkLst>
+      <pc:sldChg chg="modSp">
+        <pc:chgData name="Rosihan Ariyuana" userId="a673341b-dfea-48bd-bc6b-c1125fd20ed3" providerId="ADAL" clId="{CAB50CE4-68A2-4207-B7DE-D119D3359EB7}" dt="2019-03-26T04:29:36.804" v="1658" actId="27636"/>
+        <pc:sldMkLst>
+          <pc:docMk/>
+          <pc:sldMk cId="3244427006" sldId="257"/>
+        </pc:sldMkLst>
+        <pc:spChg chg="mod">
+          <ac:chgData name="Rosihan Ariyuana" userId="a673341b-dfea-48bd-bc6b-c1125fd20ed3" providerId="ADAL" clId="{CAB50CE4-68A2-4207-B7DE-D119D3359EB7}" dt="2019-03-26T04:29:36.804" v="1658" actId="27636"/>
+          <ac:spMkLst>
+            <pc:docMk/>
+            <pc:sldMk cId="3244427006" sldId="257"/>
+            <ac:spMk id="3" creationId="{00000000-0000-0000-0000-000000000000}"/>
+          </ac:spMkLst>
+        </pc:spChg>
+      </pc:sldChg>
       <pc:sldChg chg="addSp delSp modSp">
         <pc:chgData name="Rosihan Ariyuana" userId="a673341b-dfea-48bd-bc6b-c1125fd20ed3" providerId="ADAL" clId="{CAB50CE4-68A2-4207-B7DE-D119D3359EB7}" dt="2019-03-25T09:42:24.710" v="33" actId="478"/>
         <pc:sldMkLst>
@@ -2443,7 +2458,7 @@
           <a:p>
             <a:fld id="{6BD668DE-C332-4196-9C29-A67E3840ABAF}" type="datetimeFigureOut">
               <a:rPr lang="en-US" smtClean="0"/>
-              <a:t>3/25/2019</a:t>
+              <a:t>3/26/2019</a:t>
             </a:fld>
             <a:endParaRPr lang="en-US"/>
           </a:p>
@@ -2611,7 +2626,7 @@
           <a:p>
             <a:fld id="{6BD668DE-C332-4196-9C29-A67E3840ABAF}" type="datetimeFigureOut">
               <a:rPr lang="en-US" smtClean="0"/>
-              <a:t>3/25/2019</a:t>
+              <a:t>3/26/2019</a:t>
             </a:fld>
             <a:endParaRPr lang="en-US"/>
           </a:p>
@@ -2789,7 +2804,7 @@
           <a:p>
             <a:fld id="{6BD668DE-C332-4196-9C29-A67E3840ABAF}" type="datetimeFigureOut">
               <a:rPr lang="en-US" smtClean="0"/>
-              <a:t>3/25/2019</a:t>
+              <a:t>3/26/2019</a:t>
             </a:fld>
             <a:endParaRPr lang="en-US"/>
           </a:p>
@@ -2957,7 +2972,7 @@
           <a:p>
             <a:fld id="{6BD668DE-C332-4196-9C29-A67E3840ABAF}" type="datetimeFigureOut">
               <a:rPr lang="en-US" smtClean="0"/>
-              <a:t>3/25/2019</a:t>
+              <a:t>3/26/2019</a:t>
             </a:fld>
             <a:endParaRPr lang="en-US"/>
           </a:p>
@@ -3202,7 +3217,7 @@
           <a:p>
             <a:fld id="{6BD668DE-C332-4196-9C29-A67E3840ABAF}" type="datetimeFigureOut">
               <a:rPr lang="en-US" smtClean="0"/>
-              <a:t>3/25/2019</a:t>
+              <a:t>3/26/2019</a:t>
             </a:fld>
             <a:endParaRPr lang="en-US"/>
           </a:p>
@@ -3487,7 +3502,7 @@
           <a:p>
             <a:fld id="{6BD668DE-C332-4196-9C29-A67E3840ABAF}" type="datetimeFigureOut">
               <a:rPr lang="en-US" smtClean="0"/>
-              <a:t>3/25/2019</a:t>
+              <a:t>3/26/2019</a:t>
             </a:fld>
             <a:endParaRPr lang="en-US"/>
           </a:p>
@@ -3906,7 +3921,7 @@
           <a:p>
             <a:fld id="{6BD668DE-C332-4196-9C29-A67E3840ABAF}" type="datetimeFigureOut">
               <a:rPr lang="en-US" smtClean="0"/>
-              <a:t>3/25/2019</a:t>
+              <a:t>3/26/2019</a:t>
             </a:fld>
             <a:endParaRPr lang="en-US"/>
           </a:p>
@@ -4023,7 +4038,7 @@
           <a:p>
             <a:fld id="{6BD668DE-C332-4196-9C29-A67E3840ABAF}" type="datetimeFigureOut">
               <a:rPr lang="en-US" smtClean="0"/>
-              <a:t>3/25/2019</a:t>
+              <a:t>3/26/2019</a:t>
             </a:fld>
             <a:endParaRPr lang="en-US"/>
           </a:p>
@@ -4118,7 +4133,7 @@
           <a:p>
             <a:fld id="{6BD668DE-C332-4196-9C29-A67E3840ABAF}" type="datetimeFigureOut">
               <a:rPr lang="en-US" smtClean="0"/>
-              <a:t>3/25/2019</a:t>
+              <a:t>3/26/2019</a:t>
             </a:fld>
             <a:endParaRPr lang="en-US"/>
           </a:p>
@@ -4393,7 +4408,7 @@
           <a:p>
             <a:fld id="{6BD668DE-C332-4196-9C29-A67E3840ABAF}" type="datetimeFigureOut">
               <a:rPr lang="en-US" smtClean="0"/>
-              <a:t>3/25/2019</a:t>
+              <a:t>3/26/2019</a:t>
             </a:fld>
             <a:endParaRPr lang="en-US"/>
           </a:p>
@@ -4645,7 +4660,7 @@
           <a:p>
             <a:fld id="{6BD668DE-C332-4196-9C29-A67E3840ABAF}" type="datetimeFigureOut">
               <a:rPr lang="en-US" smtClean="0"/>
-              <a:t>3/25/2019</a:t>
+              <a:t>3/26/2019</a:t>
             </a:fld>
             <a:endParaRPr lang="en-US"/>
           </a:p>
@@ -4856,7 +4871,7 @@
           <a:p>
             <a:fld id="{6BD668DE-C332-4196-9C29-A67E3840ABAF}" type="datetimeFigureOut">
               <a:rPr lang="en-US" smtClean="0"/>
-              <a:t>3/25/2019</a:t>
+              <a:t>3/26/2019</a:t>
             </a:fld>
             <a:endParaRPr lang="en-US"/>
           </a:p>
@@ -7305,7 +7320,7 @@
         <p:spPr/>
         <p:txBody>
           <a:bodyPr numCol="2">
-            <a:normAutofit fontScale="85000" lnSpcReduction="10000"/>
+            <a:normAutofit fontScale="92500" lnSpcReduction="20000"/>
           </a:bodyPr>
           <a:lstStyle/>
           <a:p>
@@ -7374,14 +7389,6 @@
             <a:r>
               <a:rPr lang="id-ID" dirty="0"/>
               <a:t>Queue</a:t>
-            </a:r>
-            <a:endParaRPr lang="en-ID" dirty="0"/>
-          </a:p>
-          <a:p>
-            <a:pPr lvl="1"/>
-            <a:r>
-              <a:rPr lang="en-ID" dirty="0" err="1"/>
-              <a:t>DataFrame</a:t>
             </a:r>
             <a:endParaRPr lang="en-ID" dirty="0"/>
           </a:p>

--- a/Algoritma dan Struktur Data.pptx
+++ b/Algoritma dan Struktur Data.pptx
@@ -66,6 +66,18 @@
     <p:sldId id="315" r:id="rId60"/>
     <p:sldId id="316" r:id="rId61"/>
     <p:sldId id="317" r:id="rId62"/>
+    <p:sldId id="320" r:id="rId63"/>
+    <p:sldId id="321" r:id="rId64"/>
+    <p:sldId id="322" r:id="rId65"/>
+    <p:sldId id="323" r:id="rId66"/>
+    <p:sldId id="324" r:id="rId67"/>
+    <p:sldId id="325" r:id="rId68"/>
+    <p:sldId id="318" r:id="rId69"/>
+    <p:sldId id="319" r:id="rId70"/>
+    <p:sldId id="326" r:id="rId71"/>
+    <p:sldId id="327" r:id="rId72"/>
+    <p:sldId id="329" r:id="rId73"/>
+    <p:sldId id="328" r:id="rId74"/>
   </p:sldIdLst>
   <p:sldSz cx="9144000" cy="6858000" type="screen4x3"/>
   <p:notesSz cx="6858000" cy="9144000"/>
@@ -186,13 +198,513 @@
 <file path=ppt/revisionInfo.xml><?xml version="1.0" encoding="utf-8"?>
 <p1510:revInfo xmlns:a="http://schemas.openxmlformats.org/drawingml/2006/main" xmlns:r="http://schemas.openxmlformats.org/officeDocument/2006/relationships" xmlns:p1510="http://schemas.microsoft.com/office/powerpoint/2015/10/main">
   <p1510:revLst>
-    <p1510:client id="{CAB50CE4-68A2-4207-B7DE-D119D3359EB7}" v="58" dt="2019-03-26T00:21:58.753"/>
+    <p1510:client id="{86F80E2C-0334-4EAB-A44F-F1436F2BA600}" v="51" dt="2019-04-01T14:23:35.056"/>
   </p1510:revLst>
 </p1510:revInfo>
 </file>
 
 <file path=ppt/changesInfos/changesInfo1.xml><?xml version="1.0" encoding="utf-8"?>
 <pc:chgInfo xmlns:a="http://schemas.openxmlformats.org/drawingml/2006/main" xmlns:r="http://schemas.openxmlformats.org/officeDocument/2006/relationships" xmlns:ac="http://schemas.microsoft.com/office/drawing/2013/main/command" xmlns:pc="http://schemas.microsoft.com/office/powerpoint/2013/main/command">
+  <pc:docChgLst>
+    <pc:chgData name="Rosihan Ariyuana" userId="a673341b-dfea-48bd-bc6b-c1125fd20ed3" providerId="ADAL" clId="{86F80E2C-0334-4EAB-A44F-F1436F2BA600}"/>
+    <pc:docChg chg="undo custSel addSld modSld">
+      <pc:chgData name="Rosihan Ariyuana" userId="a673341b-dfea-48bd-bc6b-c1125fd20ed3" providerId="ADAL" clId="{86F80E2C-0334-4EAB-A44F-F1436F2BA600}" dt="2019-04-01T14:24:40.617" v="743" actId="14100"/>
+      <pc:docMkLst>
+        <pc:docMk/>
+      </pc:docMkLst>
+      <pc:sldChg chg="modSp">
+        <pc:chgData name="Rosihan Ariyuana" userId="a673341b-dfea-48bd-bc6b-c1125fd20ed3" providerId="ADAL" clId="{86F80E2C-0334-4EAB-A44F-F1436F2BA600}" dt="2019-04-01T12:47:47.018" v="285" actId="1076"/>
+        <pc:sldMkLst>
+          <pc:docMk/>
+          <pc:sldMk cId="3226440320" sldId="317"/>
+        </pc:sldMkLst>
+        <pc:spChg chg="mod">
+          <ac:chgData name="Rosihan Ariyuana" userId="a673341b-dfea-48bd-bc6b-c1125fd20ed3" providerId="ADAL" clId="{86F80E2C-0334-4EAB-A44F-F1436F2BA600}" dt="2019-04-01T12:47:47.018" v="285" actId="1076"/>
+          <ac:spMkLst>
+            <pc:docMk/>
+            <pc:sldMk cId="3226440320" sldId="317"/>
+            <ac:spMk id="5" creationId="{D4CAD802-56B4-49BF-919B-394AE7BAE4AD}"/>
+          </ac:spMkLst>
+        </pc:spChg>
+      </pc:sldChg>
+      <pc:sldChg chg="addSp delSp modSp add">
+        <pc:chgData name="Rosihan Ariyuana" userId="a673341b-dfea-48bd-bc6b-c1125fd20ed3" providerId="ADAL" clId="{86F80E2C-0334-4EAB-A44F-F1436F2BA600}" dt="2019-04-01T03:56:17.801" v="138" actId="14100"/>
+        <pc:sldMkLst>
+          <pc:docMk/>
+          <pc:sldMk cId="859896532" sldId="318"/>
+        </pc:sldMkLst>
+        <pc:spChg chg="mod">
+          <ac:chgData name="Rosihan Ariyuana" userId="a673341b-dfea-48bd-bc6b-c1125fd20ed3" providerId="ADAL" clId="{86F80E2C-0334-4EAB-A44F-F1436F2BA600}" dt="2019-04-01T03:49:52.915" v="1"/>
+          <ac:spMkLst>
+            <pc:docMk/>
+            <pc:sldMk cId="859896532" sldId="318"/>
+            <ac:spMk id="2" creationId="{68DEC235-234A-4161-AC6C-A876A2F085FB}"/>
+          </ac:spMkLst>
+        </pc:spChg>
+        <pc:spChg chg="del">
+          <ac:chgData name="Rosihan Ariyuana" userId="a673341b-dfea-48bd-bc6b-c1125fd20ed3" providerId="ADAL" clId="{86F80E2C-0334-4EAB-A44F-F1436F2BA600}" dt="2019-04-01T03:49:55.853" v="2" actId="478"/>
+          <ac:spMkLst>
+            <pc:docMk/>
+            <pc:sldMk cId="859896532" sldId="318"/>
+            <ac:spMk id="3" creationId="{3D205698-AE28-473D-8BEE-1858B3432E9C}"/>
+          </ac:spMkLst>
+        </pc:spChg>
+        <pc:spChg chg="add mod">
+          <ac:chgData name="Rosihan Ariyuana" userId="a673341b-dfea-48bd-bc6b-c1125fd20ed3" providerId="ADAL" clId="{86F80E2C-0334-4EAB-A44F-F1436F2BA600}" dt="2019-04-01T03:56:13.071" v="137" actId="1076"/>
+          <ac:spMkLst>
+            <pc:docMk/>
+            <pc:sldMk cId="859896532" sldId="318"/>
+            <ac:spMk id="5" creationId="{36B2310D-EA7E-427C-89B6-DF272305919E}"/>
+          </ac:spMkLst>
+        </pc:spChg>
+        <pc:picChg chg="add mod">
+          <ac:chgData name="Rosihan Ariyuana" userId="a673341b-dfea-48bd-bc6b-c1125fd20ed3" providerId="ADAL" clId="{86F80E2C-0334-4EAB-A44F-F1436F2BA600}" dt="2019-04-01T03:56:17.801" v="138" actId="14100"/>
+          <ac:picMkLst>
+            <pc:docMk/>
+            <pc:sldMk cId="859896532" sldId="318"/>
+            <ac:picMk id="4" creationId="{7FF9CD01-9A4B-4149-A48C-54B09953BAE9}"/>
+          </ac:picMkLst>
+        </pc:picChg>
+      </pc:sldChg>
+      <pc:sldChg chg="addSp delSp modSp add">
+        <pc:chgData name="Rosihan Ariyuana" userId="a673341b-dfea-48bd-bc6b-c1125fd20ed3" providerId="ADAL" clId="{86F80E2C-0334-4EAB-A44F-F1436F2BA600}" dt="2019-04-01T04:00:24.362" v="235"/>
+        <pc:sldMkLst>
+          <pc:docMk/>
+          <pc:sldMk cId="2293198641" sldId="319"/>
+        </pc:sldMkLst>
+        <pc:spChg chg="mod">
+          <ac:chgData name="Rosihan Ariyuana" userId="a673341b-dfea-48bd-bc6b-c1125fd20ed3" providerId="ADAL" clId="{86F80E2C-0334-4EAB-A44F-F1436F2BA600}" dt="2019-04-01T04:00:24.362" v="235"/>
+          <ac:spMkLst>
+            <pc:docMk/>
+            <pc:sldMk cId="2293198641" sldId="319"/>
+            <ac:spMk id="2" creationId="{2299E2E7-92CF-4DD7-AC02-0D753B4BB8B4}"/>
+          </ac:spMkLst>
+        </pc:spChg>
+        <pc:spChg chg="del">
+          <ac:chgData name="Rosihan Ariyuana" userId="a673341b-dfea-48bd-bc6b-c1125fd20ed3" providerId="ADAL" clId="{86F80E2C-0334-4EAB-A44F-F1436F2BA600}" dt="2019-04-01T03:58:43.567" v="140" actId="478"/>
+          <ac:spMkLst>
+            <pc:docMk/>
+            <pc:sldMk cId="2293198641" sldId="319"/>
+            <ac:spMk id="3" creationId="{8A5EBECB-1D92-4B74-AB99-1111F456812F}"/>
+          </ac:spMkLst>
+        </pc:spChg>
+        <pc:spChg chg="add mod">
+          <ac:chgData name="Rosihan Ariyuana" userId="a673341b-dfea-48bd-bc6b-c1125fd20ed3" providerId="ADAL" clId="{86F80E2C-0334-4EAB-A44F-F1436F2BA600}" dt="2019-04-01T04:00:14.512" v="234" actId="20577"/>
+          <ac:spMkLst>
+            <pc:docMk/>
+            <pc:sldMk cId="2293198641" sldId="319"/>
+            <ac:spMk id="5" creationId="{0DC7E93F-4AF5-438F-9F7B-CF0685A32549}"/>
+          </ac:spMkLst>
+        </pc:spChg>
+        <pc:picChg chg="add mod">
+          <ac:chgData name="Rosihan Ariyuana" userId="a673341b-dfea-48bd-bc6b-c1125fd20ed3" providerId="ADAL" clId="{86F80E2C-0334-4EAB-A44F-F1436F2BA600}" dt="2019-04-01T03:59:17.964" v="146" actId="1076"/>
+          <ac:picMkLst>
+            <pc:docMk/>
+            <pc:sldMk cId="2293198641" sldId="319"/>
+            <ac:picMk id="4" creationId="{F613317D-D3B8-4D74-8B32-0D3A779B3BC1}"/>
+          </ac:picMkLst>
+        </pc:picChg>
+      </pc:sldChg>
+      <pc:sldChg chg="addSp modSp add">
+        <pc:chgData name="Rosihan Ariyuana" userId="a673341b-dfea-48bd-bc6b-c1125fd20ed3" providerId="ADAL" clId="{86F80E2C-0334-4EAB-A44F-F1436F2BA600}" dt="2019-04-01T12:58:08.467" v="362" actId="14100"/>
+        <pc:sldMkLst>
+          <pc:docMk/>
+          <pc:sldMk cId="2530364693" sldId="320"/>
+        </pc:sldMkLst>
+        <pc:spChg chg="mod">
+          <ac:chgData name="Rosihan Ariyuana" userId="a673341b-dfea-48bd-bc6b-c1125fd20ed3" providerId="ADAL" clId="{86F80E2C-0334-4EAB-A44F-F1436F2BA600}" dt="2019-04-01T12:51:33.910" v="309" actId="20577"/>
+          <ac:spMkLst>
+            <pc:docMk/>
+            <pc:sldMk cId="2530364693" sldId="320"/>
+            <ac:spMk id="2" creationId="{08683077-A0DD-4FD6-A47B-B9F15EC0FDEC}"/>
+          </ac:spMkLst>
+        </pc:spChg>
+        <pc:spChg chg="mod">
+          <ac:chgData name="Rosihan Ariyuana" userId="a673341b-dfea-48bd-bc6b-c1125fd20ed3" providerId="ADAL" clId="{86F80E2C-0334-4EAB-A44F-F1436F2BA600}" dt="2019-04-01T12:57:45.371" v="355" actId="1076"/>
+          <ac:spMkLst>
+            <pc:docMk/>
+            <pc:sldMk cId="2530364693" sldId="320"/>
+            <ac:spMk id="3" creationId="{E0137F57-2008-4ED8-94EC-7D70FC04C5C8}"/>
+          </ac:spMkLst>
+        </pc:spChg>
+        <pc:picChg chg="add mod">
+          <ac:chgData name="Rosihan Ariyuana" userId="a673341b-dfea-48bd-bc6b-c1125fd20ed3" providerId="ADAL" clId="{86F80E2C-0334-4EAB-A44F-F1436F2BA600}" dt="2019-04-01T12:57:48.713" v="356" actId="14100"/>
+          <ac:picMkLst>
+            <pc:docMk/>
+            <pc:sldMk cId="2530364693" sldId="320"/>
+            <ac:picMk id="4" creationId="{32416449-6416-480E-94BB-4019EC9B5A42}"/>
+          </ac:picMkLst>
+        </pc:picChg>
+        <pc:picChg chg="add mod">
+          <ac:chgData name="Rosihan Ariyuana" userId="a673341b-dfea-48bd-bc6b-c1125fd20ed3" providerId="ADAL" clId="{86F80E2C-0334-4EAB-A44F-F1436F2BA600}" dt="2019-04-01T12:57:51.652" v="357" actId="14100"/>
+          <ac:picMkLst>
+            <pc:docMk/>
+            <pc:sldMk cId="2530364693" sldId="320"/>
+            <ac:picMk id="5" creationId="{F7C6BD5C-1492-4B6B-A2F6-D80054F0CCD1}"/>
+          </ac:picMkLst>
+        </pc:picChg>
+        <pc:picChg chg="add mod">
+          <ac:chgData name="Rosihan Ariyuana" userId="a673341b-dfea-48bd-bc6b-c1125fd20ed3" providerId="ADAL" clId="{86F80E2C-0334-4EAB-A44F-F1436F2BA600}" dt="2019-04-01T12:58:08.467" v="362" actId="14100"/>
+          <ac:picMkLst>
+            <pc:docMk/>
+            <pc:sldMk cId="2530364693" sldId="320"/>
+            <ac:picMk id="6" creationId="{60F92DA9-63A1-402C-B7B8-2279B4C59C0A}"/>
+          </ac:picMkLst>
+        </pc:picChg>
+      </pc:sldChg>
+      <pc:sldChg chg="addSp modSp add">
+        <pc:chgData name="Rosihan Ariyuana" userId="a673341b-dfea-48bd-bc6b-c1125fd20ed3" providerId="ADAL" clId="{86F80E2C-0334-4EAB-A44F-F1436F2BA600}" dt="2019-04-01T13:03:00.717" v="380" actId="14100"/>
+        <pc:sldMkLst>
+          <pc:docMk/>
+          <pc:sldMk cId="3925015350" sldId="321"/>
+        </pc:sldMkLst>
+        <pc:spChg chg="mod">
+          <ac:chgData name="Rosihan Ariyuana" userId="a673341b-dfea-48bd-bc6b-c1125fd20ed3" providerId="ADAL" clId="{86F80E2C-0334-4EAB-A44F-F1436F2BA600}" dt="2019-04-01T12:58:26.230" v="364"/>
+          <ac:spMkLst>
+            <pc:docMk/>
+            <pc:sldMk cId="3925015350" sldId="321"/>
+            <ac:spMk id="2" creationId="{B74036B2-C3CC-4D3B-A0D2-E861F9898474}"/>
+          </ac:spMkLst>
+        </pc:spChg>
+        <pc:spChg chg="mod">
+          <ac:chgData name="Rosihan Ariyuana" userId="a673341b-dfea-48bd-bc6b-c1125fd20ed3" providerId="ADAL" clId="{86F80E2C-0334-4EAB-A44F-F1436F2BA600}" dt="2019-04-01T13:02:55.146" v="378" actId="1076"/>
+          <ac:spMkLst>
+            <pc:docMk/>
+            <pc:sldMk cId="3925015350" sldId="321"/>
+            <ac:spMk id="3" creationId="{C1EFCC75-BE13-4885-9045-862C3B643266}"/>
+          </ac:spMkLst>
+        </pc:spChg>
+        <pc:picChg chg="add mod">
+          <ac:chgData name="Rosihan Ariyuana" userId="a673341b-dfea-48bd-bc6b-c1125fd20ed3" providerId="ADAL" clId="{86F80E2C-0334-4EAB-A44F-F1436F2BA600}" dt="2019-04-01T13:02:48.981" v="377" actId="1076"/>
+          <ac:picMkLst>
+            <pc:docMk/>
+            <pc:sldMk cId="3925015350" sldId="321"/>
+            <ac:picMk id="4" creationId="{6FFC7E76-D878-47CD-B9E4-21CE7D305E90}"/>
+          </ac:picMkLst>
+        </pc:picChg>
+        <pc:picChg chg="add mod">
+          <ac:chgData name="Rosihan Ariyuana" userId="a673341b-dfea-48bd-bc6b-c1125fd20ed3" providerId="ADAL" clId="{86F80E2C-0334-4EAB-A44F-F1436F2BA600}" dt="2019-04-01T13:03:00.717" v="380" actId="14100"/>
+          <ac:picMkLst>
+            <pc:docMk/>
+            <pc:sldMk cId="3925015350" sldId="321"/>
+            <ac:picMk id="5" creationId="{095B3109-56B6-49C6-953C-B02242A39057}"/>
+          </ac:picMkLst>
+        </pc:picChg>
+      </pc:sldChg>
+      <pc:sldChg chg="addSp modSp add">
+        <pc:chgData name="Rosihan Ariyuana" userId="a673341b-dfea-48bd-bc6b-c1125fd20ed3" providerId="ADAL" clId="{86F80E2C-0334-4EAB-A44F-F1436F2BA600}" dt="2019-04-01T13:10:19.662" v="429" actId="14100"/>
+        <pc:sldMkLst>
+          <pc:docMk/>
+          <pc:sldMk cId="3710300856" sldId="322"/>
+        </pc:sldMkLst>
+        <pc:spChg chg="mod">
+          <ac:chgData name="Rosihan Ariyuana" userId="a673341b-dfea-48bd-bc6b-c1125fd20ed3" providerId="ADAL" clId="{86F80E2C-0334-4EAB-A44F-F1436F2BA600}" dt="2019-04-01T13:03:27.080" v="382"/>
+          <ac:spMkLst>
+            <pc:docMk/>
+            <pc:sldMk cId="3710300856" sldId="322"/>
+            <ac:spMk id="2" creationId="{B009AB58-9603-4D30-B0DE-977F395CE489}"/>
+          </ac:spMkLst>
+        </pc:spChg>
+        <pc:spChg chg="mod">
+          <ac:chgData name="Rosihan Ariyuana" userId="a673341b-dfea-48bd-bc6b-c1125fd20ed3" providerId="ADAL" clId="{86F80E2C-0334-4EAB-A44F-F1436F2BA600}" dt="2019-04-01T13:10:15.273" v="427" actId="1076"/>
+          <ac:spMkLst>
+            <pc:docMk/>
+            <pc:sldMk cId="3710300856" sldId="322"/>
+            <ac:spMk id="3" creationId="{4B25BD01-5E33-40C0-9FA1-D999B90810D5}"/>
+          </ac:spMkLst>
+        </pc:spChg>
+        <pc:picChg chg="add mod">
+          <ac:chgData name="Rosihan Ariyuana" userId="a673341b-dfea-48bd-bc6b-c1125fd20ed3" providerId="ADAL" clId="{86F80E2C-0334-4EAB-A44F-F1436F2BA600}" dt="2019-04-01T13:10:11.240" v="426" actId="1076"/>
+          <ac:picMkLst>
+            <pc:docMk/>
+            <pc:sldMk cId="3710300856" sldId="322"/>
+            <ac:picMk id="4" creationId="{6734609A-D29D-4DF2-A440-56CF565A2460}"/>
+          </ac:picMkLst>
+        </pc:picChg>
+        <pc:picChg chg="add mod">
+          <ac:chgData name="Rosihan Ariyuana" userId="a673341b-dfea-48bd-bc6b-c1125fd20ed3" providerId="ADAL" clId="{86F80E2C-0334-4EAB-A44F-F1436F2BA600}" dt="2019-04-01T13:10:19.662" v="429" actId="14100"/>
+          <ac:picMkLst>
+            <pc:docMk/>
+            <pc:sldMk cId="3710300856" sldId="322"/>
+            <ac:picMk id="5" creationId="{0CAFD3AC-8CC6-4789-8FEE-42D2756CD904}"/>
+          </ac:picMkLst>
+        </pc:picChg>
+      </pc:sldChg>
+      <pc:sldChg chg="addSp delSp modSp add">
+        <pc:chgData name="Rosihan Ariyuana" userId="a673341b-dfea-48bd-bc6b-c1125fd20ed3" providerId="ADAL" clId="{86F80E2C-0334-4EAB-A44F-F1436F2BA600}" dt="2019-04-01T13:16:02.257" v="492"/>
+        <pc:sldMkLst>
+          <pc:docMk/>
+          <pc:sldMk cId="368008897" sldId="323"/>
+        </pc:sldMkLst>
+        <pc:spChg chg="mod">
+          <ac:chgData name="Rosihan Ariyuana" userId="a673341b-dfea-48bd-bc6b-c1125fd20ed3" providerId="ADAL" clId="{86F80E2C-0334-4EAB-A44F-F1436F2BA600}" dt="2019-04-01T13:16:02.257" v="492"/>
+          <ac:spMkLst>
+            <pc:docMk/>
+            <pc:sldMk cId="368008897" sldId="323"/>
+            <ac:spMk id="2" creationId="{682688A1-CDAE-4C02-BD9B-A0EA7AFA6E82}"/>
+          </ac:spMkLst>
+        </pc:spChg>
+        <pc:spChg chg="mod">
+          <ac:chgData name="Rosihan Ariyuana" userId="a673341b-dfea-48bd-bc6b-c1125fd20ed3" providerId="ADAL" clId="{86F80E2C-0334-4EAB-A44F-F1436F2BA600}" dt="2019-04-01T13:14:22.624" v="481" actId="1076"/>
+          <ac:spMkLst>
+            <pc:docMk/>
+            <pc:sldMk cId="368008897" sldId="323"/>
+            <ac:spMk id="3" creationId="{26F2738E-9C6C-4295-AC26-25CB62EF1101}"/>
+          </ac:spMkLst>
+        </pc:spChg>
+        <pc:picChg chg="add del mod">
+          <ac:chgData name="Rosihan Ariyuana" userId="a673341b-dfea-48bd-bc6b-c1125fd20ed3" providerId="ADAL" clId="{86F80E2C-0334-4EAB-A44F-F1436F2BA600}" dt="2019-04-01T13:15:17.174" v="485" actId="478"/>
+          <ac:picMkLst>
+            <pc:docMk/>
+            <pc:sldMk cId="368008897" sldId="323"/>
+            <ac:picMk id="4" creationId="{5B257258-5DC5-4E0F-B6A0-5FE36779B88D}"/>
+          </ac:picMkLst>
+        </pc:picChg>
+        <pc:picChg chg="add mod">
+          <ac:chgData name="Rosihan Ariyuana" userId="a673341b-dfea-48bd-bc6b-c1125fd20ed3" providerId="ADAL" clId="{86F80E2C-0334-4EAB-A44F-F1436F2BA600}" dt="2019-04-01T13:15:37.036" v="491" actId="1038"/>
+          <ac:picMkLst>
+            <pc:docMk/>
+            <pc:sldMk cId="368008897" sldId="323"/>
+            <ac:picMk id="5" creationId="{1C92B741-D083-49BC-840B-B8F0C2D4E91C}"/>
+          </ac:picMkLst>
+        </pc:picChg>
+        <pc:picChg chg="add mod">
+          <ac:chgData name="Rosihan Ariyuana" userId="a673341b-dfea-48bd-bc6b-c1125fd20ed3" providerId="ADAL" clId="{86F80E2C-0334-4EAB-A44F-F1436F2BA600}" dt="2019-04-01T13:15:24.949" v="488" actId="14100"/>
+          <ac:picMkLst>
+            <pc:docMk/>
+            <pc:sldMk cId="368008897" sldId="323"/>
+            <ac:picMk id="6" creationId="{CBBFFA35-9014-4B77-B151-074ABFEC7ADC}"/>
+          </ac:picMkLst>
+        </pc:picChg>
+      </pc:sldChg>
+      <pc:sldChg chg="addSp delSp modSp add">
+        <pc:chgData name="Rosihan Ariyuana" userId="a673341b-dfea-48bd-bc6b-c1125fd20ed3" providerId="ADAL" clId="{86F80E2C-0334-4EAB-A44F-F1436F2BA600}" dt="2019-04-01T13:19:23.852" v="567" actId="1037"/>
+        <pc:sldMkLst>
+          <pc:docMk/>
+          <pc:sldMk cId="433084370" sldId="324"/>
+        </pc:sldMkLst>
+        <pc:spChg chg="mod">
+          <ac:chgData name="Rosihan Ariyuana" userId="a673341b-dfea-48bd-bc6b-c1125fd20ed3" providerId="ADAL" clId="{86F80E2C-0334-4EAB-A44F-F1436F2BA600}" dt="2019-04-01T13:16:10.837" v="494"/>
+          <ac:spMkLst>
+            <pc:docMk/>
+            <pc:sldMk cId="433084370" sldId="324"/>
+            <ac:spMk id="2" creationId="{AE20F0EF-6DD8-4F12-AFD5-52CD05FE1EB8}"/>
+          </ac:spMkLst>
+        </pc:spChg>
+        <pc:spChg chg="mod">
+          <ac:chgData name="Rosihan Ariyuana" userId="a673341b-dfea-48bd-bc6b-c1125fd20ed3" providerId="ADAL" clId="{86F80E2C-0334-4EAB-A44F-F1436F2BA600}" dt="2019-04-01T13:16:42.305" v="542" actId="1076"/>
+          <ac:spMkLst>
+            <pc:docMk/>
+            <pc:sldMk cId="433084370" sldId="324"/>
+            <ac:spMk id="3" creationId="{0B9F4E0C-D755-4B44-8D21-149C1ED02F32}"/>
+          </ac:spMkLst>
+        </pc:spChg>
+        <pc:picChg chg="add del mod">
+          <ac:chgData name="Rosihan Ariyuana" userId="a673341b-dfea-48bd-bc6b-c1125fd20ed3" providerId="ADAL" clId="{86F80E2C-0334-4EAB-A44F-F1436F2BA600}" dt="2019-04-01T13:17:51.587" v="546" actId="478"/>
+          <ac:picMkLst>
+            <pc:docMk/>
+            <pc:sldMk cId="433084370" sldId="324"/>
+            <ac:picMk id="4" creationId="{DDCDE4EC-1F5E-4CC6-B026-E87974038CEB}"/>
+          </ac:picMkLst>
+        </pc:picChg>
+        <pc:picChg chg="add del mod">
+          <ac:chgData name="Rosihan Ariyuana" userId="a673341b-dfea-48bd-bc6b-c1125fd20ed3" providerId="ADAL" clId="{86F80E2C-0334-4EAB-A44F-F1436F2BA600}" dt="2019-04-01T13:18:38.205" v="552" actId="478"/>
+          <ac:picMkLst>
+            <pc:docMk/>
+            <pc:sldMk cId="433084370" sldId="324"/>
+            <ac:picMk id="5" creationId="{D5A05978-E653-4B8D-9413-350D234B3AE9}"/>
+          </ac:picMkLst>
+        </pc:picChg>
+        <pc:picChg chg="add mod">
+          <ac:chgData name="Rosihan Ariyuana" userId="a673341b-dfea-48bd-bc6b-c1125fd20ed3" providerId="ADAL" clId="{86F80E2C-0334-4EAB-A44F-F1436F2BA600}" dt="2019-04-01T13:19:21.646" v="566" actId="1037"/>
+          <ac:picMkLst>
+            <pc:docMk/>
+            <pc:sldMk cId="433084370" sldId="324"/>
+            <ac:picMk id="6" creationId="{ADC4C776-78AF-453A-A318-73DB49C1F06C}"/>
+          </ac:picMkLst>
+        </pc:picChg>
+        <pc:picChg chg="add mod">
+          <ac:chgData name="Rosihan Ariyuana" userId="a673341b-dfea-48bd-bc6b-c1125fd20ed3" providerId="ADAL" clId="{86F80E2C-0334-4EAB-A44F-F1436F2BA600}" dt="2019-04-01T13:19:23.852" v="567" actId="1037"/>
+          <ac:picMkLst>
+            <pc:docMk/>
+            <pc:sldMk cId="433084370" sldId="324"/>
+            <ac:picMk id="7" creationId="{09B94A69-1595-438C-8FAF-A1DB385CE882}"/>
+          </ac:picMkLst>
+        </pc:picChg>
+      </pc:sldChg>
+      <pc:sldChg chg="addSp delSp modSp add">
+        <pc:chgData name="Rosihan Ariyuana" userId="a673341b-dfea-48bd-bc6b-c1125fd20ed3" providerId="ADAL" clId="{86F80E2C-0334-4EAB-A44F-F1436F2BA600}" dt="2019-04-01T13:20:49.504" v="594" actId="1076"/>
+        <pc:sldMkLst>
+          <pc:docMk/>
+          <pc:sldMk cId="1969075043" sldId="325"/>
+        </pc:sldMkLst>
+        <pc:spChg chg="mod">
+          <ac:chgData name="Rosihan Ariyuana" userId="a673341b-dfea-48bd-bc6b-c1125fd20ed3" providerId="ADAL" clId="{86F80E2C-0334-4EAB-A44F-F1436F2BA600}" dt="2019-04-01T13:20:42.792" v="591" actId="20577"/>
+          <ac:spMkLst>
+            <pc:docMk/>
+            <pc:sldMk cId="1969075043" sldId="325"/>
+            <ac:spMk id="2" creationId="{DADB891B-E3F9-49B8-BE66-019D1AF8D7D7}"/>
+          </ac:spMkLst>
+        </pc:spChg>
+        <pc:spChg chg="del">
+          <ac:chgData name="Rosihan Ariyuana" userId="a673341b-dfea-48bd-bc6b-c1125fd20ed3" providerId="ADAL" clId="{86F80E2C-0334-4EAB-A44F-F1436F2BA600}" dt="2019-04-01T13:20:46.259" v="592" actId="478"/>
+          <ac:spMkLst>
+            <pc:docMk/>
+            <pc:sldMk cId="1969075043" sldId="325"/>
+            <ac:spMk id="3" creationId="{2C87556D-D1D3-4695-992D-8F6A576FCE02}"/>
+          </ac:spMkLst>
+        </pc:spChg>
+        <pc:picChg chg="add mod">
+          <ac:chgData name="Rosihan Ariyuana" userId="a673341b-dfea-48bd-bc6b-c1125fd20ed3" providerId="ADAL" clId="{86F80E2C-0334-4EAB-A44F-F1436F2BA600}" dt="2019-04-01T13:20:49.504" v="594" actId="1076"/>
+          <ac:picMkLst>
+            <pc:docMk/>
+            <pc:sldMk cId="1969075043" sldId="325"/>
+            <ac:picMk id="4" creationId="{653A58F9-8690-4802-814E-C3F41905851F}"/>
+          </ac:picMkLst>
+        </pc:picChg>
+      </pc:sldChg>
+      <pc:sldChg chg="addSp modSp add">
+        <pc:chgData name="Rosihan Ariyuana" userId="a673341b-dfea-48bd-bc6b-c1125fd20ed3" providerId="ADAL" clId="{86F80E2C-0334-4EAB-A44F-F1436F2BA600}" dt="2019-04-01T13:37:40.236" v="707" actId="27636"/>
+        <pc:sldMkLst>
+          <pc:docMk/>
+          <pc:sldMk cId="3854889802" sldId="326"/>
+        </pc:sldMkLst>
+        <pc:spChg chg="mod">
+          <ac:chgData name="Rosihan Ariyuana" userId="a673341b-dfea-48bd-bc6b-c1125fd20ed3" providerId="ADAL" clId="{86F80E2C-0334-4EAB-A44F-F1436F2BA600}" dt="2019-04-01T13:37:40.236" v="707" actId="27636"/>
+          <ac:spMkLst>
+            <pc:docMk/>
+            <pc:sldMk cId="3854889802" sldId="326"/>
+            <ac:spMk id="2" creationId="{91612B41-2DAE-4F48-92A9-0FFCC2F9D76B}"/>
+          </ac:spMkLst>
+        </pc:spChg>
+        <pc:spChg chg="mod">
+          <ac:chgData name="Rosihan Ariyuana" userId="a673341b-dfea-48bd-bc6b-c1125fd20ed3" providerId="ADAL" clId="{86F80E2C-0334-4EAB-A44F-F1436F2BA600}" dt="2019-04-01T13:31:03.685" v="686" actId="20577"/>
+          <ac:spMkLst>
+            <pc:docMk/>
+            <pc:sldMk cId="3854889802" sldId="326"/>
+            <ac:spMk id="3" creationId="{1640E578-FD0D-41E6-9836-96F3701560BB}"/>
+          </ac:spMkLst>
+        </pc:spChg>
+        <pc:picChg chg="add mod">
+          <ac:chgData name="Rosihan Ariyuana" userId="a673341b-dfea-48bd-bc6b-c1125fd20ed3" providerId="ADAL" clId="{86F80E2C-0334-4EAB-A44F-F1436F2BA600}" dt="2019-04-01T13:37:15.681" v="693" actId="1582"/>
+          <ac:picMkLst>
+            <pc:docMk/>
+            <pc:sldMk cId="3854889802" sldId="326"/>
+            <ac:picMk id="4" creationId="{74F5BBEC-E732-4F65-B378-B72F106D36ED}"/>
+          </ac:picMkLst>
+        </pc:picChg>
+        <pc:picChg chg="add mod">
+          <ac:chgData name="Rosihan Ariyuana" userId="a673341b-dfea-48bd-bc6b-c1125fd20ed3" providerId="ADAL" clId="{86F80E2C-0334-4EAB-A44F-F1436F2BA600}" dt="2019-04-01T13:37:21.512" v="694" actId="1582"/>
+          <ac:picMkLst>
+            <pc:docMk/>
+            <pc:sldMk cId="3854889802" sldId="326"/>
+            <ac:picMk id="5" creationId="{A0F9A4C2-0FB6-47E3-BFC0-A246A601DE6D}"/>
+          </ac:picMkLst>
+        </pc:picChg>
+      </pc:sldChg>
+      <pc:sldChg chg="addSp modSp add">
+        <pc:chgData name="Rosihan Ariyuana" userId="a673341b-dfea-48bd-bc6b-c1125fd20ed3" providerId="ADAL" clId="{86F80E2C-0334-4EAB-A44F-F1436F2BA600}" dt="2019-04-01T13:40:43.371" v="716" actId="14100"/>
+        <pc:sldMkLst>
+          <pc:docMk/>
+          <pc:sldMk cId="2476871143" sldId="327"/>
+        </pc:sldMkLst>
+        <pc:spChg chg="mod">
+          <ac:chgData name="Rosihan Ariyuana" userId="a673341b-dfea-48bd-bc6b-c1125fd20ed3" providerId="ADAL" clId="{86F80E2C-0334-4EAB-A44F-F1436F2BA600}" dt="2019-04-01T13:37:55.761" v="710" actId="27636"/>
+          <ac:spMkLst>
+            <pc:docMk/>
+            <pc:sldMk cId="2476871143" sldId="327"/>
+            <ac:spMk id="2" creationId="{C0490F3E-1965-491A-A049-29D9612B29BD}"/>
+          </ac:spMkLst>
+        </pc:spChg>
+        <pc:spChg chg="mod">
+          <ac:chgData name="Rosihan Ariyuana" userId="a673341b-dfea-48bd-bc6b-c1125fd20ed3" providerId="ADAL" clId="{86F80E2C-0334-4EAB-A44F-F1436F2BA600}" dt="2019-04-01T13:38:03.493" v="712"/>
+          <ac:spMkLst>
+            <pc:docMk/>
+            <pc:sldMk cId="2476871143" sldId="327"/>
+            <ac:spMk id="3" creationId="{7E05CAFE-C83B-472A-9F0C-95383030F60E}"/>
+          </ac:spMkLst>
+        </pc:spChg>
+        <pc:picChg chg="add mod">
+          <ac:chgData name="Rosihan Ariyuana" userId="a673341b-dfea-48bd-bc6b-c1125fd20ed3" providerId="ADAL" clId="{86F80E2C-0334-4EAB-A44F-F1436F2BA600}" dt="2019-04-01T13:40:43.371" v="716" actId="14100"/>
+          <ac:picMkLst>
+            <pc:docMk/>
+            <pc:sldMk cId="2476871143" sldId="327"/>
+            <ac:picMk id="4" creationId="{6F6E4FF1-5BFF-40FC-A382-BEED5EFF450D}"/>
+          </ac:picMkLst>
+        </pc:picChg>
+      </pc:sldChg>
+      <pc:sldChg chg="addSp delSp modSp add">
+        <pc:chgData name="Rosihan Ariyuana" userId="a673341b-dfea-48bd-bc6b-c1125fd20ed3" providerId="ADAL" clId="{86F80E2C-0334-4EAB-A44F-F1436F2BA600}" dt="2019-04-01T14:08:16.889" v="726" actId="1076"/>
+        <pc:sldMkLst>
+          <pc:docMk/>
+          <pc:sldMk cId="2097810323" sldId="328"/>
+        </pc:sldMkLst>
+        <pc:spChg chg="mod">
+          <ac:chgData name="Rosihan Ariyuana" userId="a673341b-dfea-48bd-bc6b-c1125fd20ed3" providerId="ADAL" clId="{86F80E2C-0334-4EAB-A44F-F1436F2BA600}" dt="2019-04-01T14:08:11.342" v="724" actId="27636"/>
+          <ac:spMkLst>
+            <pc:docMk/>
+            <pc:sldMk cId="2097810323" sldId="328"/>
+            <ac:spMk id="2" creationId="{9A868CD5-4BE4-4F72-8E10-EB0A7A8D65D0}"/>
+          </ac:spMkLst>
+        </pc:spChg>
+        <pc:spChg chg="del">
+          <ac:chgData name="Rosihan Ariyuana" userId="a673341b-dfea-48bd-bc6b-c1125fd20ed3" providerId="ADAL" clId="{86F80E2C-0334-4EAB-A44F-F1436F2BA600}" dt="2019-04-01T14:07:56.280" v="718" actId="478"/>
+          <ac:spMkLst>
+            <pc:docMk/>
+            <pc:sldMk cId="2097810323" sldId="328"/>
+            <ac:spMk id="3" creationId="{F56BF802-C54C-4C6E-A881-FBA1B283DAD6}"/>
+          </ac:spMkLst>
+        </pc:spChg>
+        <pc:picChg chg="add mod">
+          <ac:chgData name="Rosihan Ariyuana" userId="a673341b-dfea-48bd-bc6b-c1125fd20ed3" providerId="ADAL" clId="{86F80E2C-0334-4EAB-A44F-F1436F2BA600}" dt="2019-04-01T14:08:16.889" v="726" actId="1076"/>
+          <ac:picMkLst>
+            <pc:docMk/>
+            <pc:sldMk cId="2097810323" sldId="328"/>
+            <ac:picMk id="4" creationId="{016A47EF-1726-4DC5-989D-26A49F2EBA57}"/>
+          </ac:picMkLst>
+        </pc:picChg>
+      </pc:sldChg>
+      <pc:sldChg chg="addSp delSp modSp add">
+        <pc:chgData name="Rosihan Ariyuana" userId="a673341b-dfea-48bd-bc6b-c1125fd20ed3" providerId="ADAL" clId="{86F80E2C-0334-4EAB-A44F-F1436F2BA600}" dt="2019-04-01T14:24:40.617" v="743" actId="14100"/>
+        <pc:sldMkLst>
+          <pc:docMk/>
+          <pc:sldMk cId="2908628761" sldId="329"/>
+        </pc:sldMkLst>
+        <pc:spChg chg="mod">
+          <ac:chgData name="Rosihan Ariyuana" userId="a673341b-dfea-48bd-bc6b-c1125fd20ed3" providerId="ADAL" clId="{86F80E2C-0334-4EAB-A44F-F1436F2BA600}" dt="2019-04-01T14:23:35.102" v="742" actId="27636"/>
+          <ac:spMkLst>
+            <pc:docMk/>
+            <pc:sldMk cId="2908628761" sldId="329"/>
+            <ac:spMk id="2" creationId="{FEA5AE67-8419-4548-BBB3-BB5FBF4EA3FF}"/>
+          </ac:spMkLst>
+        </pc:spChg>
+        <pc:spChg chg="add del mod">
+          <ac:chgData name="Rosihan Ariyuana" userId="a673341b-dfea-48bd-bc6b-c1125fd20ed3" providerId="ADAL" clId="{86F80E2C-0334-4EAB-A44F-F1436F2BA600}" dt="2019-04-01T14:23:13.770" v="737"/>
+          <ac:spMkLst>
+            <pc:docMk/>
+            <pc:sldMk cId="2908628761" sldId="329"/>
+            <ac:spMk id="3" creationId="{6DEA510E-0831-4C7E-B3D0-DE52CFC39202}"/>
+          </ac:spMkLst>
+        </pc:spChg>
+        <pc:picChg chg="add del mod">
+          <ac:chgData name="Rosihan Ariyuana" userId="a673341b-dfea-48bd-bc6b-c1125fd20ed3" providerId="ADAL" clId="{86F80E2C-0334-4EAB-A44F-F1436F2BA600}" dt="2019-04-01T14:23:10.591" v="734"/>
+          <ac:picMkLst>
+            <pc:docMk/>
+            <pc:sldMk cId="2908628761" sldId="329"/>
+            <ac:picMk id="4" creationId="{515AB0A6-4E28-46E7-B4BB-2DE7C53E06E9}"/>
+          </ac:picMkLst>
+        </pc:picChg>
+        <pc:picChg chg="add mod">
+          <ac:chgData name="Rosihan Ariyuana" userId="a673341b-dfea-48bd-bc6b-c1125fd20ed3" providerId="ADAL" clId="{86F80E2C-0334-4EAB-A44F-F1436F2BA600}" dt="2019-04-01T14:24:40.617" v="743" actId="14100"/>
+          <ac:picMkLst>
+            <pc:docMk/>
+            <pc:sldMk cId="2908628761" sldId="329"/>
+            <ac:picMk id="5" creationId="{51A09E09-A705-4751-99A7-368293C3A385}"/>
+          </ac:picMkLst>
+        </pc:picChg>
+      </pc:sldChg>
+    </pc:docChg>
+  </pc:docChgLst>
   <pc:docChgLst>
     <pc:chgData name="Rosihan Ariyuana" userId="a673341b-dfea-48bd-bc6b-c1125fd20ed3" providerId="ADAL" clId="{302C9D0F-9514-4A0C-8A74-F2B91C9F57A4}"/>
     <pc:docChg chg="undo custSel addSld modSld sldOrd">
@@ -1429,20 +1941,6 @@
             <ac:picMk id="4" creationId="{72FB3477-9FE4-4E9F-B6A5-C72E12FFDF72}"/>
           </ac:picMkLst>
         </pc:picChg>
-      </pc:sldChg>
-      <pc:sldChg chg="add del">
-        <pc:chgData name="Rosihan Ariyuana" userId="a673341b-dfea-48bd-bc6b-c1125fd20ed3" providerId="ADAL" clId="{CAB50CE4-68A2-4207-B7DE-D119D3359EB7}" dt="2019-03-25T11:29:54.463" v="593"/>
-        <pc:sldMkLst>
-          <pc:docMk/>
-          <pc:sldMk cId="535630024" sldId="308"/>
-        </pc:sldMkLst>
-      </pc:sldChg>
-      <pc:sldChg chg="add del">
-        <pc:chgData name="Rosihan Ariyuana" userId="a673341b-dfea-48bd-bc6b-c1125fd20ed3" providerId="ADAL" clId="{CAB50CE4-68A2-4207-B7DE-D119D3359EB7}" dt="2019-03-25T11:29:49.970" v="591" actId="2696"/>
-        <pc:sldMkLst>
-          <pc:docMk/>
-          <pc:sldMk cId="1634319165" sldId="308"/>
-        </pc:sldMkLst>
       </pc:sldChg>
       <pc:sldChg chg="modSp add">
         <pc:chgData name="Rosihan Ariyuana" userId="a673341b-dfea-48bd-bc6b-c1125fd20ed3" providerId="ADAL" clId="{CAB50CE4-68A2-4207-B7DE-D119D3359EB7}" dt="2019-03-25T11:30:20.373" v="659" actId="20577"/>
@@ -2458,7 +2956,7 @@
           <a:p>
             <a:fld id="{6BD668DE-C332-4196-9C29-A67E3840ABAF}" type="datetimeFigureOut">
               <a:rPr lang="en-US" smtClean="0"/>
-              <a:t>3/26/2019</a:t>
+              <a:t>4/1/2019</a:t>
             </a:fld>
             <a:endParaRPr lang="en-US"/>
           </a:p>
@@ -2626,7 +3124,7 @@
           <a:p>
             <a:fld id="{6BD668DE-C332-4196-9C29-A67E3840ABAF}" type="datetimeFigureOut">
               <a:rPr lang="en-US" smtClean="0"/>
-              <a:t>3/26/2019</a:t>
+              <a:t>4/1/2019</a:t>
             </a:fld>
             <a:endParaRPr lang="en-US"/>
           </a:p>
@@ -2804,7 +3302,7 @@
           <a:p>
             <a:fld id="{6BD668DE-C332-4196-9C29-A67E3840ABAF}" type="datetimeFigureOut">
               <a:rPr lang="en-US" smtClean="0"/>
-              <a:t>3/26/2019</a:t>
+              <a:t>4/1/2019</a:t>
             </a:fld>
             <a:endParaRPr lang="en-US"/>
           </a:p>
@@ -2972,7 +3470,7 @@
           <a:p>
             <a:fld id="{6BD668DE-C332-4196-9C29-A67E3840ABAF}" type="datetimeFigureOut">
               <a:rPr lang="en-US" smtClean="0"/>
-              <a:t>3/26/2019</a:t>
+              <a:t>4/1/2019</a:t>
             </a:fld>
             <a:endParaRPr lang="en-US"/>
           </a:p>
@@ -3217,7 +3715,7 @@
           <a:p>
             <a:fld id="{6BD668DE-C332-4196-9C29-A67E3840ABAF}" type="datetimeFigureOut">
               <a:rPr lang="en-US" smtClean="0"/>
-              <a:t>3/26/2019</a:t>
+              <a:t>4/1/2019</a:t>
             </a:fld>
             <a:endParaRPr lang="en-US"/>
           </a:p>
@@ -3502,7 +4000,7 @@
           <a:p>
             <a:fld id="{6BD668DE-C332-4196-9C29-A67E3840ABAF}" type="datetimeFigureOut">
               <a:rPr lang="en-US" smtClean="0"/>
-              <a:t>3/26/2019</a:t>
+              <a:t>4/1/2019</a:t>
             </a:fld>
             <a:endParaRPr lang="en-US"/>
           </a:p>
@@ -3921,7 +4419,7 @@
           <a:p>
             <a:fld id="{6BD668DE-C332-4196-9C29-A67E3840ABAF}" type="datetimeFigureOut">
               <a:rPr lang="en-US" smtClean="0"/>
-              <a:t>3/26/2019</a:t>
+              <a:t>4/1/2019</a:t>
             </a:fld>
             <a:endParaRPr lang="en-US"/>
           </a:p>
@@ -4038,7 +4536,7 @@
           <a:p>
             <a:fld id="{6BD668DE-C332-4196-9C29-A67E3840ABAF}" type="datetimeFigureOut">
               <a:rPr lang="en-US" smtClean="0"/>
-              <a:t>3/26/2019</a:t>
+              <a:t>4/1/2019</a:t>
             </a:fld>
             <a:endParaRPr lang="en-US"/>
           </a:p>
@@ -4133,7 +4631,7 @@
           <a:p>
             <a:fld id="{6BD668DE-C332-4196-9C29-A67E3840ABAF}" type="datetimeFigureOut">
               <a:rPr lang="en-US" smtClean="0"/>
-              <a:t>3/26/2019</a:t>
+              <a:t>4/1/2019</a:t>
             </a:fld>
             <a:endParaRPr lang="en-US"/>
           </a:p>
@@ -4408,7 +4906,7 @@
           <a:p>
             <a:fld id="{6BD668DE-C332-4196-9C29-A67E3840ABAF}" type="datetimeFigureOut">
               <a:rPr lang="en-US" smtClean="0"/>
-              <a:t>3/26/2019</a:t>
+              <a:t>4/1/2019</a:t>
             </a:fld>
             <a:endParaRPr lang="en-US"/>
           </a:p>
@@ -4660,7 +5158,7 @@
           <a:p>
             <a:fld id="{6BD668DE-C332-4196-9C29-A67E3840ABAF}" type="datetimeFigureOut">
               <a:rPr lang="en-US" smtClean="0"/>
-              <a:t>3/26/2019</a:t>
+              <a:t>4/1/2019</a:t>
             </a:fld>
             <a:endParaRPr lang="en-US"/>
           </a:p>
@@ -4871,7 +5369,7 @@
           <a:p>
             <a:fld id="{6BD668DE-C332-4196-9C29-A67E3840ABAF}" type="datetimeFigureOut">
               <a:rPr lang="en-US" smtClean="0"/>
-              <a:t>3/26/2019</a:t>
+              <a:t>4/1/2019</a:t>
             </a:fld>
             <a:endParaRPr lang="en-US"/>
           </a:p>
@@ -16854,8 +17352,8 @@
         </p:nvSpPr>
         <p:spPr>
           <a:xfrm>
-            <a:off x="4716016" y="3863181"/>
-            <a:ext cx="4143608" cy="2215991"/>
+            <a:off x="4644008" y="3429000"/>
+            <a:ext cx="4143608" cy="3323987"/>
           </a:xfrm>
           <a:prstGeom prst="rect">
             <a:avLst/>
@@ -17022,6 +17520,39 @@
               <a:rPr lang="en-US" sz="2400" dirty="0"/>
               <a:t> = n</a:t>
             </a:r>
+            <a:br>
+              <a:rPr lang="en-US" sz="2400" dirty="0"/>
+            </a:br>
+            <a:br>
+              <a:rPr lang="en-US" sz="2400" dirty="0"/>
+            </a:br>
+            <a:r>
+              <a:rPr lang="en-US" sz="2400" dirty="0" err="1"/>
+              <a:t>Disimbolkan</a:t>
+            </a:r>
+            <a:r>
+              <a:rPr lang="en-US" sz="2400" dirty="0"/>
+              <a:t> O(…) -&gt; big o</a:t>
+            </a:r>
+            <a:br>
+              <a:rPr lang="en-US" sz="2400" dirty="0"/>
+            </a:br>
+            <a:r>
+              <a:rPr lang="en-US" sz="2400" i="1" dirty="0" err="1"/>
+              <a:t>T</a:t>
+            </a:r>
+            <a:r>
+              <a:rPr lang="en-US" sz="2400" i="1" baseline="-25000" dirty="0" err="1"/>
+              <a:t>max</a:t>
+            </a:r>
+            <a:r>
+              <a:rPr lang="en-US" sz="2400" i="1" dirty="0"/>
+              <a:t>(n)</a:t>
+            </a:r>
+            <a:r>
+              <a:rPr lang="en-US" sz="2400" dirty="0"/>
+              <a:t> = n -&gt; O(n)</a:t>
+            </a:r>
           </a:p>
           <a:p>
             <a:endParaRPr lang="en-ID" dirty="0"/>
@@ -17032,6 +17563,1352 @@
     <p:extLst>
       <p:ext uri="{BB962C8B-B14F-4D97-AF65-F5344CB8AC3E}">
         <p14:creationId xmlns:p14="http://schemas.microsoft.com/office/powerpoint/2010/main" val="3226440320"/>
+      </p:ext>
+    </p:extLst>
+  </p:cSld>
+  <p:clrMapOvr>
+    <a:masterClrMapping/>
+  </p:clrMapOvr>
+</p:sld>
+</file>
+
+<file path=ppt/slides/slide62.xml><?xml version="1.0" encoding="utf-8"?>
+<p:sld xmlns:a="http://schemas.openxmlformats.org/drawingml/2006/main" xmlns:r="http://schemas.openxmlformats.org/officeDocument/2006/relationships" xmlns:p="http://schemas.openxmlformats.org/presentationml/2006/main">
+  <p:cSld>
+    <p:spTree>
+      <p:nvGrpSpPr>
+        <p:cNvPr id="1" name=""/>
+        <p:cNvGrpSpPr/>
+        <p:nvPr/>
+      </p:nvGrpSpPr>
+      <p:grpSpPr>
+        <a:xfrm>
+          <a:off x="0" y="0"/>
+          <a:ext cx="0" cy="0"/>
+          <a:chOff x="0" y="0"/>
+          <a:chExt cx="0" cy="0"/>
+        </a:xfrm>
+      </p:grpSpPr>
+      <p:sp>
+        <p:nvSpPr>
+          <p:cNvPr id="2" name="Title 1">
+            <a:extLst>
+              <a:ext uri="{FF2B5EF4-FFF2-40B4-BE49-F238E27FC236}">
+                <a16:creationId xmlns:a16="http://schemas.microsoft.com/office/drawing/2014/main" id="{08683077-A0DD-4FD6-A47B-B9F15EC0FDEC}"/>
+              </a:ext>
+            </a:extLst>
+          </p:cNvPr>
+          <p:cNvSpPr>
+            <a:spLocks noGrp="1"/>
+          </p:cNvSpPr>
+          <p:nvPr>
+            <p:ph type="title"/>
+          </p:nvPr>
+        </p:nvSpPr>
+        <p:spPr/>
+        <p:txBody>
+          <a:bodyPr/>
+          <a:lstStyle/>
+          <a:p>
+            <a:r>
+              <a:rPr lang="en-ID" dirty="0" err="1"/>
+              <a:t>Kompleksitas</a:t>
+            </a:r>
+            <a:r>
+              <a:rPr lang="en-ID" dirty="0"/>
+              <a:t> Waktu T(n)</a:t>
+            </a:r>
+          </a:p>
+        </p:txBody>
+      </p:sp>
+      <p:sp>
+        <p:nvSpPr>
+          <p:cNvPr id="3" name="Content Placeholder 2">
+            <a:extLst>
+              <a:ext uri="{FF2B5EF4-FFF2-40B4-BE49-F238E27FC236}">
+                <a16:creationId xmlns:a16="http://schemas.microsoft.com/office/drawing/2014/main" id="{E0137F57-2008-4ED8-94EC-7D70FC04C5C8}"/>
+              </a:ext>
+            </a:extLst>
+          </p:cNvPr>
+          <p:cNvSpPr>
+            <a:spLocks noGrp="1"/>
+          </p:cNvSpPr>
+          <p:nvPr>
+            <p:ph idx="1"/>
+          </p:nvPr>
+        </p:nvSpPr>
+        <p:spPr>
+          <a:xfrm>
+            <a:off x="251520" y="1628800"/>
+            <a:ext cx="8229600" cy="4525963"/>
+          </a:xfrm>
+        </p:spPr>
+        <p:txBody>
+          <a:bodyPr/>
+          <a:lstStyle/>
+          <a:p>
+            <a:pPr marL="0" indent="0">
+              <a:buNone/>
+            </a:pPr>
+            <a:r>
+              <a:rPr lang="en-ID" dirty="0" err="1"/>
+              <a:t>Kompleksitas</a:t>
+            </a:r>
+            <a:r>
+              <a:rPr lang="en-ID" dirty="0"/>
+              <a:t> O(1)</a:t>
+            </a:r>
+          </a:p>
+          <a:p>
+            <a:pPr marL="0" indent="0">
+              <a:buNone/>
+            </a:pPr>
+            <a:r>
+              <a:rPr lang="en-ID" dirty="0" err="1"/>
+              <a:t>Contoh</a:t>
+            </a:r>
+            <a:r>
+              <a:rPr lang="en-ID" dirty="0"/>
+              <a:t>:</a:t>
+            </a:r>
+          </a:p>
+          <a:p>
+            <a:pPr marL="0" indent="0">
+              <a:buNone/>
+            </a:pPr>
+            <a:endParaRPr lang="en-ID" dirty="0"/>
+          </a:p>
+        </p:txBody>
+      </p:sp>
+      <p:pic>
+        <p:nvPicPr>
+          <p:cNvPr id="4" name="Picture 3">
+            <a:extLst>
+              <a:ext uri="{FF2B5EF4-FFF2-40B4-BE49-F238E27FC236}">
+                <a16:creationId xmlns:a16="http://schemas.microsoft.com/office/drawing/2014/main" id="{32416449-6416-480E-94BB-4019EC9B5A42}"/>
+              </a:ext>
+            </a:extLst>
+          </p:cNvPr>
+          <p:cNvPicPr>
+            <a:picLocks noChangeAspect="1"/>
+          </p:cNvPicPr>
+          <p:nvPr/>
+        </p:nvPicPr>
+        <p:blipFill>
+          <a:blip r:embed="rId2"/>
+          <a:stretch>
+            <a:fillRect/>
+          </a:stretch>
+        </p:blipFill>
+        <p:spPr>
+          <a:xfrm>
+            <a:off x="179512" y="3179879"/>
+            <a:ext cx="3960440" cy="968740"/>
+          </a:xfrm>
+          <a:prstGeom prst="rect">
+            <a:avLst/>
+          </a:prstGeom>
+        </p:spPr>
+      </p:pic>
+      <p:pic>
+        <p:nvPicPr>
+          <p:cNvPr id="5" name="Picture 4">
+            <a:extLst>
+              <a:ext uri="{FF2B5EF4-FFF2-40B4-BE49-F238E27FC236}">
+                <a16:creationId xmlns:a16="http://schemas.microsoft.com/office/drawing/2014/main" id="{F7C6BD5C-1492-4B6B-A2F6-D80054F0CCD1}"/>
+              </a:ext>
+            </a:extLst>
+          </p:cNvPr>
+          <p:cNvPicPr>
+            <a:picLocks noChangeAspect="1"/>
+          </p:cNvPicPr>
+          <p:nvPr/>
+        </p:nvPicPr>
+        <p:blipFill>
+          <a:blip r:embed="rId3"/>
+          <a:stretch>
+            <a:fillRect/>
+          </a:stretch>
+        </p:blipFill>
+        <p:spPr>
+          <a:xfrm>
+            <a:off x="251521" y="4324753"/>
+            <a:ext cx="3960440" cy="1044037"/>
+          </a:xfrm>
+          <a:prstGeom prst="rect">
+            <a:avLst/>
+          </a:prstGeom>
+        </p:spPr>
+      </p:pic>
+      <p:pic>
+        <p:nvPicPr>
+          <p:cNvPr id="6" name="Content Placeholder 3" descr="gb8.jpg">
+            <a:extLst>
+              <a:ext uri="{FF2B5EF4-FFF2-40B4-BE49-F238E27FC236}">
+                <a16:creationId xmlns:a16="http://schemas.microsoft.com/office/drawing/2014/main" id="{60F92DA9-63A1-402C-B7B8-2279B4C59C0A}"/>
+              </a:ext>
+            </a:extLst>
+          </p:cNvPr>
+          <p:cNvPicPr>
+            <a:picLocks/>
+          </p:cNvPicPr>
+          <p:nvPr/>
+        </p:nvPicPr>
+        <p:blipFill>
+          <a:blip r:embed="rId4" cstate="print"/>
+          <a:stretch>
+            <a:fillRect/>
+          </a:stretch>
+        </p:blipFill>
+        <p:spPr>
+          <a:xfrm>
+            <a:off x="4363367" y="2726556"/>
+            <a:ext cx="4529111" cy="3726779"/>
+          </a:xfrm>
+          <a:prstGeom prst="rect">
+            <a:avLst/>
+          </a:prstGeom>
+          <a:ln>
+            <a:solidFill>
+              <a:schemeClr val="accent1">
+                <a:alpha val="99000"/>
+              </a:schemeClr>
+            </a:solidFill>
+          </a:ln>
+        </p:spPr>
+      </p:pic>
+    </p:spTree>
+    <p:extLst>
+      <p:ext uri="{BB962C8B-B14F-4D97-AF65-F5344CB8AC3E}">
+        <p14:creationId xmlns:p14="http://schemas.microsoft.com/office/powerpoint/2010/main" val="2530364693"/>
+      </p:ext>
+    </p:extLst>
+  </p:cSld>
+  <p:clrMapOvr>
+    <a:masterClrMapping/>
+  </p:clrMapOvr>
+</p:sld>
+</file>
+
+<file path=ppt/slides/slide63.xml><?xml version="1.0" encoding="utf-8"?>
+<p:sld xmlns:a="http://schemas.openxmlformats.org/drawingml/2006/main" xmlns:r="http://schemas.openxmlformats.org/officeDocument/2006/relationships" xmlns:p="http://schemas.openxmlformats.org/presentationml/2006/main">
+  <p:cSld>
+    <p:spTree>
+      <p:nvGrpSpPr>
+        <p:cNvPr id="1" name=""/>
+        <p:cNvGrpSpPr/>
+        <p:nvPr/>
+      </p:nvGrpSpPr>
+      <p:grpSpPr>
+        <a:xfrm>
+          <a:off x="0" y="0"/>
+          <a:ext cx="0" cy="0"/>
+          <a:chOff x="0" y="0"/>
+          <a:chExt cx="0" cy="0"/>
+        </a:xfrm>
+      </p:grpSpPr>
+      <p:sp>
+        <p:nvSpPr>
+          <p:cNvPr id="2" name="Title 1">
+            <a:extLst>
+              <a:ext uri="{FF2B5EF4-FFF2-40B4-BE49-F238E27FC236}">
+                <a16:creationId xmlns:a16="http://schemas.microsoft.com/office/drawing/2014/main" id="{B74036B2-C3CC-4D3B-A0D2-E861F9898474}"/>
+              </a:ext>
+            </a:extLst>
+          </p:cNvPr>
+          <p:cNvSpPr>
+            <a:spLocks noGrp="1"/>
+          </p:cNvSpPr>
+          <p:nvPr>
+            <p:ph type="title"/>
+          </p:nvPr>
+        </p:nvSpPr>
+        <p:spPr/>
+        <p:txBody>
+          <a:bodyPr/>
+          <a:lstStyle/>
+          <a:p>
+            <a:r>
+              <a:rPr lang="en-ID" dirty="0" err="1"/>
+              <a:t>Kompleksitas</a:t>
+            </a:r>
+            <a:r>
+              <a:rPr lang="en-ID" dirty="0"/>
+              <a:t> Waktu T(n)</a:t>
+            </a:r>
+          </a:p>
+        </p:txBody>
+      </p:sp>
+      <p:sp>
+        <p:nvSpPr>
+          <p:cNvPr id="3" name="Content Placeholder 2">
+            <a:extLst>
+              <a:ext uri="{FF2B5EF4-FFF2-40B4-BE49-F238E27FC236}">
+                <a16:creationId xmlns:a16="http://schemas.microsoft.com/office/drawing/2014/main" id="{C1EFCC75-BE13-4885-9045-862C3B643266}"/>
+              </a:ext>
+            </a:extLst>
+          </p:cNvPr>
+          <p:cNvSpPr>
+            <a:spLocks noGrp="1"/>
+          </p:cNvSpPr>
+          <p:nvPr>
+            <p:ph idx="1"/>
+          </p:nvPr>
+        </p:nvSpPr>
+        <p:spPr>
+          <a:xfrm>
+            <a:off x="19720" y="1628800"/>
+            <a:ext cx="8229600" cy="4525963"/>
+          </a:xfrm>
+        </p:spPr>
+        <p:txBody>
+          <a:bodyPr/>
+          <a:lstStyle/>
+          <a:p>
+            <a:pPr marL="0" indent="0">
+              <a:buNone/>
+            </a:pPr>
+            <a:r>
+              <a:rPr lang="en-ID" dirty="0" err="1"/>
+              <a:t>Kompleksitas</a:t>
+            </a:r>
+            <a:r>
+              <a:rPr lang="en-ID" dirty="0"/>
+              <a:t> O(n)</a:t>
+            </a:r>
+          </a:p>
+          <a:p>
+            <a:pPr marL="0" indent="0">
+              <a:buNone/>
+            </a:pPr>
+            <a:r>
+              <a:rPr lang="en-ID" dirty="0" err="1"/>
+              <a:t>Contoh</a:t>
+            </a:r>
+            <a:r>
+              <a:rPr lang="en-ID" dirty="0"/>
+              <a:t>:</a:t>
+            </a:r>
+          </a:p>
+          <a:p>
+            <a:pPr marL="0" indent="0">
+              <a:buNone/>
+            </a:pPr>
+            <a:endParaRPr lang="en-ID" dirty="0"/>
+          </a:p>
+        </p:txBody>
+      </p:sp>
+      <p:pic>
+        <p:nvPicPr>
+          <p:cNvPr id="4" name="Picture 3">
+            <a:extLst>
+              <a:ext uri="{FF2B5EF4-FFF2-40B4-BE49-F238E27FC236}">
+                <a16:creationId xmlns:a16="http://schemas.microsoft.com/office/drawing/2014/main" id="{6FFC7E76-D878-47CD-B9E4-21CE7D305E90}"/>
+              </a:ext>
+            </a:extLst>
+          </p:cNvPr>
+          <p:cNvPicPr>
+            <a:picLocks noChangeAspect="1"/>
+          </p:cNvPicPr>
+          <p:nvPr/>
+        </p:nvPicPr>
+        <p:blipFill>
+          <a:blip r:embed="rId2"/>
+          <a:stretch>
+            <a:fillRect/>
+          </a:stretch>
+        </p:blipFill>
+        <p:spPr>
+          <a:xfrm>
+            <a:off x="92052" y="3140968"/>
+            <a:ext cx="4335933" cy="2223337"/>
+          </a:xfrm>
+          <a:prstGeom prst="rect">
+            <a:avLst/>
+          </a:prstGeom>
+        </p:spPr>
+      </p:pic>
+      <p:pic>
+        <p:nvPicPr>
+          <p:cNvPr id="5" name="Content Placeholder 3" descr="g8.jpg">
+            <a:extLst>
+              <a:ext uri="{FF2B5EF4-FFF2-40B4-BE49-F238E27FC236}">
+                <a16:creationId xmlns:a16="http://schemas.microsoft.com/office/drawing/2014/main" id="{095B3109-56B6-49C6-953C-B02242A39057}"/>
+              </a:ext>
+            </a:extLst>
+          </p:cNvPr>
+          <p:cNvPicPr>
+            <a:picLocks noChangeAspect="1"/>
+          </p:cNvPicPr>
+          <p:nvPr/>
+        </p:nvPicPr>
+        <p:blipFill>
+          <a:blip r:embed="rId3" cstate="print"/>
+          <a:stretch>
+            <a:fillRect/>
+          </a:stretch>
+        </p:blipFill>
+        <p:spPr>
+          <a:xfrm>
+            <a:off x="4483547" y="3140968"/>
+            <a:ext cx="4480941" cy="3098045"/>
+          </a:xfrm>
+          <a:prstGeom prst="rect">
+            <a:avLst/>
+          </a:prstGeom>
+          <a:ln>
+            <a:solidFill>
+              <a:schemeClr val="accent1"/>
+            </a:solidFill>
+          </a:ln>
+        </p:spPr>
+      </p:pic>
+    </p:spTree>
+    <p:extLst>
+      <p:ext uri="{BB962C8B-B14F-4D97-AF65-F5344CB8AC3E}">
+        <p14:creationId xmlns:p14="http://schemas.microsoft.com/office/powerpoint/2010/main" val="3925015350"/>
+      </p:ext>
+    </p:extLst>
+  </p:cSld>
+  <p:clrMapOvr>
+    <a:masterClrMapping/>
+  </p:clrMapOvr>
+</p:sld>
+</file>
+
+<file path=ppt/slides/slide64.xml><?xml version="1.0" encoding="utf-8"?>
+<p:sld xmlns:a="http://schemas.openxmlformats.org/drawingml/2006/main" xmlns:r="http://schemas.openxmlformats.org/officeDocument/2006/relationships" xmlns:p="http://schemas.openxmlformats.org/presentationml/2006/main">
+  <p:cSld>
+    <p:spTree>
+      <p:nvGrpSpPr>
+        <p:cNvPr id="1" name=""/>
+        <p:cNvGrpSpPr/>
+        <p:nvPr/>
+      </p:nvGrpSpPr>
+      <p:grpSpPr>
+        <a:xfrm>
+          <a:off x="0" y="0"/>
+          <a:ext cx="0" cy="0"/>
+          <a:chOff x="0" y="0"/>
+          <a:chExt cx="0" cy="0"/>
+        </a:xfrm>
+      </p:grpSpPr>
+      <p:sp>
+        <p:nvSpPr>
+          <p:cNvPr id="2" name="Title 1">
+            <a:extLst>
+              <a:ext uri="{FF2B5EF4-FFF2-40B4-BE49-F238E27FC236}">
+                <a16:creationId xmlns:a16="http://schemas.microsoft.com/office/drawing/2014/main" id="{B009AB58-9603-4D30-B0DE-977F395CE489}"/>
+              </a:ext>
+            </a:extLst>
+          </p:cNvPr>
+          <p:cNvSpPr>
+            <a:spLocks noGrp="1"/>
+          </p:cNvSpPr>
+          <p:nvPr>
+            <p:ph type="title"/>
+          </p:nvPr>
+        </p:nvSpPr>
+        <p:spPr/>
+        <p:txBody>
+          <a:bodyPr/>
+          <a:lstStyle/>
+          <a:p>
+            <a:r>
+              <a:rPr lang="en-ID" dirty="0" err="1"/>
+              <a:t>Kompleksitas</a:t>
+            </a:r>
+            <a:r>
+              <a:rPr lang="en-ID" dirty="0"/>
+              <a:t> Waktu T(n)</a:t>
+            </a:r>
+          </a:p>
+        </p:txBody>
+      </p:sp>
+      <p:sp>
+        <p:nvSpPr>
+          <p:cNvPr id="3" name="Content Placeholder 2">
+            <a:extLst>
+              <a:ext uri="{FF2B5EF4-FFF2-40B4-BE49-F238E27FC236}">
+                <a16:creationId xmlns:a16="http://schemas.microsoft.com/office/drawing/2014/main" id="{4B25BD01-5E33-40C0-9FA1-D999B90810D5}"/>
+              </a:ext>
+            </a:extLst>
+          </p:cNvPr>
+          <p:cNvSpPr>
+            <a:spLocks noGrp="1"/>
+          </p:cNvSpPr>
+          <p:nvPr>
+            <p:ph idx="1"/>
+          </p:nvPr>
+        </p:nvSpPr>
+        <p:spPr>
+          <a:xfrm>
+            <a:off x="12200" y="1556792"/>
+            <a:ext cx="8229600" cy="4525963"/>
+          </a:xfrm>
+        </p:spPr>
+        <p:txBody>
+          <a:bodyPr/>
+          <a:lstStyle/>
+          <a:p>
+            <a:pPr marL="0" indent="0">
+              <a:buNone/>
+            </a:pPr>
+            <a:r>
+              <a:rPr lang="en-ID" dirty="0" err="1"/>
+              <a:t>Kompleksitas</a:t>
+            </a:r>
+            <a:r>
+              <a:rPr lang="en-ID" dirty="0"/>
+              <a:t> O(log n)</a:t>
+            </a:r>
+          </a:p>
+          <a:p>
+            <a:pPr marL="0" indent="0">
+              <a:buNone/>
+            </a:pPr>
+            <a:r>
+              <a:rPr lang="en-ID" dirty="0" err="1"/>
+              <a:t>Contoh</a:t>
+            </a:r>
+            <a:r>
+              <a:rPr lang="en-ID" dirty="0"/>
+              <a:t>:</a:t>
+            </a:r>
+          </a:p>
+        </p:txBody>
+      </p:sp>
+      <p:pic>
+        <p:nvPicPr>
+          <p:cNvPr id="4" name="Picture 3">
+            <a:extLst>
+              <a:ext uri="{FF2B5EF4-FFF2-40B4-BE49-F238E27FC236}">
+                <a16:creationId xmlns:a16="http://schemas.microsoft.com/office/drawing/2014/main" id="{6734609A-D29D-4DF2-A440-56CF565A2460}"/>
+              </a:ext>
+            </a:extLst>
+          </p:cNvPr>
+          <p:cNvPicPr>
+            <a:picLocks noChangeAspect="1"/>
+          </p:cNvPicPr>
+          <p:nvPr/>
+        </p:nvPicPr>
+        <p:blipFill>
+          <a:blip r:embed="rId2"/>
+          <a:stretch>
+            <a:fillRect/>
+          </a:stretch>
+        </p:blipFill>
+        <p:spPr>
+          <a:xfrm>
+            <a:off x="12200" y="3068959"/>
+            <a:ext cx="4248472" cy="1734793"/>
+          </a:xfrm>
+          <a:prstGeom prst="rect">
+            <a:avLst/>
+          </a:prstGeom>
+        </p:spPr>
+      </p:pic>
+      <p:pic>
+        <p:nvPicPr>
+          <p:cNvPr id="5" name="Content Placeholder 3" descr="g6.jpg">
+            <a:extLst>
+              <a:ext uri="{FF2B5EF4-FFF2-40B4-BE49-F238E27FC236}">
+                <a16:creationId xmlns:a16="http://schemas.microsoft.com/office/drawing/2014/main" id="{0CAFD3AC-8CC6-4789-8FEE-42D2756CD904}"/>
+              </a:ext>
+            </a:extLst>
+          </p:cNvPr>
+          <p:cNvPicPr>
+            <a:picLocks noChangeAspect="1"/>
+          </p:cNvPicPr>
+          <p:nvPr/>
+        </p:nvPicPr>
+        <p:blipFill>
+          <a:blip r:embed="rId3" cstate="print"/>
+          <a:stretch>
+            <a:fillRect/>
+          </a:stretch>
+        </p:blipFill>
+        <p:spPr>
+          <a:xfrm>
+            <a:off x="4355975" y="2929805"/>
+            <a:ext cx="4673749" cy="3292104"/>
+          </a:xfrm>
+          <a:prstGeom prst="rect">
+            <a:avLst/>
+          </a:prstGeom>
+        </p:spPr>
+        <p:style>
+          <a:lnRef idx="2">
+            <a:schemeClr val="accent1"/>
+          </a:lnRef>
+          <a:fillRef idx="1">
+            <a:schemeClr val="lt1"/>
+          </a:fillRef>
+          <a:effectRef idx="0">
+            <a:schemeClr val="accent1"/>
+          </a:effectRef>
+          <a:fontRef idx="minor">
+            <a:schemeClr val="dk1"/>
+          </a:fontRef>
+        </p:style>
+      </p:pic>
+    </p:spTree>
+    <p:extLst>
+      <p:ext uri="{BB962C8B-B14F-4D97-AF65-F5344CB8AC3E}">
+        <p14:creationId xmlns:p14="http://schemas.microsoft.com/office/powerpoint/2010/main" val="3710300856"/>
+      </p:ext>
+    </p:extLst>
+  </p:cSld>
+  <p:clrMapOvr>
+    <a:masterClrMapping/>
+  </p:clrMapOvr>
+</p:sld>
+</file>
+
+<file path=ppt/slides/slide65.xml><?xml version="1.0" encoding="utf-8"?>
+<p:sld xmlns:a="http://schemas.openxmlformats.org/drawingml/2006/main" xmlns:r="http://schemas.openxmlformats.org/officeDocument/2006/relationships" xmlns:p="http://schemas.openxmlformats.org/presentationml/2006/main">
+  <p:cSld>
+    <p:spTree>
+      <p:nvGrpSpPr>
+        <p:cNvPr id="1" name=""/>
+        <p:cNvGrpSpPr/>
+        <p:nvPr/>
+      </p:nvGrpSpPr>
+      <p:grpSpPr>
+        <a:xfrm>
+          <a:off x="0" y="0"/>
+          <a:ext cx="0" cy="0"/>
+          <a:chOff x="0" y="0"/>
+          <a:chExt cx="0" cy="0"/>
+        </a:xfrm>
+      </p:grpSpPr>
+      <p:sp>
+        <p:nvSpPr>
+          <p:cNvPr id="2" name="Title 1">
+            <a:extLst>
+              <a:ext uri="{FF2B5EF4-FFF2-40B4-BE49-F238E27FC236}">
+                <a16:creationId xmlns:a16="http://schemas.microsoft.com/office/drawing/2014/main" id="{682688A1-CDAE-4C02-BD9B-A0EA7AFA6E82}"/>
+              </a:ext>
+            </a:extLst>
+          </p:cNvPr>
+          <p:cNvSpPr>
+            <a:spLocks noGrp="1"/>
+          </p:cNvSpPr>
+          <p:nvPr>
+            <p:ph type="title"/>
+          </p:nvPr>
+        </p:nvSpPr>
+        <p:spPr/>
+        <p:txBody>
+          <a:bodyPr/>
+          <a:lstStyle/>
+          <a:p>
+            <a:r>
+              <a:rPr lang="en-ID" dirty="0" err="1"/>
+              <a:t>Kompleksitas</a:t>
+            </a:r>
+            <a:r>
+              <a:rPr lang="en-ID" dirty="0"/>
+              <a:t> Waktu T(n)</a:t>
+            </a:r>
+          </a:p>
+        </p:txBody>
+      </p:sp>
+      <p:sp>
+        <p:nvSpPr>
+          <p:cNvPr id="3" name="Content Placeholder 2">
+            <a:extLst>
+              <a:ext uri="{FF2B5EF4-FFF2-40B4-BE49-F238E27FC236}">
+                <a16:creationId xmlns:a16="http://schemas.microsoft.com/office/drawing/2014/main" id="{26F2738E-9C6C-4295-AC26-25CB62EF1101}"/>
+              </a:ext>
+            </a:extLst>
+          </p:cNvPr>
+          <p:cNvSpPr>
+            <a:spLocks noGrp="1"/>
+          </p:cNvSpPr>
+          <p:nvPr>
+            <p:ph idx="1"/>
+          </p:nvPr>
+        </p:nvSpPr>
+        <p:spPr>
+          <a:xfrm>
+            <a:off x="26328" y="1628800"/>
+            <a:ext cx="8229600" cy="4525963"/>
+          </a:xfrm>
+        </p:spPr>
+        <p:txBody>
+          <a:bodyPr/>
+          <a:lstStyle/>
+          <a:p>
+            <a:pPr marL="0" indent="0">
+              <a:buNone/>
+            </a:pPr>
+            <a:r>
+              <a:rPr lang="en-ID" dirty="0" err="1"/>
+              <a:t>Kompleksitas</a:t>
+            </a:r>
+            <a:r>
+              <a:rPr lang="en-ID" dirty="0"/>
+              <a:t> O(n log n)</a:t>
+            </a:r>
+          </a:p>
+          <a:p>
+            <a:pPr marL="0" indent="0">
+              <a:buNone/>
+            </a:pPr>
+            <a:r>
+              <a:rPr lang="en-ID" dirty="0" err="1"/>
+              <a:t>Contoh</a:t>
+            </a:r>
+            <a:r>
+              <a:rPr lang="en-ID" dirty="0"/>
+              <a:t>:</a:t>
+            </a:r>
+          </a:p>
+        </p:txBody>
+      </p:sp>
+      <p:pic>
+        <p:nvPicPr>
+          <p:cNvPr id="5" name="Content Placeholder 3" descr="g9.jpg">
+            <a:extLst>
+              <a:ext uri="{FF2B5EF4-FFF2-40B4-BE49-F238E27FC236}">
+                <a16:creationId xmlns:a16="http://schemas.microsoft.com/office/drawing/2014/main" id="{1C92B741-D083-49BC-840B-B8F0C2D4E91C}"/>
+              </a:ext>
+            </a:extLst>
+          </p:cNvPr>
+          <p:cNvPicPr>
+            <a:picLocks noChangeAspect="1"/>
+          </p:cNvPicPr>
+          <p:nvPr/>
+        </p:nvPicPr>
+        <p:blipFill>
+          <a:blip r:embed="rId2" cstate="print"/>
+          <a:stretch>
+            <a:fillRect/>
+          </a:stretch>
+        </p:blipFill>
+        <p:spPr>
+          <a:xfrm>
+            <a:off x="4435251" y="3208793"/>
+            <a:ext cx="4601245" cy="3157132"/>
+          </a:xfrm>
+          <a:prstGeom prst="rect">
+            <a:avLst/>
+          </a:prstGeom>
+          <a:ln>
+            <a:solidFill>
+              <a:srgbClr val="0070C0"/>
+            </a:solidFill>
+          </a:ln>
+        </p:spPr>
+      </p:pic>
+      <p:pic>
+        <p:nvPicPr>
+          <p:cNvPr id="6" name="Picture 5">
+            <a:extLst>
+              <a:ext uri="{FF2B5EF4-FFF2-40B4-BE49-F238E27FC236}">
+                <a16:creationId xmlns:a16="http://schemas.microsoft.com/office/drawing/2014/main" id="{CBBFFA35-9014-4B77-B151-074ABFEC7ADC}"/>
+              </a:ext>
+            </a:extLst>
+          </p:cNvPr>
+          <p:cNvPicPr>
+            <a:picLocks noChangeAspect="1"/>
+          </p:cNvPicPr>
+          <p:nvPr/>
+        </p:nvPicPr>
+        <p:blipFill>
+          <a:blip r:embed="rId3"/>
+          <a:stretch>
+            <a:fillRect/>
+          </a:stretch>
+        </p:blipFill>
+        <p:spPr>
+          <a:xfrm>
+            <a:off x="111448" y="2936056"/>
+            <a:ext cx="4310322" cy="2653183"/>
+          </a:xfrm>
+          <a:prstGeom prst="rect">
+            <a:avLst/>
+          </a:prstGeom>
+        </p:spPr>
+      </p:pic>
+    </p:spTree>
+    <p:extLst>
+      <p:ext uri="{BB962C8B-B14F-4D97-AF65-F5344CB8AC3E}">
+        <p14:creationId xmlns:p14="http://schemas.microsoft.com/office/powerpoint/2010/main" val="368008897"/>
+      </p:ext>
+    </p:extLst>
+  </p:cSld>
+  <p:clrMapOvr>
+    <a:masterClrMapping/>
+  </p:clrMapOvr>
+</p:sld>
+</file>
+
+<file path=ppt/slides/slide66.xml><?xml version="1.0" encoding="utf-8"?>
+<p:sld xmlns:a="http://schemas.openxmlformats.org/drawingml/2006/main" xmlns:r="http://schemas.openxmlformats.org/officeDocument/2006/relationships" xmlns:p="http://schemas.openxmlformats.org/presentationml/2006/main">
+  <p:cSld>
+    <p:spTree>
+      <p:nvGrpSpPr>
+        <p:cNvPr id="1" name=""/>
+        <p:cNvGrpSpPr/>
+        <p:nvPr/>
+      </p:nvGrpSpPr>
+      <p:grpSpPr>
+        <a:xfrm>
+          <a:off x="0" y="0"/>
+          <a:ext cx="0" cy="0"/>
+          <a:chOff x="0" y="0"/>
+          <a:chExt cx="0" cy="0"/>
+        </a:xfrm>
+      </p:grpSpPr>
+      <p:sp>
+        <p:nvSpPr>
+          <p:cNvPr id="2" name="Title 1">
+            <a:extLst>
+              <a:ext uri="{FF2B5EF4-FFF2-40B4-BE49-F238E27FC236}">
+                <a16:creationId xmlns:a16="http://schemas.microsoft.com/office/drawing/2014/main" id="{AE20F0EF-6DD8-4F12-AFD5-52CD05FE1EB8}"/>
+              </a:ext>
+            </a:extLst>
+          </p:cNvPr>
+          <p:cNvSpPr>
+            <a:spLocks noGrp="1"/>
+          </p:cNvSpPr>
+          <p:nvPr>
+            <p:ph type="title"/>
+          </p:nvPr>
+        </p:nvSpPr>
+        <p:spPr/>
+        <p:txBody>
+          <a:bodyPr/>
+          <a:lstStyle/>
+          <a:p>
+            <a:r>
+              <a:rPr lang="en-ID" dirty="0" err="1"/>
+              <a:t>Kompleksitas</a:t>
+            </a:r>
+            <a:r>
+              <a:rPr lang="en-ID" dirty="0"/>
+              <a:t> Waktu T(n)</a:t>
+            </a:r>
+          </a:p>
+        </p:txBody>
+      </p:sp>
+      <p:sp>
+        <p:nvSpPr>
+          <p:cNvPr id="3" name="Content Placeholder 2">
+            <a:extLst>
+              <a:ext uri="{FF2B5EF4-FFF2-40B4-BE49-F238E27FC236}">
+                <a16:creationId xmlns:a16="http://schemas.microsoft.com/office/drawing/2014/main" id="{0B9F4E0C-D755-4B44-8D21-149C1ED02F32}"/>
+              </a:ext>
+            </a:extLst>
+          </p:cNvPr>
+          <p:cNvSpPr>
+            <a:spLocks noGrp="1"/>
+          </p:cNvSpPr>
+          <p:nvPr>
+            <p:ph idx="1"/>
+          </p:nvPr>
+        </p:nvSpPr>
+        <p:spPr>
+          <a:xfrm>
+            <a:off x="107504" y="1556792"/>
+            <a:ext cx="8229600" cy="4525963"/>
+          </a:xfrm>
+        </p:spPr>
+        <p:txBody>
+          <a:bodyPr/>
+          <a:lstStyle/>
+          <a:p>
+            <a:pPr marL="0" indent="0">
+              <a:buNone/>
+            </a:pPr>
+            <a:r>
+              <a:rPr lang="en-ID" dirty="0" err="1"/>
+              <a:t>Kompleksitas</a:t>
+            </a:r>
+            <a:r>
+              <a:rPr lang="en-ID" dirty="0"/>
+              <a:t> polynomial O(n</a:t>
+            </a:r>
+            <a:r>
+              <a:rPr lang="en-ID" baseline="30000" dirty="0"/>
+              <a:t>m</a:t>
+            </a:r>
+            <a:r>
+              <a:rPr lang="en-ID" dirty="0"/>
+              <a:t>)</a:t>
+            </a:r>
+          </a:p>
+          <a:p>
+            <a:pPr marL="0" indent="0">
+              <a:buNone/>
+            </a:pPr>
+            <a:r>
+              <a:rPr lang="en-ID" dirty="0" err="1"/>
+              <a:t>Contoh</a:t>
+            </a:r>
+            <a:r>
+              <a:rPr lang="en-ID" dirty="0"/>
+              <a:t>: O(n</a:t>
+            </a:r>
+            <a:r>
+              <a:rPr lang="en-ID" baseline="30000" dirty="0"/>
+              <a:t>2</a:t>
+            </a:r>
+            <a:r>
+              <a:rPr lang="en-ID" dirty="0"/>
+              <a:t>)</a:t>
+            </a:r>
+          </a:p>
+        </p:txBody>
+      </p:sp>
+      <p:pic>
+        <p:nvPicPr>
+          <p:cNvPr id="6" name="Content Placeholder 3" descr="g11.jpg">
+            <a:extLst>
+              <a:ext uri="{FF2B5EF4-FFF2-40B4-BE49-F238E27FC236}">
+                <a16:creationId xmlns:a16="http://schemas.microsoft.com/office/drawing/2014/main" id="{ADC4C776-78AF-453A-A318-73DB49C1F06C}"/>
+              </a:ext>
+            </a:extLst>
+          </p:cNvPr>
+          <p:cNvPicPr>
+            <a:picLocks noChangeAspect="1"/>
+          </p:cNvPicPr>
+          <p:nvPr/>
+        </p:nvPicPr>
+        <p:blipFill>
+          <a:blip r:embed="rId2" cstate="print"/>
+          <a:stretch>
+            <a:fillRect/>
+          </a:stretch>
+        </p:blipFill>
+        <p:spPr>
+          <a:xfrm>
+            <a:off x="4427984" y="3068960"/>
+            <a:ext cx="4608869" cy="3152949"/>
+          </a:xfrm>
+          <a:prstGeom prst="rect">
+            <a:avLst/>
+          </a:prstGeom>
+          <a:ln>
+            <a:solidFill>
+              <a:srgbClr val="0070C0"/>
+            </a:solidFill>
+          </a:ln>
+        </p:spPr>
+      </p:pic>
+      <p:pic>
+        <p:nvPicPr>
+          <p:cNvPr id="7" name="Picture 6">
+            <a:extLst>
+              <a:ext uri="{FF2B5EF4-FFF2-40B4-BE49-F238E27FC236}">
+                <a16:creationId xmlns:a16="http://schemas.microsoft.com/office/drawing/2014/main" id="{09B94A69-1595-438C-8FAF-A1DB385CE882}"/>
+              </a:ext>
+            </a:extLst>
+          </p:cNvPr>
+          <p:cNvPicPr>
+            <a:picLocks noChangeAspect="1"/>
+          </p:cNvPicPr>
+          <p:nvPr/>
+        </p:nvPicPr>
+        <p:blipFill>
+          <a:blip r:embed="rId3"/>
+          <a:stretch>
+            <a:fillRect/>
+          </a:stretch>
+        </p:blipFill>
+        <p:spPr>
+          <a:xfrm>
+            <a:off x="107504" y="2924944"/>
+            <a:ext cx="4248164" cy="2088232"/>
+          </a:xfrm>
+          <a:prstGeom prst="rect">
+            <a:avLst/>
+          </a:prstGeom>
+        </p:spPr>
+      </p:pic>
+    </p:spTree>
+    <p:extLst>
+      <p:ext uri="{BB962C8B-B14F-4D97-AF65-F5344CB8AC3E}">
+        <p14:creationId xmlns:p14="http://schemas.microsoft.com/office/powerpoint/2010/main" val="433084370"/>
+      </p:ext>
+    </p:extLst>
+  </p:cSld>
+  <p:clrMapOvr>
+    <a:masterClrMapping/>
+  </p:clrMapOvr>
+</p:sld>
+</file>
+
+<file path=ppt/slides/slide67.xml><?xml version="1.0" encoding="utf-8"?>
+<p:sld xmlns:a="http://schemas.openxmlformats.org/drawingml/2006/main" xmlns:r="http://schemas.openxmlformats.org/officeDocument/2006/relationships" xmlns:p="http://schemas.openxmlformats.org/presentationml/2006/main">
+  <p:cSld>
+    <p:spTree>
+      <p:nvGrpSpPr>
+        <p:cNvPr id="1" name=""/>
+        <p:cNvGrpSpPr/>
+        <p:nvPr/>
+      </p:nvGrpSpPr>
+      <p:grpSpPr>
+        <a:xfrm>
+          <a:off x="0" y="0"/>
+          <a:ext cx="0" cy="0"/>
+          <a:chOff x="0" y="0"/>
+          <a:chExt cx="0" cy="0"/>
+        </a:xfrm>
+      </p:grpSpPr>
+      <p:sp>
+        <p:nvSpPr>
+          <p:cNvPr id="2" name="Title 1">
+            <a:extLst>
+              <a:ext uri="{FF2B5EF4-FFF2-40B4-BE49-F238E27FC236}">
+                <a16:creationId xmlns:a16="http://schemas.microsoft.com/office/drawing/2014/main" id="{DADB891B-E3F9-49B8-BE66-019D1AF8D7D7}"/>
+              </a:ext>
+            </a:extLst>
+          </p:cNvPr>
+          <p:cNvSpPr>
+            <a:spLocks noGrp="1"/>
+          </p:cNvSpPr>
+          <p:nvPr>
+            <p:ph type="title"/>
+          </p:nvPr>
+        </p:nvSpPr>
+        <p:spPr/>
+        <p:txBody>
+          <a:bodyPr/>
+          <a:lstStyle/>
+          <a:p>
+            <a:r>
+              <a:rPr lang="en-ID" dirty="0" err="1"/>
+              <a:t>Kompleksitas</a:t>
+            </a:r>
+            <a:r>
+              <a:rPr lang="en-ID" dirty="0"/>
+              <a:t> Waktu T(n)</a:t>
+            </a:r>
+          </a:p>
+        </p:txBody>
+      </p:sp>
+      <p:pic>
+        <p:nvPicPr>
+          <p:cNvPr id="4" name="Content Placeholder 3" descr="g12.jpg">
+            <a:extLst>
+              <a:ext uri="{FF2B5EF4-FFF2-40B4-BE49-F238E27FC236}">
+                <a16:creationId xmlns:a16="http://schemas.microsoft.com/office/drawing/2014/main" id="{653A58F9-8690-4802-814E-C3F41905851F}"/>
+              </a:ext>
+            </a:extLst>
+          </p:cNvPr>
+          <p:cNvPicPr>
+            <a:picLocks noGrp="1" noChangeAspect="1"/>
+          </p:cNvPicPr>
+          <p:nvPr>
+            <p:ph idx="1"/>
+          </p:nvPr>
+        </p:nvPicPr>
+        <p:blipFill>
+          <a:blip r:embed="rId2" cstate="print"/>
+          <a:stretch>
+            <a:fillRect/>
+          </a:stretch>
+        </p:blipFill>
+        <p:spPr>
+          <a:xfrm>
+            <a:off x="441816" y="1628800"/>
+            <a:ext cx="8100881" cy="4746071"/>
+          </a:xfrm>
+        </p:spPr>
+      </p:pic>
+    </p:spTree>
+    <p:extLst>
+      <p:ext uri="{BB962C8B-B14F-4D97-AF65-F5344CB8AC3E}">
+        <p14:creationId xmlns:p14="http://schemas.microsoft.com/office/powerpoint/2010/main" val="1969075043"/>
+      </p:ext>
+    </p:extLst>
+  </p:cSld>
+  <p:clrMapOvr>
+    <a:masterClrMapping/>
+  </p:clrMapOvr>
+</p:sld>
+</file>
+
+<file path=ppt/slides/slide68.xml><?xml version="1.0" encoding="utf-8"?>
+<p:sld xmlns:a="http://schemas.openxmlformats.org/drawingml/2006/main" xmlns:r="http://schemas.openxmlformats.org/officeDocument/2006/relationships" xmlns:p="http://schemas.openxmlformats.org/presentationml/2006/main">
+  <p:cSld>
+    <p:spTree>
+      <p:nvGrpSpPr>
+        <p:cNvPr id="1" name=""/>
+        <p:cNvGrpSpPr/>
+        <p:nvPr/>
+      </p:nvGrpSpPr>
+      <p:grpSpPr>
+        <a:xfrm>
+          <a:off x="0" y="0"/>
+          <a:ext cx="0" cy="0"/>
+          <a:chOff x="0" y="0"/>
+          <a:chExt cx="0" cy="0"/>
+        </a:xfrm>
+      </p:grpSpPr>
+      <p:sp>
+        <p:nvSpPr>
+          <p:cNvPr id="2" name="Title 1">
+            <a:extLst>
+              <a:ext uri="{FF2B5EF4-FFF2-40B4-BE49-F238E27FC236}">
+                <a16:creationId xmlns:a16="http://schemas.microsoft.com/office/drawing/2014/main" id="{68DEC235-234A-4161-AC6C-A876A2F085FB}"/>
+              </a:ext>
+            </a:extLst>
+          </p:cNvPr>
+          <p:cNvSpPr>
+            <a:spLocks noGrp="1"/>
+          </p:cNvSpPr>
+          <p:nvPr>
+            <p:ph type="title"/>
+          </p:nvPr>
+        </p:nvSpPr>
+        <p:spPr/>
+        <p:txBody>
+          <a:bodyPr/>
+          <a:lstStyle/>
+          <a:p>
+            <a:r>
+              <a:rPr lang="en-ID" dirty="0" err="1"/>
+              <a:t>Kompleksitas</a:t>
+            </a:r>
+            <a:r>
+              <a:rPr lang="en-ID" dirty="0"/>
+              <a:t> Waktu T(n)</a:t>
+            </a:r>
+          </a:p>
+        </p:txBody>
+      </p:sp>
+      <p:pic>
+        <p:nvPicPr>
+          <p:cNvPr id="4" name="Picture 3">
+            <a:extLst>
+              <a:ext uri="{FF2B5EF4-FFF2-40B4-BE49-F238E27FC236}">
+                <a16:creationId xmlns:a16="http://schemas.microsoft.com/office/drawing/2014/main" id="{7FF9CD01-9A4B-4149-A48C-54B09953BAE9}"/>
+              </a:ext>
+            </a:extLst>
+          </p:cNvPr>
+          <p:cNvPicPr>
+            <a:picLocks noChangeAspect="1"/>
+          </p:cNvPicPr>
+          <p:nvPr/>
+        </p:nvPicPr>
+        <p:blipFill>
+          <a:blip r:embed="rId2"/>
+          <a:stretch>
+            <a:fillRect/>
+          </a:stretch>
+        </p:blipFill>
+        <p:spPr>
+          <a:xfrm>
+            <a:off x="215516" y="1878902"/>
+            <a:ext cx="8712968" cy="4943351"/>
+          </a:xfrm>
+          <a:prstGeom prst="rect">
+            <a:avLst/>
+          </a:prstGeom>
+        </p:spPr>
+      </p:pic>
+      <p:sp>
+        <p:nvSpPr>
+          <p:cNvPr id="5" name="TextBox 4">
+            <a:extLst>
+              <a:ext uri="{FF2B5EF4-FFF2-40B4-BE49-F238E27FC236}">
+                <a16:creationId xmlns:a16="http://schemas.microsoft.com/office/drawing/2014/main" id="{36B2310D-EA7E-427C-89B6-DF272305919E}"/>
+              </a:ext>
+            </a:extLst>
+          </p:cNvPr>
+          <p:cNvSpPr txBox="1"/>
+          <p:nvPr/>
+        </p:nvSpPr>
+        <p:spPr>
+          <a:xfrm>
+            <a:off x="215516" y="1417237"/>
+            <a:ext cx="8551315" cy="461665"/>
+          </a:xfrm>
+          <a:prstGeom prst="rect">
+            <a:avLst/>
+          </a:prstGeom>
+          <a:noFill/>
+        </p:spPr>
+        <p:txBody>
+          <a:bodyPr wrap="none" rtlCol="0">
+            <a:spAutoFit/>
+          </a:bodyPr>
+          <a:lstStyle/>
+          <a:p>
+            <a:r>
+              <a:rPr lang="en-ID" sz="2400" dirty="0" err="1"/>
+              <a:t>Estimasi</a:t>
+            </a:r>
+            <a:r>
+              <a:rPr lang="en-ID" sz="2400" dirty="0"/>
+              <a:t> </a:t>
+            </a:r>
+            <a:r>
+              <a:rPr lang="en-ID" sz="2400" dirty="0" err="1"/>
+              <a:t>waktu</a:t>
+            </a:r>
+            <a:r>
+              <a:rPr lang="en-ID" sz="2400" dirty="0"/>
+              <a:t> proses, </a:t>
+            </a:r>
+            <a:r>
+              <a:rPr lang="en-ID" sz="2400" dirty="0" err="1"/>
+              <a:t>asumsi</a:t>
+            </a:r>
+            <a:r>
+              <a:rPr lang="en-ID" sz="2400" dirty="0"/>
+              <a:t> PC dg 1 OPS (operations per second)</a:t>
+            </a:r>
+          </a:p>
+        </p:txBody>
+      </p:sp>
+    </p:spTree>
+    <p:extLst>
+      <p:ext uri="{BB962C8B-B14F-4D97-AF65-F5344CB8AC3E}">
+        <p14:creationId xmlns:p14="http://schemas.microsoft.com/office/powerpoint/2010/main" val="859896532"/>
+      </p:ext>
+    </p:extLst>
+  </p:cSld>
+  <p:clrMapOvr>
+    <a:masterClrMapping/>
+  </p:clrMapOvr>
+</p:sld>
+</file>
+
+<file path=ppt/slides/slide69.xml><?xml version="1.0" encoding="utf-8"?>
+<p:sld xmlns:a="http://schemas.openxmlformats.org/drawingml/2006/main" xmlns:r="http://schemas.openxmlformats.org/officeDocument/2006/relationships" xmlns:p="http://schemas.openxmlformats.org/presentationml/2006/main">
+  <p:cSld>
+    <p:spTree>
+      <p:nvGrpSpPr>
+        <p:cNvPr id="1" name=""/>
+        <p:cNvGrpSpPr/>
+        <p:nvPr/>
+      </p:nvGrpSpPr>
+      <p:grpSpPr>
+        <a:xfrm>
+          <a:off x="0" y="0"/>
+          <a:ext cx="0" cy="0"/>
+          <a:chOff x="0" y="0"/>
+          <a:chExt cx="0" cy="0"/>
+        </a:xfrm>
+      </p:grpSpPr>
+      <p:sp>
+        <p:nvSpPr>
+          <p:cNvPr id="2" name="Title 1">
+            <a:extLst>
+              <a:ext uri="{FF2B5EF4-FFF2-40B4-BE49-F238E27FC236}">
+                <a16:creationId xmlns:a16="http://schemas.microsoft.com/office/drawing/2014/main" id="{2299E2E7-92CF-4DD7-AC02-0D753B4BB8B4}"/>
+              </a:ext>
+            </a:extLst>
+          </p:cNvPr>
+          <p:cNvSpPr>
+            <a:spLocks noGrp="1"/>
+          </p:cNvSpPr>
+          <p:nvPr>
+            <p:ph type="title"/>
+          </p:nvPr>
+        </p:nvSpPr>
+        <p:spPr/>
+        <p:txBody>
+          <a:bodyPr/>
+          <a:lstStyle/>
+          <a:p>
+            <a:r>
+              <a:rPr lang="en-ID" dirty="0" err="1"/>
+              <a:t>Kompleksitas</a:t>
+            </a:r>
+            <a:r>
+              <a:rPr lang="en-ID" dirty="0"/>
+              <a:t> Waktu T(n)</a:t>
+            </a:r>
+          </a:p>
+        </p:txBody>
+      </p:sp>
+      <p:pic>
+        <p:nvPicPr>
+          <p:cNvPr id="4" name="Picture 3">
+            <a:extLst>
+              <a:ext uri="{FF2B5EF4-FFF2-40B4-BE49-F238E27FC236}">
+                <a16:creationId xmlns:a16="http://schemas.microsoft.com/office/drawing/2014/main" id="{F613317D-D3B8-4D74-8B32-0D3A779B3BC1}"/>
+              </a:ext>
+            </a:extLst>
+          </p:cNvPr>
+          <p:cNvPicPr>
+            <a:picLocks noChangeAspect="1"/>
+          </p:cNvPicPr>
+          <p:nvPr/>
+        </p:nvPicPr>
+        <p:blipFill>
+          <a:blip r:embed="rId2"/>
+          <a:stretch>
+            <a:fillRect/>
+          </a:stretch>
+        </p:blipFill>
+        <p:spPr>
+          <a:xfrm>
+            <a:off x="457200" y="2708920"/>
+            <a:ext cx="8229600" cy="2664296"/>
+          </a:xfrm>
+          <a:prstGeom prst="rect">
+            <a:avLst/>
+          </a:prstGeom>
+        </p:spPr>
+      </p:pic>
+      <p:sp>
+        <p:nvSpPr>
+          <p:cNvPr id="5" name="TextBox 4">
+            <a:extLst>
+              <a:ext uri="{FF2B5EF4-FFF2-40B4-BE49-F238E27FC236}">
+                <a16:creationId xmlns:a16="http://schemas.microsoft.com/office/drawing/2014/main" id="{0DC7E93F-4AF5-438F-9F7B-CF0685A32549}"/>
+              </a:ext>
+            </a:extLst>
+          </p:cNvPr>
+          <p:cNvSpPr txBox="1"/>
+          <p:nvPr/>
+        </p:nvSpPr>
+        <p:spPr>
+          <a:xfrm>
+            <a:off x="457200" y="2247255"/>
+            <a:ext cx="4531369" cy="461665"/>
+          </a:xfrm>
+          <a:prstGeom prst="rect">
+            <a:avLst/>
+          </a:prstGeom>
+          <a:noFill/>
+        </p:spPr>
+        <p:txBody>
+          <a:bodyPr wrap="none" rtlCol="0">
+            <a:spAutoFit/>
+          </a:bodyPr>
+          <a:lstStyle/>
+          <a:p>
+            <a:r>
+              <a:rPr lang="en-ID" sz="2400" dirty="0" err="1"/>
+              <a:t>Pengaruh</a:t>
+            </a:r>
+            <a:r>
+              <a:rPr lang="en-ID" sz="2400" dirty="0"/>
+              <a:t> </a:t>
+            </a:r>
+            <a:r>
+              <a:rPr lang="en-ID" sz="2400" dirty="0" err="1"/>
+              <a:t>pemilihan</a:t>
+            </a:r>
+            <a:r>
+              <a:rPr lang="en-ID" sz="2400" dirty="0"/>
+              <a:t> OPS pada CPU</a:t>
+            </a:r>
+          </a:p>
+        </p:txBody>
+      </p:sp>
+    </p:spTree>
+    <p:extLst>
+      <p:ext uri="{BB962C8B-B14F-4D97-AF65-F5344CB8AC3E}">
+        <p14:creationId xmlns:p14="http://schemas.microsoft.com/office/powerpoint/2010/main" val="2293198641"/>
       </p:ext>
     </p:extLst>
   </p:cSld>
@@ -17340,6 +19217,635 @@
     <p:extLst>
       <p:ext uri="{BB962C8B-B14F-4D97-AF65-F5344CB8AC3E}">
         <p14:creationId xmlns:p14="http://schemas.microsoft.com/office/powerpoint/2010/main" val="3563206156"/>
+      </p:ext>
+    </p:extLst>
+  </p:cSld>
+  <p:clrMapOvr>
+    <a:masterClrMapping/>
+  </p:clrMapOvr>
+</p:sld>
+</file>
+
+<file path=ppt/slides/slide70.xml><?xml version="1.0" encoding="utf-8"?>
+<p:sld xmlns:a="http://schemas.openxmlformats.org/drawingml/2006/main" xmlns:r="http://schemas.openxmlformats.org/officeDocument/2006/relationships" xmlns:p="http://schemas.openxmlformats.org/presentationml/2006/main">
+  <p:cSld>
+    <p:spTree>
+      <p:nvGrpSpPr>
+        <p:cNvPr id="1" name=""/>
+        <p:cNvGrpSpPr/>
+        <p:nvPr/>
+      </p:nvGrpSpPr>
+      <p:grpSpPr>
+        <a:xfrm>
+          <a:off x="0" y="0"/>
+          <a:ext cx="0" cy="0"/>
+          <a:chOff x="0" y="0"/>
+          <a:chExt cx="0" cy="0"/>
+        </a:xfrm>
+      </p:grpSpPr>
+      <p:sp>
+        <p:nvSpPr>
+          <p:cNvPr id="2" name="Title 1">
+            <a:extLst>
+              <a:ext uri="{FF2B5EF4-FFF2-40B4-BE49-F238E27FC236}">
+                <a16:creationId xmlns:a16="http://schemas.microsoft.com/office/drawing/2014/main" id="{91612B41-2DAE-4F48-92A9-0FFCC2F9D76B}"/>
+              </a:ext>
+            </a:extLst>
+          </p:cNvPr>
+          <p:cNvSpPr>
+            <a:spLocks noGrp="1"/>
+          </p:cNvSpPr>
+          <p:nvPr>
+            <p:ph type="title"/>
+          </p:nvPr>
+        </p:nvSpPr>
+        <p:spPr/>
+        <p:txBody>
+          <a:bodyPr>
+            <a:normAutofit fontScale="90000"/>
+          </a:bodyPr>
+          <a:lstStyle/>
+          <a:p>
+            <a:r>
+              <a:rPr lang="en-ID" dirty="0" err="1"/>
+              <a:t>Kompleksitas</a:t>
+            </a:r>
+            <a:r>
+              <a:rPr lang="en-ID" dirty="0"/>
+              <a:t> Waktu T(n) - Exercises</a:t>
+            </a:r>
+          </a:p>
+        </p:txBody>
+      </p:sp>
+      <p:sp>
+        <p:nvSpPr>
+          <p:cNvPr id="3" name="Content Placeholder 2">
+            <a:extLst>
+              <a:ext uri="{FF2B5EF4-FFF2-40B4-BE49-F238E27FC236}">
+                <a16:creationId xmlns:a16="http://schemas.microsoft.com/office/drawing/2014/main" id="{1640E578-FD0D-41E6-9836-96F3701560BB}"/>
+              </a:ext>
+            </a:extLst>
+          </p:cNvPr>
+          <p:cNvSpPr>
+            <a:spLocks noGrp="1"/>
+          </p:cNvSpPr>
+          <p:nvPr>
+            <p:ph idx="1"/>
+          </p:nvPr>
+        </p:nvSpPr>
+        <p:spPr/>
+        <p:txBody>
+          <a:bodyPr/>
+          <a:lstStyle/>
+          <a:p>
+            <a:pPr marL="0" indent="0">
+              <a:buNone/>
+            </a:pPr>
+            <a:r>
+              <a:rPr lang="en-ID" dirty="0" err="1"/>
+              <a:t>Tentukan</a:t>
+            </a:r>
+            <a:r>
+              <a:rPr lang="en-ID" dirty="0"/>
+              <a:t> </a:t>
+            </a:r>
+            <a:r>
+              <a:rPr lang="en-ID" dirty="0" err="1"/>
+              <a:t>kompleksitas</a:t>
+            </a:r>
+            <a:r>
+              <a:rPr lang="en-ID" dirty="0"/>
+              <a:t> Big O </a:t>
+            </a:r>
+            <a:r>
+              <a:rPr lang="en-ID" dirty="0" err="1"/>
+              <a:t>atau</a:t>
+            </a:r>
+            <a:r>
+              <a:rPr lang="en-ID" dirty="0"/>
+              <a:t> T(n) </a:t>
+            </a:r>
+            <a:r>
+              <a:rPr lang="en-ID" dirty="0" err="1"/>
+              <a:t>dari</a:t>
+            </a:r>
+            <a:r>
+              <a:rPr lang="en-ID" dirty="0"/>
+              <a:t> pseudocode </a:t>
+            </a:r>
+            <a:r>
+              <a:rPr lang="en-ID" dirty="0" err="1"/>
+              <a:t>berikut</a:t>
+            </a:r>
+            <a:r>
+              <a:rPr lang="en-ID" dirty="0"/>
+              <a:t>:</a:t>
+            </a:r>
+          </a:p>
+        </p:txBody>
+      </p:sp>
+      <p:pic>
+        <p:nvPicPr>
+          <p:cNvPr id="4" name="Picture 3">
+            <a:extLst>
+              <a:ext uri="{FF2B5EF4-FFF2-40B4-BE49-F238E27FC236}">
+                <a16:creationId xmlns:a16="http://schemas.microsoft.com/office/drawing/2014/main" id="{74F5BBEC-E732-4F65-B378-B72F106D36ED}"/>
+              </a:ext>
+            </a:extLst>
+          </p:cNvPr>
+          <p:cNvPicPr>
+            <a:picLocks noChangeAspect="1"/>
+          </p:cNvPicPr>
+          <p:nvPr/>
+        </p:nvPicPr>
+        <p:blipFill>
+          <a:blip r:embed="rId2"/>
+          <a:stretch>
+            <a:fillRect/>
+          </a:stretch>
+        </p:blipFill>
+        <p:spPr>
+          <a:xfrm>
+            <a:off x="539552" y="2891073"/>
+            <a:ext cx="4240150" cy="1944216"/>
+          </a:xfrm>
+          <a:prstGeom prst="rect">
+            <a:avLst/>
+          </a:prstGeom>
+          <a:ln w="3175">
+            <a:solidFill>
+              <a:schemeClr val="tx1"/>
+            </a:solidFill>
+          </a:ln>
+        </p:spPr>
+      </p:pic>
+      <p:pic>
+        <p:nvPicPr>
+          <p:cNvPr id="5" name="Picture 4">
+            <a:extLst>
+              <a:ext uri="{FF2B5EF4-FFF2-40B4-BE49-F238E27FC236}">
+                <a16:creationId xmlns:a16="http://schemas.microsoft.com/office/drawing/2014/main" id="{A0F9A4C2-0FB6-47E3-BFC0-A246A601DE6D}"/>
+              </a:ext>
+            </a:extLst>
+          </p:cNvPr>
+          <p:cNvPicPr>
+            <a:picLocks noChangeAspect="1"/>
+          </p:cNvPicPr>
+          <p:nvPr/>
+        </p:nvPicPr>
+        <p:blipFill>
+          <a:blip r:embed="rId3"/>
+          <a:stretch>
+            <a:fillRect/>
+          </a:stretch>
+        </p:blipFill>
+        <p:spPr>
+          <a:xfrm>
+            <a:off x="4114966" y="4437112"/>
+            <a:ext cx="4320480" cy="1994839"/>
+          </a:xfrm>
+          <a:prstGeom prst="rect">
+            <a:avLst/>
+          </a:prstGeom>
+          <a:ln w="3175">
+            <a:solidFill>
+              <a:schemeClr val="tx1"/>
+            </a:solidFill>
+          </a:ln>
+        </p:spPr>
+      </p:pic>
+    </p:spTree>
+    <p:extLst>
+      <p:ext uri="{BB962C8B-B14F-4D97-AF65-F5344CB8AC3E}">
+        <p14:creationId xmlns:p14="http://schemas.microsoft.com/office/powerpoint/2010/main" val="3854889802"/>
+      </p:ext>
+    </p:extLst>
+  </p:cSld>
+  <p:clrMapOvr>
+    <a:masterClrMapping/>
+  </p:clrMapOvr>
+</p:sld>
+</file>
+
+<file path=ppt/slides/slide71.xml><?xml version="1.0" encoding="utf-8"?>
+<p:sld xmlns:a="http://schemas.openxmlformats.org/drawingml/2006/main" xmlns:r="http://schemas.openxmlformats.org/officeDocument/2006/relationships" xmlns:p="http://schemas.openxmlformats.org/presentationml/2006/main">
+  <p:cSld>
+    <p:spTree>
+      <p:nvGrpSpPr>
+        <p:cNvPr id="1" name=""/>
+        <p:cNvGrpSpPr/>
+        <p:nvPr/>
+      </p:nvGrpSpPr>
+      <p:grpSpPr>
+        <a:xfrm>
+          <a:off x="0" y="0"/>
+          <a:ext cx="0" cy="0"/>
+          <a:chOff x="0" y="0"/>
+          <a:chExt cx="0" cy="0"/>
+        </a:xfrm>
+      </p:grpSpPr>
+      <p:sp>
+        <p:nvSpPr>
+          <p:cNvPr id="2" name="Title 1">
+            <a:extLst>
+              <a:ext uri="{FF2B5EF4-FFF2-40B4-BE49-F238E27FC236}">
+                <a16:creationId xmlns:a16="http://schemas.microsoft.com/office/drawing/2014/main" id="{C0490F3E-1965-491A-A049-29D9612B29BD}"/>
+              </a:ext>
+            </a:extLst>
+          </p:cNvPr>
+          <p:cNvSpPr>
+            <a:spLocks noGrp="1"/>
+          </p:cNvSpPr>
+          <p:nvPr>
+            <p:ph type="title"/>
+          </p:nvPr>
+        </p:nvSpPr>
+        <p:spPr/>
+        <p:txBody>
+          <a:bodyPr>
+            <a:normAutofit fontScale="90000"/>
+          </a:bodyPr>
+          <a:lstStyle/>
+          <a:p>
+            <a:r>
+              <a:rPr lang="en-ID" dirty="0" err="1"/>
+              <a:t>Kompleksitas</a:t>
+            </a:r>
+            <a:r>
+              <a:rPr lang="en-ID" dirty="0"/>
+              <a:t> Waktu T(n) - Exercises</a:t>
+            </a:r>
+          </a:p>
+        </p:txBody>
+      </p:sp>
+      <p:sp>
+        <p:nvSpPr>
+          <p:cNvPr id="3" name="Content Placeholder 2">
+            <a:extLst>
+              <a:ext uri="{FF2B5EF4-FFF2-40B4-BE49-F238E27FC236}">
+                <a16:creationId xmlns:a16="http://schemas.microsoft.com/office/drawing/2014/main" id="{7E05CAFE-C83B-472A-9F0C-95383030F60E}"/>
+              </a:ext>
+            </a:extLst>
+          </p:cNvPr>
+          <p:cNvSpPr>
+            <a:spLocks noGrp="1"/>
+          </p:cNvSpPr>
+          <p:nvPr>
+            <p:ph idx="1"/>
+          </p:nvPr>
+        </p:nvSpPr>
+        <p:spPr/>
+        <p:txBody>
+          <a:bodyPr/>
+          <a:lstStyle/>
+          <a:p>
+            <a:pPr marL="0" indent="0">
+              <a:buNone/>
+            </a:pPr>
+            <a:r>
+              <a:rPr lang="en-ID" dirty="0" err="1"/>
+              <a:t>Tentukan</a:t>
+            </a:r>
+            <a:r>
+              <a:rPr lang="en-ID" dirty="0"/>
+              <a:t> </a:t>
+            </a:r>
+            <a:r>
+              <a:rPr lang="en-ID" dirty="0" err="1"/>
+              <a:t>kompleksitas</a:t>
+            </a:r>
+            <a:r>
+              <a:rPr lang="en-ID" dirty="0"/>
+              <a:t> Big O </a:t>
+            </a:r>
+            <a:r>
+              <a:rPr lang="en-ID" dirty="0" err="1"/>
+              <a:t>atau</a:t>
+            </a:r>
+            <a:r>
+              <a:rPr lang="en-ID" dirty="0"/>
+              <a:t> T(n) </a:t>
+            </a:r>
+            <a:r>
+              <a:rPr lang="en-ID" dirty="0" err="1"/>
+              <a:t>dari</a:t>
+            </a:r>
+            <a:r>
+              <a:rPr lang="en-ID" dirty="0"/>
+              <a:t> pseudocode </a:t>
+            </a:r>
+            <a:r>
+              <a:rPr lang="en-ID" dirty="0" err="1"/>
+              <a:t>berikut</a:t>
+            </a:r>
+            <a:r>
+              <a:rPr lang="en-ID" dirty="0"/>
+              <a:t>:</a:t>
+            </a:r>
+          </a:p>
+          <a:p>
+            <a:pPr marL="0" indent="0">
+              <a:buNone/>
+            </a:pPr>
+            <a:endParaRPr lang="en-ID" dirty="0"/>
+          </a:p>
+        </p:txBody>
+      </p:sp>
+      <p:pic>
+        <p:nvPicPr>
+          <p:cNvPr id="4" name="Picture 3">
+            <a:extLst>
+              <a:ext uri="{FF2B5EF4-FFF2-40B4-BE49-F238E27FC236}">
+                <a16:creationId xmlns:a16="http://schemas.microsoft.com/office/drawing/2014/main" id="{6F6E4FF1-5BFF-40FC-A382-BEED5EFF450D}"/>
+              </a:ext>
+            </a:extLst>
+          </p:cNvPr>
+          <p:cNvPicPr>
+            <a:picLocks noChangeAspect="1"/>
+          </p:cNvPicPr>
+          <p:nvPr/>
+        </p:nvPicPr>
+        <p:blipFill>
+          <a:blip r:embed="rId2"/>
+          <a:stretch>
+            <a:fillRect/>
+          </a:stretch>
+        </p:blipFill>
+        <p:spPr>
+          <a:xfrm>
+            <a:off x="539551" y="2913806"/>
+            <a:ext cx="6817651" cy="2891458"/>
+          </a:xfrm>
+          <a:prstGeom prst="rect">
+            <a:avLst/>
+          </a:prstGeom>
+        </p:spPr>
+      </p:pic>
+    </p:spTree>
+    <p:extLst>
+      <p:ext uri="{BB962C8B-B14F-4D97-AF65-F5344CB8AC3E}">
+        <p14:creationId xmlns:p14="http://schemas.microsoft.com/office/powerpoint/2010/main" val="2476871143"/>
+      </p:ext>
+    </p:extLst>
+  </p:cSld>
+  <p:clrMapOvr>
+    <a:masterClrMapping/>
+  </p:clrMapOvr>
+</p:sld>
+</file>
+
+<file path=ppt/slides/slide72.xml><?xml version="1.0" encoding="utf-8"?>
+<p:sld xmlns:a="http://schemas.openxmlformats.org/drawingml/2006/main" xmlns:r="http://schemas.openxmlformats.org/officeDocument/2006/relationships" xmlns:p="http://schemas.openxmlformats.org/presentationml/2006/main">
+  <p:cSld>
+    <p:spTree>
+      <p:nvGrpSpPr>
+        <p:cNvPr id="1" name=""/>
+        <p:cNvGrpSpPr/>
+        <p:nvPr/>
+      </p:nvGrpSpPr>
+      <p:grpSpPr>
+        <a:xfrm>
+          <a:off x="0" y="0"/>
+          <a:ext cx="0" cy="0"/>
+          <a:chOff x="0" y="0"/>
+          <a:chExt cx="0" cy="0"/>
+        </a:xfrm>
+      </p:grpSpPr>
+      <p:sp>
+        <p:nvSpPr>
+          <p:cNvPr id="2" name="Title 1">
+            <a:extLst>
+              <a:ext uri="{FF2B5EF4-FFF2-40B4-BE49-F238E27FC236}">
+                <a16:creationId xmlns:a16="http://schemas.microsoft.com/office/drawing/2014/main" id="{FEA5AE67-8419-4548-BBB3-BB5FBF4EA3FF}"/>
+              </a:ext>
+            </a:extLst>
+          </p:cNvPr>
+          <p:cNvSpPr>
+            <a:spLocks noGrp="1"/>
+          </p:cNvSpPr>
+          <p:nvPr>
+            <p:ph type="title"/>
+          </p:nvPr>
+        </p:nvSpPr>
+        <p:spPr/>
+        <p:txBody>
+          <a:bodyPr>
+            <a:normAutofit fontScale="90000"/>
+          </a:bodyPr>
+          <a:lstStyle/>
+          <a:p>
+            <a:r>
+              <a:rPr lang="en-ID" dirty="0" err="1"/>
+              <a:t>Kompleksitas</a:t>
+            </a:r>
+            <a:r>
+              <a:rPr lang="en-ID" dirty="0"/>
+              <a:t> Waktu T(n) - Exercises</a:t>
+            </a:r>
+          </a:p>
+        </p:txBody>
+      </p:sp>
+      <p:sp>
+        <p:nvSpPr>
+          <p:cNvPr id="3" name="Content Placeholder 2">
+            <a:extLst>
+              <a:ext uri="{FF2B5EF4-FFF2-40B4-BE49-F238E27FC236}">
+                <a16:creationId xmlns:a16="http://schemas.microsoft.com/office/drawing/2014/main" id="{6DEA510E-0831-4C7E-B3D0-DE52CFC39202}"/>
+              </a:ext>
+            </a:extLst>
+          </p:cNvPr>
+          <p:cNvSpPr>
+            <a:spLocks noGrp="1"/>
+          </p:cNvSpPr>
+          <p:nvPr>
+            <p:ph idx="1"/>
+          </p:nvPr>
+        </p:nvSpPr>
+        <p:spPr/>
+        <p:txBody>
+          <a:bodyPr/>
+          <a:lstStyle/>
+          <a:p>
+            <a:pPr marL="0" indent="0">
+              <a:buNone/>
+            </a:pPr>
+            <a:r>
+              <a:rPr lang="en-ID" dirty="0" err="1"/>
+              <a:t>Tentukan</a:t>
+            </a:r>
+            <a:r>
+              <a:rPr lang="en-ID" dirty="0"/>
+              <a:t> </a:t>
+            </a:r>
+            <a:r>
+              <a:rPr lang="en-ID" dirty="0" err="1"/>
+              <a:t>kompleksitas</a:t>
+            </a:r>
+            <a:r>
+              <a:rPr lang="en-ID" dirty="0"/>
+              <a:t> Big O </a:t>
+            </a:r>
+            <a:r>
+              <a:rPr lang="en-ID" dirty="0" err="1"/>
+              <a:t>atau</a:t>
+            </a:r>
+            <a:r>
+              <a:rPr lang="en-ID" dirty="0"/>
+              <a:t> T(n) </a:t>
+            </a:r>
+            <a:r>
+              <a:rPr lang="en-ID" dirty="0" err="1"/>
+              <a:t>dari</a:t>
+            </a:r>
+            <a:r>
+              <a:rPr lang="en-ID" dirty="0"/>
+              <a:t> pseudocode </a:t>
+            </a:r>
+            <a:r>
+              <a:rPr lang="en-ID" dirty="0" err="1"/>
+              <a:t>berikut</a:t>
+            </a:r>
+            <a:r>
+              <a:rPr lang="en-ID" dirty="0"/>
+              <a:t>:</a:t>
+            </a:r>
+          </a:p>
+          <a:p>
+            <a:pPr marL="0" indent="0">
+              <a:buNone/>
+            </a:pPr>
+            <a:endParaRPr lang="en-ID" dirty="0"/>
+          </a:p>
+        </p:txBody>
+      </p:sp>
+      <p:pic>
+        <p:nvPicPr>
+          <p:cNvPr id="5" name="Picture 4">
+            <a:extLst>
+              <a:ext uri="{FF2B5EF4-FFF2-40B4-BE49-F238E27FC236}">
+                <a16:creationId xmlns:a16="http://schemas.microsoft.com/office/drawing/2014/main" id="{51A09E09-A705-4751-99A7-368293C3A385}"/>
+              </a:ext>
+            </a:extLst>
+          </p:cNvPr>
+          <p:cNvPicPr>
+            <a:picLocks noChangeAspect="1"/>
+          </p:cNvPicPr>
+          <p:nvPr/>
+        </p:nvPicPr>
+        <p:blipFill>
+          <a:blip r:embed="rId2"/>
+          <a:stretch>
+            <a:fillRect/>
+          </a:stretch>
+        </p:blipFill>
+        <p:spPr>
+          <a:xfrm>
+            <a:off x="1331640" y="2996952"/>
+            <a:ext cx="6336704" cy="3497854"/>
+          </a:xfrm>
+          <a:prstGeom prst="rect">
+            <a:avLst/>
+          </a:prstGeom>
+        </p:spPr>
+      </p:pic>
+    </p:spTree>
+    <p:extLst>
+      <p:ext uri="{BB962C8B-B14F-4D97-AF65-F5344CB8AC3E}">
+        <p14:creationId xmlns:p14="http://schemas.microsoft.com/office/powerpoint/2010/main" val="2908628761"/>
+      </p:ext>
+    </p:extLst>
+  </p:cSld>
+  <p:clrMapOvr>
+    <a:masterClrMapping/>
+  </p:clrMapOvr>
+</p:sld>
+</file>
+
+<file path=ppt/slides/slide73.xml><?xml version="1.0" encoding="utf-8"?>
+<p:sld xmlns:a="http://schemas.openxmlformats.org/drawingml/2006/main" xmlns:r="http://schemas.openxmlformats.org/officeDocument/2006/relationships" xmlns:p="http://schemas.openxmlformats.org/presentationml/2006/main">
+  <p:cSld>
+    <p:spTree>
+      <p:nvGrpSpPr>
+        <p:cNvPr id="1" name=""/>
+        <p:cNvGrpSpPr/>
+        <p:nvPr/>
+      </p:nvGrpSpPr>
+      <p:grpSpPr>
+        <a:xfrm>
+          <a:off x="0" y="0"/>
+          <a:ext cx="0" cy="0"/>
+          <a:chOff x="0" y="0"/>
+          <a:chExt cx="0" cy="0"/>
+        </a:xfrm>
+      </p:grpSpPr>
+      <p:sp>
+        <p:nvSpPr>
+          <p:cNvPr id="2" name="Title 1">
+            <a:extLst>
+              <a:ext uri="{FF2B5EF4-FFF2-40B4-BE49-F238E27FC236}">
+                <a16:creationId xmlns:a16="http://schemas.microsoft.com/office/drawing/2014/main" id="{9A868CD5-4BE4-4F72-8E10-EB0A7A8D65D0}"/>
+              </a:ext>
+            </a:extLst>
+          </p:cNvPr>
+          <p:cNvSpPr>
+            <a:spLocks noGrp="1"/>
+          </p:cNvSpPr>
+          <p:nvPr>
+            <p:ph type="title"/>
+          </p:nvPr>
+        </p:nvSpPr>
+        <p:spPr/>
+        <p:txBody>
+          <a:bodyPr>
+            <a:normAutofit fontScale="90000"/>
+          </a:bodyPr>
+          <a:lstStyle/>
+          <a:p>
+            <a:r>
+              <a:rPr lang="en-ID" dirty="0" err="1"/>
+              <a:t>Kompleksitas</a:t>
+            </a:r>
+            <a:r>
+              <a:rPr lang="en-ID" dirty="0"/>
+              <a:t> Waktu T(n) - Exercises</a:t>
+            </a:r>
+          </a:p>
+        </p:txBody>
+      </p:sp>
+      <p:pic>
+        <p:nvPicPr>
+          <p:cNvPr id="4" name="Picture 3">
+            <a:extLst>
+              <a:ext uri="{FF2B5EF4-FFF2-40B4-BE49-F238E27FC236}">
+                <a16:creationId xmlns:a16="http://schemas.microsoft.com/office/drawing/2014/main" id="{016A47EF-1726-4DC5-989D-26A49F2EBA57}"/>
+              </a:ext>
+            </a:extLst>
+          </p:cNvPr>
+          <p:cNvPicPr>
+            <a:picLocks noChangeAspect="1"/>
+          </p:cNvPicPr>
+          <p:nvPr/>
+        </p:nvPicPr>
+        <p:blipFill>
+          <a:blip r:embed="rId2"/>
+          <a:stretch>
+            <a:fillRect/>
+          </a:stretch>
+        </p:blipFill>
+        <p:spPr>
+          <a:xfrm>
+            <a:off x="324279" y="1916832"/>
+            <a:ext cx="8495441" cy="2016224"/>
+          </a:xfrm>
+          <a:prstGeom prst="rect">
+            <a:avLst/>
+          </a:prstGeom>
+        </p:spPr>
+      </p:pic>
+    </p:spTree>
+    <p:extLst>
+      <p:ext uri="{BB962C8B-B14F-4D97-AF65-F5344CB8AC3E}">
+        <p14:creationId xmlns:p14="http://schemas.microsoft.com/office/powerpoint/2010/main" val="2097810323"/>
       </p:ext>
     </p:extLst>
   </p:cSld>

--- a/Algoritma dan Struktur Data.pptx
+++ b/Algoritma dan Struktur Data.pptx
@@ -78,6 +78,21 @@
     <p:sldId id="327" r:id="rId72"/>
     <p:sldId id="329" r:id="rId73"/>
     <p:sldId id="328" r:id="rId74"/>
+    <p:sldId id="330" r:id="rId75"/>
+    <p:sldId id="331" r:id="rId76"/>
+    <p:sldId id="332" r:id="rId77"/>
+    <p:sldId id="333" r:id="rId78"/>
+    <p:sldId id="334" r:id="rId79"/>
+    <p:sldId id="335" r:id="rId80"/>
+    <p:sldId id="336" r:id="rId81"/>
+    <p:sldId id="337" r:id="rId82"/>
+    <p:sldId id="338" r:id="rId83"/>
+    <p:sldId id="339" r:id="rId84"/>
+    <p:sldId id="340" r:id="rId85"/>
+    <p:sldId id="341" r:id="rId86"/>
+    <p:sldId id="342" r:id="rId87"/>
+    <p:sldId id="343" r:id="rId88"/>
+    <p:sldId id="344" r:id="rId89"/>
   </p:sldIdLst>
   <p:sldSz cx="9144000" cy="6858000" type="screen4x3"/>
   <p:notesSz cx="6858000" cy="9144000"/>
@@ -198,7 +213,7 @@
 <file path=ppt/revisionInfo.xml><?xml version="1.0" encoding="utf-8"?>
 <p1510:revInfo xmlns:a="http://schemas.openxmlformats.org/drawingml/2006/main" xmlns:r="http://schemas.openxmlformats.org/officeDocument/2006/relationships" xmlns:p1510="http://schemas.microsoft.com/office/powerpoint/2015/10/main">
   <p1510:revLst>
-    <p1510:client id="{86F80E2C-0334-4EAB-A44F-F1436F2BA600}" v="51" dt="2019-04-01T14:23:35.056"/>
+    <p1510:client id="{589CB178-6634-4F05-A01B-3080313731FC}" v="52" dt="2019-04-15T22:56:57.108"/>
   </p1510:revLst>
 </p1510:revInfo>
 </file>
@@ -208,7 +223,7 @@
   <pc:docChgLst>
     <pc:chgData name="Rosihan Ariyuana" userId="a673341b-dfea-48bd-bc6b-c1125fd20ed3" providerId="ADAL" clId="{86F80E2C-0334-4EAB-A44F-F1436F2BA600}"/>
     <pc:docChg chg="undo custSel addSld modSld">
-      <pc:chgData name="Rosihan Ariyuana" userId="a673341b-dfea-48bd-bc6b-c1125fd20ed3" providerId="ADAL" clId="{86F80E2C-0334-4EAB-A44F-F1436F2BA600}" dt="2019-04-01T14:24:40.617" v="743" actId="14100"/>
+      <pc:chgData name="Rosihan Ariyuana" userId="a673341b-dfea-48bd-bc6b-c1125fd20ed3" providerId="ADAL" clId="{86F80E2C-0334-4EAB-A44F-F1436F2BA600}" dt="2019-04-02T03:09:12.986" v="745" actId="20577"/>
       <pc:docMkLst>
         <pc:docMk/>
       </pc:docMkLst>
@@ -478,7 +493,7 @@
         </pc:picChg>
       </pc:sldChg>
       <pc:sldChg chg="addSp delSp modSp add">
-        <pc:chgData name="Rosihan Ariyuana" userId="a673341b-dfea-48bd-bc6b-c1125fd20ed3" providerId="ADAL" clId="{86F80E2C-0334-4EAB-A44F-F1436F2BA600}" dt="2019-04-01T13:19:23.852" v="567" actId="1037"/>
+        <pc:chgData name="Rosihan Ariyuana" userId="a673341b-dfea-48bd-bc6b-c1125fd20ed3" providerId="ADAL" clId="{86F80E2C-0334-4EAB-A44F-F1436F2BA600}" dt="2019-04-02T03:09:12.986" v="745" actId="20577"/>
         <pc:sldMkLst>
           <pc:docMk/>
           <pc:sldMk cId="433084370" sldId="324"/>
@@ -492,7 +507,7 @@
           </ac:spMkLst>
         </pc:spChg>
         <pc:spChg chg="mod">
-          <ac:chgData name="Rosihan Ariyuana" userId="a673341b-dfea-48bd-bc6b-c1125fd20ed3" providerId="ADAL" clId="{86F80E2C-0334-4EAB-A44F-F1436F2BA600}" dt="2019-04-01T13:16:42.305" v="542" actId="1076"/>
+          <ac:chgData name="Rosihan Ariyuana" userId="a673341b-dfea-48bd-bc6b-c1125fd20ed3" providerId="ADAL" clId="{86F80E2C-0334-4EAB-A44F-F1436F2BA600}" dt="2019-04-02T03:09:12.986" v="745" actId="20577"/>
           <ac:spMkLst>
             <pc:docMk/>
             <pc:sldMk cId="433084370" sldId="324"/>
@@ -1748,6 +1763,470 @@
             <ac:spMk id="3" creationId="{F29746C3-7371-4837-8AED-5FD1DB6C5C62}"/>
           </ac:spMkLst>
         </pc:spChg>
+      </pc:sldChg>
+    </pc:docChg>
+  </pc:docChgLst>
+  <pc:docChgLst>
+    <pc:chgData name="Rosihan Ariyuana" userId="a673341b-dfea-48bd-bc6b-c1125fd20ed3" providerId="ADAL" clId="{589CB178-6634-4F05-A01B-3080313731FC}"/>
+    <pc:docChg chg="undo custSel addSld delSld modSld">
+      <pc:chgData name="Rosihan Ariyuana" userId="a673341b-dfea-48bd-bc6b-c1125fd20ed3" providerId="ADAL" clId="{589CB178-6634-4F05-A01B-3080313731FC}" dt="2019-04-16T02:27:39.472" v="1119" actId="20577"/>
+      <pc:docMkLst>
+        <pc:docMk/>
+      </pc:docMkLst>
+      <pc:sldChg chg="modSp">
+        <pc:chgData name="Rosihan Ariyuana" userId="a673341b-dfea-48bd-bc6b-c1125fd20ed3" providerId="ADAL" clId="{589CB178-6634-4F05-A01B-3080313731FC}" dt="2019-04-15T06:50:47.196" v="1" actId="27636"/>
+        <pc:sldMkLst>
+          <pc:docMk/>
+          <pc:sldMk cId="3244427006" sldId="257"/>
+        </pc:sldMkLst>
+        <pc:spChg chg="mod">
+          <ac:chgData name="Rosihan Ariyuana" userId="a673341b-dfea-48bd-bc6b-c1125fd20ed3" providerId="ADAL" clId="{589CB178-6634-4F05-A01B-3080313731FC}" dt="2019-04-15T06:50:47.196" v="1" actId="27636"/>
+          <ac:spMkLst>
+            <pc:docMk/>
+            <pc:sldMk cId="3244427006" sldId="257"/>
+            <ac:spMk id="3" creationId="{00000000-0000-0000-0000-000000000000}"/>
+          </ac:spMkLst>
+        </pc:spChg>
+      </pc:sldChg>
+      <pc:sldChg chg="modSp add del">
+        <pc:chgData name="Rosihan Ariyuana" userId="a673341b-dfea-48bd-bc6b-c1125fd20ed3" providerId="ADAL" clId="{589CB178-6634-4F05-A01B-3080313731FC}" dt="2019-04-15T13:12:09.666" v="23" actId="2696"/>
+        <pc:sldMkLst>
+          <pc:docMk/>
+          <pc:sldMk cId="2346377694" sldId="330"/>
+        </pc:sldMkLst>
+        <pc:spChg chg="mod">
+          <ac:chgData name="Rosihan Ariyuana" userId="a673341b-dfea-48bd-bc6b-c1125fd20ed3" providerId="ADAL" clId="{589CB178-6634-4F05-A01B-3080313731FC}" dt="2019-04-15T13:11:55.675" v="22" actId="20577"/>
+          <ac:spMkLst>
+            <pc:docMk/>
+            <pc:sldMk cId="2346377694" sldId="330"/>
+            <ac:spMk id="2" creationId="{7C660387-E589-4BB6-A678-534A66DCC7F2}"/>
+          </ac:spMkLst>
+        </pc:spChg>
+      </pc:sldChg>
+      <pc:sldChg chg="modSp add">
+        <pc:chgData name="Rosihan Ariyuana" userId="a673341b-dfea-48bd-bc6b-c1125fd20ed3" providerId="ADAL" clId="{589CB178-6634-4F05-A01B-3080313731FC}" dt="2019-04-15T13:13:53.610" v="72" actId="20577"/>
+        <pc:sldMkLst>
+          <pc:docMk/>
+          <pc:sldMk cId="3166333188" sldId="330"/>
+        </pc:sldMkLst>
+        <pc:spChg chg="mod">
+          <ac:chgData name="Rosihan Ariyuana" userId="a673341b-dfea-48bd-bc6b-c1125fd20ed3" providerId="ADAL" clId="{589CB178-6634-4F05-A01B-3080313731FC}" dt="2019-04-15T13:12:20.516" v="42" actId="20577"/>
+          <ac:spMkLst>
+            <pc:docMk/>
+            <pc:sldMk cId="3166333188" sldId="330"/>
+            <ac:spMk id="2" creationId="{3C5B6B23-B3DC-4C18-AF0A-992C480924F0}"/>
+          </ac:spMkLst>
+        </pc:spChg>
+        <pc:spChg chg="mod">
+          <ac:chgData name="Rosihan Ariyuana" userId="a673341b-dfea-48bd-bc6b-c1125fd20ed3" providerId="ADAL" clId="{589CB178-6634-4F05-A01B-3080313731FC}" dt="2019-04-15T13:13:53.610" v="72" actId="20577"/>
+          <ac:spMkLst>
+            <pc:docMk/>
+            <pc:sldMk cId="3166333188" sldId="330"/>
+            <ac:spMk id="3" creationId="{EC08D9AF-3CCC-47F1-85CA-AFBB19C600E5}"/>
+          </ac:spMkLst>
+        </pc:spChg>
+      </pc:sldChg>
+      <pc:sldChg chg="addSp delSp modSp add">
+        <pc:chgData name="Rosihan Ariyuana" userId="a673341b-dfea-48bd-bc6b-c1125fd20ed3" providerId="ADAL" clId="{589CB178-6634-4F05-A01B-3080313731FC}" dt="2019-04-16T02:27:39.472" v="1119" actId="20577"/>
+        <pc:sldMkLst>
+          <pc:docMk/>
+          <pc:sldMk cId="3039411475" sldId="331"/>
+        </pc:sldMkLst>
+        <pc:spChg chg="mod">
+          <ac:chgData name="Rosihan Ariyuana" userId="a673341b-dfea-48bd-bc6b-c1125fd20ed3" providerId="ADAL" clId="{589CB178-6634-4F05-A01B-3080313731FC}" dt="2019-04-15T14:44:52.632" v="85" actId="20577"/>
+          <ac:spMkLst>
+            <pc:docMk/>
+            <pc:sldMk cId="3039411475" sldId="331"/>
+            <ac:spMk id="2" creationId="{387EB428-51AF-4811-AABF-1DE48388871B}"/>
+          </ac:spMkLst>
+        </pc:spChg>
+        <pc:spChg chg="del">
+          <ac:chgData name="Rosihan Ariyuana" userId="a673341b-dfea-48bd-bc6b-c1125fd20ed3" providerId="ADAL" clId="{589CB178-6634-4F05-A01B-3080313731FC}" dt="2019-04-15T14:45:31.892" v="86" actId="478"/>
+          <ac:spMkLst>
+            <pc:docMk/>
+            <pc:sldMk cId="3039411475" sldId="331"/>
+            <ac:spMk id="3" creationId="{A4BC3178-9CBF-42A1-AAC6-8610F44086C9}"/>
+          </ac:spMkLst>
+        </pc:spChg>
+        <pc:spChg chg="add mod">
+          <ac:chgData name="Rosihan Ariyuana" userId="a673341b-dfea-48bd-bc6b-c1125fd20ed3" providerId="ADAL" clId="{589CB178-6634-4F05-A01B-3080313731FC}" dt="2019-04-15T14:46:15.786" v="96" actId="1076"/>
+          <ac:spMkLst>
+            <pc:docMk/>
+            <pc:sldMk cId="3039411475" sldId="331"/>
+            <ac:spMk id="4" creationId="{70D7AEE0-A8A3-414C-BC95-1C6E84393EE5}"/>
+          </ac:spMkLst>
+        </pc:spChg>
+        <pc:spChg chg="add mod">
+          <ac:chgData name="Rosihan Ariyuana" userId="a673341b-dfea-48bd-bc6b-c1125fd20ed3" providerId="ADAL" clId="{589CB178-6634-4F05-A01B-3080313731FC}" dt="2019-04-16T02:27:39.472" v="1119" actId="20577"/>
+          <ac:spMkLst>
+            <pc:docMk/>
+            <pc:sldMk cId="3039411475" sldId="331"/>
+            <ac:spMk id="5" creationId="{5E5E1977-918E-440C-BFF6-7EE41E58412D}"/>
+          </ac:spMkLst>
+        </pc:spChg>
+        <pc:spChg chg="add mod">
+          <ac:chgData name="Rosihan Ariyuana" userId="a673341b-dfea-48bd-bc6b-c1125fd20ed3" providerId="ADAL" clId="{589CB178-6634-4F05-A01B-3080313731FC}" dt="2019-04-15T14:46:26.069" v="99" actId="20577"/>
+          <ac:spMkLst>
+            <pc:docMk/>
+            <pc:sldMk cId="3039411475" sldId="331"/>
+            <ac:spMk id="6" creationId="{1543FEEE-81F0-4037-910A-916C079CF8F1}"/>
+          </ac:spMkLst>
+        </pc:spChg>
+        <pc:spChg chg="add mod">
+          <ac:chgData name="Rosihan Ariyuana" userId="a673341b-dfea-48bd-bc6b-c1125fd20ed3" providerId="ADAL" clId="{589CB178-6634-4F05-A01B-3080313731FC}" dt="2019-04-15T14:46:37.563" v="102" actId="20577"/>
+          <ac:spMkLst>
+            <pc:docMk/>
+            <pc:sldMk cId="3039411475" sldId="331"/>
+            <ac:spMk id="7" creationId="{0851B891-4A54-46BF-965A-D6B9A22F30B5}"/>
+          </ac:spMkLst>
+        </pc:spChg>
+        <pc:picChg chg="add mod">
+          <ac:chgData name="Rosihan Ariyuana" userId="a673341b-dfea-48bd-bc6b-c1125fd20ed3" providerId="ADAL" clId="{589CB178-6634-4F05-A01B-3080313731FC}" dt="2019-04-15T14:45:51.291" v="89" actId="1076"/>
+          <ac:picMkLst>
+            <pc:docMk/>
+            <pc:sldMk cId="3039411475" sldId="331"/>
+            <ac:picMk id="1026" creationId="{9800709D-6AA1-4330-B8E0-C7DB2FB416D4}"/>
+          </ac:picMkLst>
+        </pc:picChg>
+      </pc:sldChg>
+      <pc:sldChg chg="addSp delSp modSp add">
+        <pc:chgData name="Rosihan Ariyuana" userId="a673341b-dfea-48bd-bc6b-c1125fd20ed3" providerId="ADAL" clId="{589CB178-6634-4F05-A01B-3080313731FC}" dt="2019-04-15T14:55:15.861" v="389" actId="14100"/>
+        <pc:sldMkLst>
+          <pc:docMk/>
+          <pc:sldMk cId="1887166078" sldId="332"/>
+        </pc:sldMkLst>
+        <pc:spChg chg="mod">
+          <ac:chgData name="Rosihan Ariyuana" userId="a673341b-dfea-48bd-bc6b-c1125fd20ed3" providerId="ADAL" clId="{589CB178-6634-4F05-A01B-3080313731FC}" dt="2019-04-15T14:53:22.304" v="279" actId="20577"/>
+          <ac:spMkLst>
+            <pc:docMk/>
+            <pc:sldMk cId="1887166078" sldId="332"/>
+            <ac:spMk id="2" creationId="{2C6BC7F9-5BBC-4976-A292-E46FBEB005A5}"/>
+          </ac:spMkLst>
+        </pc:spChg>
+        <pc:spChg chg="del">
+          <ac:chgData name="Rosihan Ariyuana" userId="a673341b-dfea-48bd-bc6b-c1125fd20ed3" providerId="ADAL" clId="{589CB178-6634-4F05-A01B-3080313731FC}" dt="2019-04-15T14:53:25.346" v="280" actId="478"/>
+          <ac:spMkLst>
+            <pc:docMk/>
+            <pc:sldMk cId="1887166078" sldId="332"/>
+            <ac:spMk id="3" creationId="{23D9828E-1CA1-49E9-9312-36113D1D2FDF}"/>
+          </ac:spMkLst>
+        </pc:spChg>
+        <pc:spChg chg="add mod">
+          <ac:chgData name="Rosihan Ariyuana" userId="a673341b-dfea-48bd-bc6b-c1125fd20ed3" providerId="ADAL" clId="{589CB178-6634-4F05-A01B-3080313731FC}" dt="2019-04-15T14:55:15.861" v="389" actId="14100"/>
+          <ac:spMkLst>
+            <pc:docMk/>
+            <pc:sldMk cId="1887166078" sldId="332"/>
+            <ac:spMk id="4" creationId="{EC9A34D9-183C-4CE2-895E-0A0DDCF11888}"/>
+          </ac:spMkLst>
+        </pc:spChg>
+        <pc:picChg chg="add mod">
+          <ac:chgData name="Rosihan Ariyuana" userId="a673341b-dfea-48bd-bc6b-c1125fd20ed3" providerId="ADAL" clId="{589CB178-6634-4F05-A01B-3080313731FC}" dt="2019-04-15T14:53:53.980" v="285" actId="14100"/>
+          <ac:picMkLst>
+            <pc:docMk/>
+            <pc:sldMk cId="1887166078" sldId="332"/>
+            <ac:picMk id="2050" creationId="{1A16C81C-B342-4D19-863D-B3156BE59637}"/>
+          </ac:picMkLst>
+        </pc:picChg>
+      </pc:sldChg>
+      <pc:sldChg chg="addSp delSp modSp add">
+        <pc:chgData name="Rosihan Ariyuana" userId="a673341b-dfea-48bd-bc6b-c1125fd20ed3" providerId="ADAL" clId="{589CB178-6634-4F05-A01B-3080313731FC}" dt="2019-04-15T14:57:37.569" v="437" actId="1076"/>
+        <pc:sldMkLst>
+          <pc:docMk/>
+          <pc:sldMk cId="2384922159" sldId="333"/>
+        </pc:sldMkLst>
+        <pc:spChg chg="mod">
+          <ac:chgData name="Rosihan Ariyuana" userId="a673341b-dfea-48bd-bc6b-c1125fd20ed3" providerId="ADAL" clId="{589CB178-6634-4F05-A01B-3080313731FC}" dt="2019-04-15T14:55:56.224" v="428" actId="20577"/>
+          <ac:spMkLst>
+            <pc:docMk/>
+            <pc:sldMk cId="2384922159" sldId="333"/>
+            <ac:spMk id="2" creationId="{03487D62-938C-41A7-AAAC-0D36B0B9C48E}"/>
+          </ac:spMkLst>
+        </pc:spChg>
+        <pc:spChg chg="del">
+          <ac:chgData name="Rosihan Ariyuana" userId="a673341b-dfea-48bd-bc6b-c1125fd20ed3" providerId="ADAL" clId="{589CB178-6634-4F05-A01B-3080313731FC}" dt="2019-04-15T14:57:16.006" v="429" actId="478"/>
+          <ac:spMkLst>
+            <pc:docMk/>
+            <pc:sldMk cId="2384922159" sldId="333"/>
+            <ac:spMk id="3" creationId="{490EDDD2-6905-4D75-920B-970A2D03AC04}"/>
+          </ac:spMkLst>
+        </pc:spChg>
+        <pc:picChg chg="add mod">
+          <ac:chgData name="Rosihan Ariyuana" userId="a673341b-dfea-48bd-bc6b-c1125fd20ed3" providerId="ADAL" clId="{589CB178-6634-4F05-A01B-3080313731FC}" dt="2019-04-15T14:57:37.569" v="437" actId="1076"/>
+          <ac:picMkLst>
+            <pc:docMk/>
+            <pc:sldMk cId="2384922159" sldId="333"/>
+            <ac:picMk id="4" creationId="{B7C523D4-A7CD-4CFB-A82E-E10F38171B4F}"/>
+          </ac:picMkLst>
+        </pc:picChg>
+      </pc:sldChg>
+      <pc:sldChg chg="modSp add">
+        <pc:chgData name="Rosihan Ariyuana" userId="a673341b-dfea-48bd-bc6b-c1125fd20ed3" providerId="ADAL" clId="{589CB178-6634-4F05-A01B-3080313731FC}" dt="2019-04-15T15:01:42.321" v="514" actId="20577"/>
+        <pc:sldMkLst>
+          <pc:docMk/>
+          <pc:sldMk cId="2614601688" sldId="334"/>
+        </pc:sldMkLst>
+        <pc:spChg chg="mod">
+          <ac:chgData name="Rosihan Ariyuana" userId="a673341b-dfea-48bd-bc6b-c1125fd20ed3" providerId="ADAL" clId="{589CB178-6634-4F05-A01B-3080313731FC}" dt="2019-04-15T15:01:00.651" v="472" actId="20577"/>
+          <ac:spMkLst>
+            <pc:docMk/>
+            <pc:sldMk cId="2614601688" sldId="334"/>
+            <ac:spMk id="2" creationId="{FFC66978-F39B-4054-A8C3-AE933A61487D}"/>
+          </ac:spMkLst>
+        </pc:spChg>
+        <pc:spChg chg="mod">
+          <ac:chgData name="Rosihan Ariyuana" userId="a673341b-dfea-48bd-bc6b-c1125fd20ed3" providerId="ADAL" clId="{589CB178-6634-4F05-A01B-3080313731FC}" dt="2019-04-15T15:01:42.321" v="514" actId="20577"/>
+          <ac:spMkLst>
+            <pc:docMk/>
+            <pc:sldMk cId="2614601688" sldId="334"/>
+            <ac:spMk id="3" creationId="{85B99036-9BA9-4476-9227-AF07542B7255}"/>
+          </ac:spMkLst>
+        </pc:spChg>
+      </pc:sldChg>
+      <pc:sldChg chg="modSp add">
+        <pc:chgData name="Rosihan Ariyuana" userId="a673341b-dfea-48bd-bc6b-c1125fd20ed3" providerId="ADAL" clId="{589CB178-6634-4F05-A01B-3080313731FC}" dt="2019-04-15T15:04:45.355" v="574" actId="20577"/>
+        <pc:sldMkLst>
+          <pc:docMk/>
+          <pc:sldMk cId="1579869001" sldId="335"/>
+        </pc:sldMkLst>
+        <pc:spChg chg="mod">
+          <ac:chgData name="Rosihan Ariyuana" userId="a673341b-dfea-48bd-bc6b-c1125fd20ed3" providerId="ADAL" clId="{589CB178-6634-4F05-A01B-3080313731FC}" dt="2019-04-15T15:03:43.919" v="562" actId="20577"/>
+          <ac:spMkLst>
+            <pc:docMk/>
+            <pc:sldMk cId="1579869001" sldId="335"/>
+            <ac:spMk id="2" creationId="{3AC5FDE2-755E-479B-9DF4-B248F44EE4FC}"/>
+          </ac:spMkLst>
+        </pc:spChg>
+        <pc:spChg chg="mod">
+          <ac:chgData name="Rosihan Ariyuana" userId="a673341b-dfea-48bd-bc6b-c1125fd20ed3" providerId="ADAL" clId="{589CB178-6634-4F05-A01B-3080313731FC}" dt="2019-04-15T15:04:45.355" v="574" actId="20577"/>
+          <ac:spMkLst>
+            <pc:docMk/>
+            <pc:sldMk cId="1579869001" sldId="335"/>
+            <ac:spMk id="3" creationId="{0BFC6DC8-8C49-4A4C-83B6-AE43B781E035}"/>
+          </ac:spMkLst>
+        </pc:spChg>
+      </pc:sldChg>
+      <pc:sldChg chg="modSp add">
+        <pc:chgData name="Rosihan Ariyuana" userId="a673341b-dfea-48bd-bc6b-c1125fd20ed3" providerId="ADAL" clId="{589CB178-6634-4F05-A01B-3080313731FC}" dt="2019-04-15T15:06:43.343" v="609" actId="113"/>
+        <pc:sldMkLst>
+          <pc:docMk/>
+          <pc:sldMk cId="1004726047" sldId="336"/>
+        </pc:sldMkLst>
+        <pc:spChg chg="mod">
+          <ac:chgData name="Rosihan Ariyuana" userId="a673341b-dfea-48bd-bc6b-c1125fd20ed3" providerId="ADAL" clId="{589CB178-6634-4F05-A01B-3080313731FC}" dt="2019-04-15T15:05:16.713" v="577" actId="27636"/>
+          <ac:spMkLst>
+            <pc:docMk/>
+            <pc:sldMk cId="1004726047" sldId="336"/>
+            <ac:spMk id="2" creationId="{9787DBEF-5F77-4E43-AB21-7EF8938F585C}"/>
+          </ac:spMkLst>
+        </pc:spChg>
+        <pc:spChg chg="mod">
+          <ac:chgData name="Rosihan Ariyuana" userId="a673341b-dfea-48bd-bc6b-c1125fd20ed3" providerId="ADAL" clId="{589CB178-6634-4F05-A01B-3080313731FC}" dt="2019-04-15T15:06:43.343" v="609" actId="113"/>
+          <ac:spMkLst>
+            <pc:docMk/>
+            <pc:sldMk cId="1004726047" sldId="336"/>
+            <ac:spMk id="3" creationId="{256A01FB-8B7D-4DF7-B3A1-FFF02753B29E}"/>
+          </ac:spMkLst>
+        </pc:spChg>
+      </pc:sldChg>
+      <pc:sldChg chg="modSp add">
+        <pc:chgData name="Rosihan Ariyuana" userId="a673341b-dfea-48bd-bc6b-c1125fd20ed3" providerId="ADAL" clId="{589CB178-6634-4F05-A01B-3080313731FC}" dt="2019-04-15T22:16:36.275" v="829" actId="113"/>
+        <pc:sldMkLst>
+          <pc:docMk/>
+          <pc:sldMk cId="2260995949" sldId="337"/>
+        </pc:sldMkLst>
+        <pc:spChg chg="mod">
+          <ac:chgData name="Rosihan Ariyuana" userId="a673341b-dfea-48bd-bc6b-c1125fd20ed3" providerId="ADAL" clId="{589CB178-6634-4F05-A01B-3080313731FC}" dt="2019-04-15T22:05:12.539" v="620" actId="20577"/>
+          <ac:spMkLst>
+            <pc:docMk/>
+            <pc:sldMk cId="2260995949" sldId="337"/>
+            <ac:spMk id="2" creationId="{14BC0DE1-9523-4091-91D9-BA172544E0C0}"/>
+          </ac:spMkLst>
+        </pc:spChg>
+        <pc:spChg chg="mod">
+          <ac:chgData name="Rosihan Ariyuana" userId="a673341b-dfea-48bd-bc6b-c1125fd20ed3" providerId="ADAL" clId="{589CB178-6634-4F05-A01B-3080313731FC}" dt="2019-04-15T22:16:36.275" v="829" actId="113"/>
+          <ac:spMkLst>
+            <pc:docMk/>
+            <pc:sldMk cId="2260995949" sldId="337"/>
+            <ac:spMk id="3" creationId="{2C787ED8-5B95-4F78-B5D4-F636D6723FB9}"/>
+          </ac:spMkLst>
+        </pc:spChg>
+      </pc:sldChg>
+      <pc:sldChg chg="modSp add">
+        <pc:chgData name="Rosihan Ariyuana" userId="a673341b-dfea-48bd-bc6b-c1125fd20ed3" providerId="ADAL" clId="{589CB178-6634-4F05-A01B-3080313731FC}" dt="2019-04-15T22:16:42.304" v="830" actId="113"/>
+        <pc:sldMkLst>
+          <pc:docMk/>
+          <pc:sldMk cId="2421061990" sldId="338"/>
+        </pc:sldMkLst>
+        <pc:spChg chg="mod">
+          <ac:chgData name="Rosihan Ariyuana" userId="a673341b-dfea-48bd-bc6b-c1125fd20ed3" providerId="ADAL" clId="{589CB178-6634-4F05-A01B-3080313731FC}" dt="2019-04-15T22:08:12.315" v="676" actId="20577"/>
+          <ac:spMkLst>
+            <pc:docMk/>
+            <pc:sldMk cId="2421061990" sldId="338"/>
+            <ac:spMk id="2" creationId="{64EC9167-2E76-46C6-94AC-432AAEFE7BA7}"/>
+          </ac:spMkLst>
+        </pc:spChg>
+        <pc:spChg chg="mod">
+          <ac:chgData name="Rosihan Ariyuana" userId="a673341b-dfea-48bd-bc6b-c1125fd20ed3" providerId="ADAL" clId="{589CB178-6634-4F05-A01B-3080313731FC}" dt="2019-04-15T22:16:42.304" v="830" actId="113"/>
+          <ac:spMkLst>
+            <pc:docMk/>
+            <pc:sldMk cId="2421061990" sldId="338"/>
+            <ac:spMk id="3" creationId="{492BE83E-6220-4012-882C-4CD2B7D2BA96}"/>
+          </ac:spMkLst>
+        </pc:spChg>
+      </pc:sldChg>
+      <pc:sldChg chg="modSp add">
+        <pc:chgData name="Rosihan Ariyuana" userId="a673341b-dfea-48bd-bc6b-c1125fd20ed3" providerId="ADAL" clId="{589CB178-6634-4F05-A01B-3080313731FC}" dt="2019-04-15T22:17:31.978" v="840" actId="404"/>
+        <pc:sldMkLst>
+          <pc:docMk/>
+          <pc:sldMk cId="181903834" sldId="339"/>
+        </pc:sldMkLst>
+        <pc:spChg chg="mod">
+          <ac:chgData name="Rosihan Ariyuana" userId="a673341b-dfea-48bd-bc6b-c1125fd20ed3" providerId="ADAL" clId="{589CB178-6634-4F05-A01B-3080313731FC}" dt="2019-04-15T22:12:39.092" v="769" actId="20577"/>
+          <ac:spMkLst>
+            <pc:docMk/>
+            <pc:sldMk cId="181903834" sldId="339"/>
+            <ac:spMk id="2" creationId="{B56E9AE0-1EA3-468B-89C8-D4011D5D540A}"/>
+          </ac:spMkLst>
+        </pc:spChg>
+        <pc:spChg chg="mod">
+          <ac:chgData name="Rosihan Ariyuana" userId="a673341b-dfea-48bd-bc6b-c1125fd20ed3" providerId="ADAL" clId="{589CB178-6634-4F05-A01B-3080313731FC}" dt="2019-04-15T22:17:31.978" v="840" actId="404"/>
+          <ac:spMkLst>
+            <pc:docMk/>
+            <pc:sldMk cId="181903834" sldId="339"/>
+            <ac:spMk id="3" creationId="{152A3970-40BD-4C8B-A805-D2296D6FD632}"/>
+          </ac:spMkLst>
+        </pc:spChg>
+      </pc:sldChg>
+      <pc:sldChg chg="modSp add">
+        <pc:chgData name="Rosihan Ariyuana" userId="a673341b-dfea-48bd-bc6b-c1125fd20ed3" providerId="ADAL" clId="{589CB178-6634-4F05-A01B-3080313731FC}" dt="2019-04-15T22:20:04.202" v="946" actId="114"/>
+        <pc:sldMkLst>
+          <pc:docMk/>
+          <pc:sldMk cId="2498057030" sldId="340"/>
+        </pc:sldMkLst>
+        <pc:spChg chg="mod">
+          <ac:chgData name="Rosihan Ariyuana" userId="a673341b-dfea-48bd-bc6b-c1125fd20ed3" providerId="ADAL" clId="{589CB178-6634-4F05-A01B-3080313731FC}" dt="2019-04-15T22:18:21.857" v="849" actId="20577"/>
+          <ac:spMkLst>
+            <pc:docMk/>
+            <pc:sldMk cId="2498057030" sldId="340"/>
+            <ac:spMk id="2" creationId="{89F8F0C7-E866-4A8A-A013-EDC6EF0C7BC0}"/>
+          </ac:spMkLst>
+        </pc:spChg>
+        <pc:spChg chg="mod">
+          <ac:chgData name="Rosihan Ariyuana" userId="a673341b-dfea-48bd-bc6b-c1125fd20ed3" providerId="ADAL" clId="{589CB178-6634-4F05-A01B-3080313731FC}" dt="2019-04-15T22:20:04.202" v="946" actId="114"/>
+          <ac:spMkLst>
+            <pc:docMk/>
+            <pc:sldMk cId="2498057030" sldId="340"/>
+            <ac:spMk id="3" creationId="{BB7B833B-3D42-4B30-B842-75F906FEAA81}"/>
+          </ac:spMkLst>
+        </pc:spChg>
+      </pc:sldChg>
+      <pc:sldChg chg="modSp add">
+        <pc:chgData name="Rosihan Ariyuana" userId="a673341b-dfea-48bd-bc6b-c1125fd20ed3" providerId="ADAL" clId="{589CB178-6634-4F05-A01B-3080313731FC}" dt="2019-04-15T22:30:14.747" v="1039" actId="114"/>
+        <pc:sldMkLst>
+          <pc:docMk/>
+          <pc:sldMk cId="1971513352" sldId="341"/>
+        </pc:sldMkLst>
+        <pc:spChg chg="mod">
+          <ac:chgData name="Rosihan Ariyuana" userId="a673341b-dfea-48bd-bc6b-c1125fd20ed3" providerId="ADAL" clId="{589CB178-6634-4F05-A01B-3080313731FC}" dt="2019-04-15T22:22:43.670" v="957" actId="20577"/>
+          <ac:spMkLst>
+            <pc:docMk/>
+            <pc:sldMk cId="1971513352" sldId="341"/>
+            <ac:spMk id="2" creationId="{00470208-F163-40CA-ADD5-32FD1B96ED2C}"/>
+          </ac:spMkLst>
+        </pc:spChg>
+        <pc:spChg chg="mod">
+          <ac:chgData name="Rosihan Ariyuana" userId="a673341b-dfea-48bd-bc6b-c1125fd20ed3" providerId="ADAL" clId="{589CB178-6634-4F05-A01B-3080313731FC}" dt="2019-04-15T22:30:14.747" v="1039" actId="114"/>
+          <ac:spMkLst>
+            <pc:docMk/>
+            <pc:sldMk cId="1971513352" sldId="341"/>
+            <ac:spMk id="3" creationId="{B37A7149-1B41-4393-B849-D233AF4C58D7}"/>
+          </ac:spMkLst>
+        </pc:spChg>
+      </pc:sldChg>
+      <pc:sldChg chg="modSp add">
+        <pc:chgData name="Rosihan Ariyuana" userId="a673341b-dfea-48bd-bc6b-c1125fd20ed3" providerId="ADAL" clId="{589CB178-6634-4F05-A01B-3080313731FC}" dt="2019-04-15T22:44:24.898" v="1062" actId="20577"/>
+        <pc:sldMkLst>
+          <pc:docMk/>
+          <pc:sldMk cId="1718443020" sldId="342"/>
+        </pc:sldMkLst>
+        <pc:spChg chg="mod">
+          <ac:chgData name="Rosihan Ariyuana" userId="a673341b-dfea-48bd-bc6b-c1125fd20ed3" providerId="ADAL" clId="{589CB178-6634-4F05-A01B-3080313731FC}" dt="2019-04-15T22:28:25.041" v="1018" actId="20577"/>
+          <ac:spMkLst>
+            <pc:docMk/>
+            <pc:sldMk cId="1718443020" sldId="342"/>
+            <ac:spMk id="2" creationId="{A9AB8C6A-62E2-4A98-B28D-1E292DDC84A7}"/>
+          </ac:spMkLst>
+        </pc:spChg>
+        <pc:spChg chg="mod">
+          <ac:chgData name="Rosihan Ariyuana" userId="a673341b-dfea-48bd-bc6b-c1125fd20ed3" providerId="ADAL" clId="{589CB178-6634-4F05-A01B-3080313731FC}" dt="2019-04-15T22:44:24.898" v="1062" actId="20577"/>
+          <ac:spMkLst>
+            <pc:docMk/>
+            <pc:sldMk cId="1718443020" sldId="342"/>
+            <ac:spMk id="3" creationId="{3B4DAAF8-DEAD-408A-AD22-6BA74BF1F3F3}"/>
+          </ac:spMkLst>
+        </pc:spChg>
+      </pc:sldChg>
+      <pc:sldChg chg="addSp modSp add">
+        <pc:chgData name="Rosihan Ariyuana" userId="a673341b-dfea-48bd-bc6b-c1125fd20ed3" providerId="ADAL" clId="{589CB178-6634-4F05-A01B-3080313731FC}" dt="2019-04-15T22:50:49.944" v="1085" actId="12"/>
+        <pc:sldMkLst>
+          <pc:docMk/>
+          <pc:sldMk cId="3152682486" sldId="343"/>
+        </pc:sldMkLst>
+        <pc:spChg chg="mod">
+          <ac:chgData name="Rosihan Ariyuana" userId="a673341b-dfea-48bd-bc6b-c1125fd20ed3" providerId="ADAL" clId="{589CB178-6634-4F05-A01B-3080313731FC}" dt="2019-04-15T22:48:14.364" v="1072" actId="20577"/>
+          <ac:spMkLst>
+            <pc:docMk/>
+            <pc:sldMk cId="3152682486" sldId="343"/>
+            <ac:spMk id="2" creationId="{7349AFE2-17B6-4CA5-9C67-87B38B603709}"/>
+          </ac:spMkLst>
+        </pc:spChg>
+        <pc:spChg chg="mod">
+          <ac:chgData name="Rosihan Ariyuana" userId="a673341b-dfea-48bd-bc6b-c1125fd20ed3" providerId="ADAL" clId="{589CB178-6634-4F05-A01B-3080313731FC}" dt="2019-04-15T22:50:49.944" v="1085" actId="12"/>
+          <ac:spMkLst>
+            <pc:docMk/>
+            <pc:sldMk cId="3152682486" sldId="343"/>
+            <ac:spMk id="3" creationId="{90949713-A6EF-43F2-8A91-F5F53E1157C4}"/>
+          </ac:spMkLst>
+        </pc:spChg>
+        <pc:picChg chg="add mod">
+          <ac:chgData name="Rosihan Ariyuana" userId="a673341b-dfea-48bd-bc6b-c1125fd20ed3" providerId="ADAL" clId="{589CB178-6634-4F05-A01B-3080313731FC}" dt="2019-04-15T22:50:39.741" v="1077" actId="14100"/>
+          <ac:picMkLst>
+            <pc:docMk/>
+            <pc:sldMk cId="3152682486" sldId="343"/>
+            <ac:picMk id="4" creationId="{46C46315-58C1-4D72-AE22-704224C40635}"/>
+          </ac:picMkLst>
+        </pc:picChg>
+      </pc:sldChg>
+      <pc:sldChg chg="addSp modSp add">
+        <pc:chgData name="Rosihan Ariyuana" userId="a673341b-dfea-48bd-bc6b-c1125fd20ed3" providerId="ADAL" clId="{589CB178-6634-4F05-A01B-3080313731FC}" dt="2019-04-15T22:57:01.870" v="1111" actId="14100"/>
+        <pc:sldMkLst>
+          <pc:docMk/>
+          <pc:sldMk cId="2459099906" sldId="344"/>
+        </pc:sldMkLst>
+        <pc:spChg chg="mod">
+          <ac:chgData name="Rosihan Ariyuana" userId="a673341b-dfea-48bd-bc6b-c1125fd20ed3" providerId="ADAL" clId="{589CB178-6634-4F05-A01B-3080313731FC}" dt="2019-04-15T22:56:03.983" v="1095" actId="20577"/>
+          <ac:spMkLst>
+            <pc:docMk/>
+            <pc:sldMk cId="2459099906" sldId="344"/>
+            <ac:spMk id="2" creationId="{D4A001F7-7493-40A2-8BF0-9A905618E16A}"/>
+          </ac:spMkLst>
+        </pc:spChg>
+        <pc:spChg chg="mod">
+          <ac:chgData name="Rosihan Ariyuana" userId="a673341b-dfea-48bd-bc6b-c1125fd20ed3" providerId="ADAL" clId="{589CB178-6634-4F05-A01B-3080313731FC}" dt="2019-04-15T22:56:36.560" v="1108" actId="5793"/>
+          <ac:spMkLst>
+            <pc:docMk/>
+            <pc:sldMk cId="2459099906" sldId="344"/>
+            <ac:spMk id="3" creationId="{E0AF8322-A1C1-49D3-BB6E-4B06C9CFCF1C}"/>
+          </ac:spMkLst>
+        </pc:spChg>
+        <pc:picChg chg="add mod">
+          <ac:chgData name="Rosihan Ariyuana" userId="a673341b-dfea-48bd-bc6b-c1125fd20ed3" providerId="ADAL" clId="{589CB178-6634-4F05-A01B-3080313731FC}" dt="2019-04-15T22:57:01.870" v="1111" actId="14100"/>
+          <ac:picMkLst>
+            <pc:docMk/>
+            <pc:sldMk cId="2459099906" sldId="344"/>
+            <ac:picMk id="4" creationId="{85B2A4C8-A167-4C1A-9FA8-DE6CC8658597}"/>
+          </ac:picMkLst>
+        </pc:picChg>
       </pc:sldChg>
     </pc:docChg>
   </pc:docChgLst>
@@ -2956,7 +3435,7 @@
           <a:p>
             <a:fld id="{6BD668DE-C332-4196-9C29-A67E3840ABAF}" type="datetimeFigureOut">
               <a:rPr lang="en-US" smtClean="0"/>
-              <a:t>4/1/2019</a:t>
+              <a:t>4/15/2019</a:t>
             </a:fld>
             <a:endParaRPr lang="en-US"/>
           </a:p>
@@ -3124,7 +3603,7 @@
           <a:p>
             <a:fld id="{6BD668DE-C332-4196-9C29-A67E3840ABAF}" type="datetimeFigureOut">
               <a:rPr lang="en-US" smtClean="0"/>
-              <a:t>4/1/2019</a:t>
+              <a:t>4/15/2019</a:t>
             </a:fld>
             <a:endParaRPr lang="en-US"/>
           </a:p>
@@ -3302,7 +3781,7 @@
           <a:p>
             <a:fld id="{6BD668DE-C332-4196-9C29-A67E3840ABAF}" type="datetimeFigureOut">
               <a:rPr lang="en-US" smtClean="0"/>
-              <a:t>4/1/2019</a:t>
+              <a:t>4/15/2019</a:t>
             </a:fld>
             <a:endParaRPr lang="en-US"/>
           </a:p>
@@ -3470,7 +3949,7 @@
           <a:p>
             <a:fld id="{6BD668DE-C332-4196-9C29-A67E3840ABAF}" type="datetimeFigureOut">
               <a:rPr lang="en-US" smtClean="0"/>
-              <a:t>4/1/2019</a:t>
+              <a:t>4/15/2019</a:t>
             </a:fld>
             <a:endParaRPr lang="en-US"/>
           </a:p>
@@ -3715,7 +4194,7 @@
           <a:p>
             <a:fld id="{6BD668DE-C332-4196-9C29-A67E3840ABAF}" type="datetimeFigureOut">
               <a:rPr lang="en-US" smtClean="0"/>
-              <a:t>4/1/2019</a:t>
+              <a:t>4/15/2019</a:t>
             </a:fld>
             <a:endParaRPr lang="en-US"/>
           </a:p>
@@ -4000,7 +4479,7 @@
           <a:p>
             <a:fld id="{6BD668DE-C332-4196-9C29-A67E3840ABAF}" type="datetimeFigureOut">
               <a:rPr lang="en-US" smtClean="0"/>
-              <a:t>4/1/2019</a:t>
+              <a:t>4/15/2019</a:t>
             </a:fld>
             <a:endParaRPr lang="en-US"/>
           </a:p>
@@ -4419,7 +4898,7 @@
           <a:p>
             <a:fld id="{6BD668DE-C332-4196-9C29-A67E3840ABAF}" type="datetimeFigureOut">
               <a:rPr lang="en-US" smtClean="0"/>
-              <a:t>4/1/2019</a:t>
+              <a:t>4/15/2019</a:t>
             </a:fld>
             <a:endParaRPr lang="en-US"/>
           </a:p>
@@ -4536,7 +5015,7 @@
           <a:p>
             <a:fld id="{6BD668DE-C332-4196-9C29-A67E3840ABAF}" type="datetimeFigureOut">
               <a:rPr lang="en-US" smtClean="0"/>
-              <a:t>4/1/2019</a:t>
+              <a:t>4/15/2019</a:t>
             </a:fld>
             <a:endParaRPr lang="en-US"/>
           </a:p>
@@ -4631,7 +5110,7 @@
           <a:p>
             <a:fld id="{6BD668DE-C332-4196-9C29-A67E3840ABAF}" type="datetimeFigureOut">
               <a:rPr lang="en-US" smtClean="0"/>
-              <a:t>4/1/2019</a:t>
+              <a:t>4/15/2019</a:t>
             </a:fld>
             <a:endParaRPr lang="en-US"/>
           </a:p>
@@ -4906,7 +5385,7 @@
           <a:p>
             <a:fld id="{6BD668DE-C332-4196-9C29-A67E3840ABAF}" type="datetimeFigureOut">
               <a:rPr lang="en-US" smtClean="0"/>
-              <a:t>4/1/2019</a:t>
+              <a:t>4/15/2019</a:t>
             </a:fld>
             <a:endParaRPr lang="en-US"/>
           </a:p>
@@ -5158,7 +5637,7 @@
           <a:p>
             <a:fld id="{6BD668DE-C332-4196-9C29-A67E3840ABAF}" type="datetimeFigureOut">
               <a:rPr lang="en-US" smtClean="0"/>
-              <a:t>4/1/2019</a:t>
+              <a:t>4/15/2019</a:t>
             </a:fld>
             <a:endParaRPr lang="en-US"/>
           </a:p>
@@ -5369,7 +5848,7 @@
           <a:p>
             <a:fld id="{6BD668DE-C332-4196-9C29-A67E3840ABAF}" type="datetimeFigureOut">
               <a:rPr lang="en-US" smtClean="0"/>
-              <a:t>4/1/2019</a:t>
+              <a:t>4/15/2019</a:t>
             </a:fld>
             <a:endParaRPr lang="en-US"/>
           </a:p>
@@ -7818,7 +8297,7 @@
         <p:spPr/>
         <p:txBody>
           <a:bodyPr numCol="2">
-            <a:normAutofit fontScale="92500" lnSpcReduction="20000"/>
+            <a:normAutofit fontScale="92500" lnSpcReduction="10000"/>
           </a:bodyPr>
           <a:lstStyle/>
           <a:p>
@@ -7853,14 +8332,6 @@
               <a:t>Rekursif</a:t>
             </a:r>
             <a:endParaRPr lang="en-ID" dirty="0"/>
-          </a:p>
-          <a:p>
-            <a:pPr lvl="1"/>
-            <a:r>
-              <a:rPr lang="en-ID" dirty="0"/>
-              <a:t>Tree</a:t>
-            </a:r>
-            <a:endParaRPr lang="id-ID" dirty="0"/>
           </a:p>
           <a:p>
             <a:r>
@@ -18450,16 +18921,21 @@
             </a:r>
             <a:r>
               <a:rPr lang="en-ID" dirty="0"/>
-              <a:t>: O(n</a:t>
+              <a:t>: O</a:t>
+            </a:r>
+            <a:r>
+              <a:rPr lang="en-ID"/>
+              <a:t>(n</a:t>
             </a:r>
             <a:r>
               <a:rPr lang="en-ID" baseline="30000" dirty="0"/>
-              <a:t>2</a:t>
-            </a:r>
-            <a:r>
-              <a:rPr lang="en-ID" dirty="0"/>
+              <a:t>3</a:t>
+            </a:r>
+            <a:r>
+              <a:rPr lang="en-ID"/>
               <a:t>)</a:t>
             </a:r>
+            <a:endParaRPr lang="en-ID" dirty="0"/>
           </a:p>
         </p:txBody>
       </p:sp>
@@ -19855,6 +20331,999 @@
 </p:sld>
 </file>
 
+<file path=ppt/slides/slide74.xml><?xml version="1.0" encoding="utf-8"?>
+<p:sld xmlns:a="http://schemas.openxmlformats.org/drawingml/2006/main" xmlns:r="http://schemas.openxmlformats.org/officeDocument/2006/relationships" xmlns:p="http://schemas.openxmlformats.org/presentationml/2006/main">
+  <p:cSld>
+    <p:spTree>
+      <p:nvGrpSpPr>
+        <p:cNvPr id="1" name=""/>
+        <p:cNvGrpSpPr/>
+        <p:nvPr/>
+      </p:nvGrpSpPr>
+      <p:grpSpPr>
+        <a:xfrm>
+          <a:off x="0" y="0"/>
+          <a:ext cx="0" cy="0"/>
+          <a:chOff x="0" y="0"/>
+          <a:chExt cx="0" cy="0"/>
+        </a:xfrm>
+      </p:grpSpPr>
+      <p:sp>
+        <p:nvSpPr>
+          <p:cNvPr id="2" name="Title 1">
+            <a:extLst>
+              <a:ext uri="{FF2B5EF4-FFF2-40B4-BE49-F238E27FC236}">
+                <a16:creationId xmlns:a16="http://schemas.microsoft.com/office/drawing/2014/main" id="{3C5B6B23-B3DC-4C18-AF0A-992C480924F0}"/>
+              </a:ext>
+            </a:extLst>
+          </p:cNvPr>
+          <p:cNvSpPr>
+            <a:spLocks noGrp="1"/>
+          </p:cNvSpPr>
+          <p:nvPr>
+            <p:ph type="title"/>
+          </p:nvPr>
+        </p:nvSpPr>
+        <p:spPr/>
+        <p:txBody>
+          <a:bodyPr/>
+          <a:lstStyle/>
+          <a:p>
+            <a:r>
+              <a:rPr lang="en-ID" dirty="0" err="1"/>
+              <a:t>Algoritma</a:t>
+            </a:r>
+            <a:r>
+              <a:rPr lang="en-ID" dirty="0"/>
+              <a:t> </a:t>
+            </a:r>
+            <a:r>
+              <a:rPr lang="en-ID" dirty="0" err="1"/>
+              <a:t>rekursif</a:t>
+            </a:r>
+            <a:endParaRPr lang="en-ID" dirty="0"/>
+          </a:p>
+        </p:txBody>
+      </p:sp>
+      <p:sp>
+        <p:nvSpPr>
+          <p:cNvPr id="3" name="Text Placeholder 2">
+            <a:extLst>
+              <a:ext uri="{FF2B5EF4-FFF2-40B4-BE49-F238E27FC236}">
+                <a16:creationId xmlns:a16="http://schemas.microsoft.com/office/drawing/2014/main" id="{EC08D9AF-3CCC-47F1-85CA-AFBB19C600E5}"/>
+              </a:ext>
+            </a:extLst>
+          </p:cNvPr>
+          <p:cNvSpPr>
+            <a:spLocks noGrp="1"/>
+          </p:cNvSpPr>
+          <p:nvPr>
+            <p:ph type="body" idx="1"/>
+          </p:nvPr>
+        </p:nvSpPr>
+        <p:spPr/>
+        <p:txBody>
+          <a:bodyPr/>
+          <a:lstStyle/>
+          <a:p>
+            <a:r>
+              <a:rPr lang="en-ID" dirty="0"/>
+              <a:t>Simple but too expensive</a:t>
+            </a:r>
+          </a:p>
+        </p:txBody>
+      </p:sp>
+    </p:spTree>
+    <p:extLst>
+      <p:ext uri="{BB962C8B-B14F-4D97-AF65-F5344CB8AC3E}">
+        <p14:creationId xmlns:p14="http://schemas.microsoft.com/office/powerpoint/2010/main" val="3166333188"/>
+      </p:ext>
+    </p:extLst>
+  </p:cSld>
+  <p:clrMapOvr>
+    <a:masterClrMapping/>
+  </p:clrMapOvr>
+</p:sld>
+</file>
+
+<file path=ppt/slides/slide75.xml><?xml version="1.0" encoding="utf-8"?>
+<p:sld xmlns:a="http://schemas.openxmlformats.org/drawingml/2006/main" xmlns:r="http://schemas.openxmlformats.org/officeDocument/2006/relationships" xmlns:p="http://schemas.openxmlformats.org/presentationml/2006/main">
+  <p:cSld>
+    <p:spTree>
+      <p:nvGrpSpPr>
+        <p:cNvPr id="1" name=""/>
+        <p:cNvGrpSpPr/>
+        <p:nvPr/>
+      </p:nvGrpSpPr>
+      <p:grpSpPr>
+        <a:xfrm>
+          <a:off x="0" y="0"/>
+          <a:ext cx="0" cy="0"/>
+          <a:chOff x="0" y="0"/>
+          <a:chExt cx="0" cy="0"/>
+        </a:xfrm>
+      </p:grpSpPr>
+      <p:sp>
+        <p:nvSpPr>
+          <p:cNvPr id="2" name="Title 1">
+            <a:extLst>
+              <a:ext uri="{FF2B5EF4-FFF2-40B4-BE49-F238E27FC236}">
+                <a16:creationId xmlns:a16="http://schemas.microsoft.com/office/drawing/2014/main" id="{387EB428-51AF-4811-AABF-1DE48388871B}"/>
+              </a:ext>
+            </a:extLst>
+          </p:cNvPr>
+          <p:cNvSpPr>
+            <a:spLocks noGrp="1"/>
+          </p:cNvSpPr>
+          <p:nvPr>
+            <p:ph type="title"/>
+          </p:nvPr>
+        </p:nvSpPr>
+        <p:spPr/>
+        <p:txBody>
+          <a:bodyPr/>
+          <a:lstStyle/>
+          <a:p>
+            <a:r>
+              <a:rPr lang="en-ID" dirty="0"/>
+              <a:t>Menara Hanoi</a:t>
+            </a:r>
+          </a:p>
+        </p:txBody>
+      </p:sp>
+      <p:pic>
+        <p:nvPicPr>
+          <p:cNvPr id="1026" name="Picture 2" descr="Image result for hanoi tower">
+            <a:extLst>
+              <a:ext uri="{FF2B5EF4-FFF2-40B4-BE49-F238E27FC236}">
+                <a16:creationId xmlns:a16="http://schemas.microsoft.com/office/drawing/2014/main" id="{9800709D-6AA1-4330-B8E0-C7DB2FB416D4}"/>
+              </a:ext>
+            </a:extLst>
+          </p:cNvPr>
+          <p:cNvPicPr>
+            <a:picLocks noChangeAspect="1" noChangeArrowheads="1"/>
+          </p:cNvPicPr>
+          <p:nvPr/>
+        </p:nvPicPr>
+        <p:blipFill>
+          <a:blip r:embed="rId2">
+            <a:extLst>
+              <a:ext uri="{28A0092B-C50C-407E-A947-70E740481C1C}">
+                <a14:useLocalDpi xmlns:a14="http://schemas.microsoft.com/office/drawing/2010/main" val="0"/>
+              </a:ext>
+            </a:extLst>
+          </a:blip>
+          <a:srcRect/>
+          <a:stretch>
+            <a:fillRect/>
+          </a:stretch>
+        </p:blipFill>
+        <p:spPr bwMode="auto">
+          <a:xfrm>
+            <a:off x="1115616" y="2132856"/>
+            <a:ext cx="7044105" cy="2179488"/>
+          </a:xfrm>
+          <a:prstGeom prst="rect">
+            <a:avLst/>
+          </a:prstGeom>
+          <a:noFill/>
+          <a:extLst>
+            <a:ext uri="{909E8E84-426E-40DD-AFC4-6F175D3DCCD1}">
+              <a14:hiddenFill xmlns:a14="http://schemas.microsoft.com/office/drawing/2010/main">
+                <a:solidFill>
+                  <a:srgbClr val="FFFFFF"/>
+                </a:solidFill>
+              </a14:hiddenFill>
+            </a:ext>
+          </a:extLst>
+        </p:spPr>
+      </p:pic>
+      <p:sp>
+        <p:nvSpPr>
+          <p:cNvPr id="4" name="TextBox 3">
+            <a:extLst>
+              <a:ext uri="{FF2B5EF4-FFF2-40B4-BE49-F238E27FC236}">
+                <a16:creationId xmlns:a16="http://schemas.microsoft.com/office/drawing/2014/main" id="{70D7AEE0-A8A3-414C-BC95-1C6E84393EE5}"/>
+              </a:ext>
+            </a:extLst>
+          </p:cNvPr>
+          <p:cNvSpPr txBox="1"/>
+          <p:nvPr/>
+        </p:nvSpPr>
+        <p:spPr>
+          <a:xfrm>
+            <a:off x="2483768" y="4297208"/>
+            <a:ext cx="370614" cy="461665"/>
+          </a:xfrm>
+          <a:prstGeom prst="rect">
+            <a:avLst/>
+          </a:prstGeom>
+          <a:noFill/>
+        </p:spPr>
+        <p:txBody>
+          <a:bodyPr wrap="none" rtlCol="0">
+            <a:spAutoFit/>
+          </a:bodyPr>
+          <a:lstStyle/>
+          <a:p>
+            <a:r>
+              <a:rPr lang="en-ID" sz="2400" b="1" dirty="0"/>
+              <a:t>A</a:t>
+            </a:r>
+            <a:endParaRPr lang="en-ID" b="1" dirty="0"/>
+          </a:p>
+        </p:txBody>
+      </p:sp>
+      <p:sp>
+        <p:nvSpPr>
+          <p:cNvPr id="6" name="TextBox 5">
+            <a:extLst>
+              <a:ext uri="{FF2B5EF4-FFF2-40B4-BE49-F238E27FC236}">
+                <a16:creationId xmlns:a16="http://schemas.microsoft.com/office/drawing/2014/main" id="{1543FEEE-81F0-4037-910A-916C079CF8F1}"/>
+              </a:ext>
+            </a:extLst>
+          </p:cNvPr>
+          <p:cNvSpPr txBox="1"/>
+          <p:nvPr/>
+        </p:nvSpPr>
+        <p:spPr>
+          <a:xfrm>
+            <a:off x="4386693" y="4314864"/>
+            <a:ext cx="370614" cy="461665"/>
+          </a:xfrm>
+          <a:prstGeom prst="rect">
+            <a:avLst/>
+          </a:prstGeom>
+          <a:noFill/>
+        </p:spPr>
+        <p:txBody>
+          <a:bodyPr wrap="none" rtlCol="0">
+            <a:spAutoFit/>
+          </a:bodyPr>
+          <a:lstStyle/>
+          <a:p>
+            <a:r>
+              <a:rPr lang="en-ID" sz="2400" b="1" dirty="0"/>
+              <a:t>B</a:t>
+            </a:r>
+            <a:endParaRPr lang="en-ID" b="1" dirty="0"/>
+          </a:p>
+        </p:txBody>
+      </p:sp>
+      <p:sp>
+        <p:nvSpPr>
+          <p:cNvPr id="7" name="TextBox 6">
+            <a:extLst>
+              <a:ext uri="{FF2B5EF4-FFF2-40B4-BE49-F238E27FC236}">
+                <a16:creationId xmlns:a16="http://schemas.microsoft.com/office/drawing/2014/main" id="{0851B891-4A54-46BF-965A-D6B9A22F30B5}"/>
+              </a:ext>
+            </a:extLst>
+          </p:cNvPr>
+          <p:cNvSpPr txBox="1"/>
+          <p:nvPr/>
+        </p:nvSpPr>
+        <p:spPr>
+          <a:xfrm>
+            <a:off x="6303109" y="4297207"/>
+            <a:ext cx="348172" cy="461665"/>
+          </a:xfrm>
+          <a:prstGeom prst="rect">
+            <a:avLst/>
+          </a:prstGeom>
+          <a:noFill/>
+        </p:spPr>
+        <p:txBody>
+          <a:bodyPr wrap="none" rtlCol="0">
+            <a:spAutoFit/>
+          </a:bodyPr>
+          <a:lstStyle/>
+          <a:p>
+            <a:r>
+              <a:rPr lang="en-ID" sz="2400" b="1" dirty="0"/>
+              <a:t>C</a:t>
+            </a:r>
+            <a:endParaRPr lang="en-ID" b="1" dirty="0"/>
+          </a:p>
+        </p:txBody>
+      </p:sp>
+      <p:sp>
+        <p:nvSpPr>
+          <p:cNvPr id="5" name="TextBox 4">
+            <a:extLst>
+              <a:ext uri="{FF2B5EF4-FFF2-40B4-BE49-F238E27FC236}">
+                <a16:creationId xmlns:a16="http://schemas.microsoft.com/office/drawing/2014/main" id="{5E5E1977-918E-440C-BFF6-7EE41E58412D}"/>
+              </a:ext>
+            </a:extLst>
+          </p:cNvPr>
+          <p:cNvSpPr txBox="1"/>
+          <p:nvPr/>
+        </p:nvSpPr>
+        <p:spPr>
+          <a:xfrm>
+            <a:off x="1115616" y="4797152"/>
+            <a:ext cx="7044105" cy="1569660"/>
+          </a:xfrm>
+          <a:prstGeom prst="rect">
+            <a:avLst/>
+          </a:prstGeom>
+          <a:noFill/>
+        </p:spPr>
+        <p:txBody>
+          <a:bodyPr wrap="square" rtlCol="0">
+            <a:spAutoFit/>
+          </a:bodyPr>
+          <a:lstStyle/>
+          <a:p>
+            <a:pPr marL="285750" indent="-285750">
+              <a:buFont typeface="Arial" panose="020B0604020202020204" pitchFamily="34" charset="0"/>
+              <a:buChar char="•"/>
+            </a:pPr>
+            <a:r>
+              <a:rPr lang="en-ID" sz="2400" dirty="0" err="1"/>
+              <a:t>Bagaimana</a:t>
+            </a:r>
+            <a:r>
+              <a:rPr lang="en-ID" sz="2400" dirty="0"/>
+              <a:t> </a:t>
+            </a:r>
+            <a:r>
+              <a:rPr lang="en-ID" sz="2400" dirty="0" err="1"/>
+              <a:t>cara</a:t>
+            </a:r>
+            <a:r>
+              <a:rPr lang="en-ID" sz="2400" dirty="0"/>
+              <a:t> </a:t>
+            </a:r>
+            <a:r>
+              <a:rPr lang="en-ID" sz="2400" dirty="0" err="1"/>
+              <a:t>memindahkan</a:t>
+            </a:r>
+            <a:r>
+              <a:rPr lang="en-ID" sz="2400" dirty="0"/>
+              <a:t> </a:t>
+            </a:r>
+            <a:r>
+              <a:rPr lang="en-ID" sz="2400" dirty="0" err="1"/>
+              <a:t>semua</a:t>
+            </a:r>
+            <a:r>
+              <a:rPr lang="en-ID" sz="2400" dirty="0"/>
+              <a:t> </a:t>
+            </a:r>
+            <a:r>
+              <a:rPr lang="en-ID" sz="2400" dirty="0" err="1"/>
+              <a:t>piringan</a:t>
+            </a:r>
+            <a:r>
+              <a:rPr lang="en-ID" sz="2400" dirty="0"/>
+              <a:t>/disc </a:t>
+            </a:r>
+            <a:r>
+              <a:rPr lang="en-ID" sz="2400" dirty="0" err="1"/>
+              <a:t>dari</a:t>
+            </a:r>
+            <a:r>
+              <a:rPr lang="en-ID" sz="2400" dirty="0"/>
+              <a:t> </a:t>
+            </a:r>
+            <a:r>
+              <a:rPr lang="en-ID" sz="2400" dirty="0" err="1"/>
+              <a:t>tiang</a:t>
+            </a:r>
+            <a:r>
+              <a:rPr lang="en-ID" sz="2400" dirty="0"/>
+              <a:t> A </a:t>
+            </a:r>
+            <a:r>
+              <a:rPr lang="en-ID" sz="2400" dirty="0" err="1"/>
+              <a:t>ke</a:t>
+            </a:r>
+            <a:r>
+              <a:rPr lang="en-ID" sz="2400" dirty="0"/>
+              <a:t> C?</a:t>
+            </a:r>
+          </a:p>
+          <a:p>
+            <a:pPr marL="285750" indent="-285750">
+              <a:buFont typeface="Arial" panose="020B0604020202020204" pitchFamily="34" charset="0"/>
+              <a:buChar char="•"/>
+            </a:pPr>
+            <a:r>
+              <a:rPr lang="en-ID" sz="2400" dirty="0" err="1"/>
+              <a:t>Berapa</a:t>
+            </a:r>
+            <a:r>
+              <a:rPr lang="en-ID" sz="2400" dirty="0"/>
+              <a:t> </a:t>
+            </a:r>
+            <a:r>
+              <a:rPr lang="en-ID" sz="2400" dirty="0" err="1"/>
+              <a:t>langkah</a:t>
+            </a:r>
+            <a:r>
+              <a:rPr lang="en-ID" sz="2400"/>
+              <a:t> minimal yang </a:t>
+            </a:r>
+            <a:r>
+              <a:rPr lang="en-ID" sz="2400" dirty="0" err="1"/>
+              <a:t>diperlukan</a:t>
+            </a:r>
+            <a:r>
+              <a:rPr lang="en-ID" sz="2400" dirty="0"/>
+              <a:t> </a:t>
+            </a:r>
+            <a:r>
+              <a:rPr lang="en-ID" sz="2400" dirty="0" err="1"/>
+              <a:t>untuk</a:t>
+            </a:r>
+            <a:r>
+              <a:rPr lang="en-ID" sz="2400" dirty="0"/>
+              <a:t> </a:t>
+            </a:r>
+            <a:r>
+              <a:rPr lang="en-ID" sz="2400" dirty="0" err="1"/>
+              <a:t>memindahkan</a:t>
+            </a:r>
+            <a:r>
+              <a:rPr lang="en-ID" sz="2400" dirty="0"/>
+              <a:t> </a:t>
+            </a:r>
+            <a:r>
+              <a:rPr lang="en-ID" sz="2400" dirty="0" err="1"/>
+              <a:t>semua</a:t>
+            </a:r>
+            <a:r>
+              <a:rPr lang="en-ID" sz="2400" dirty="0"/>
+              <a:t> disc </a:t>
+            </a:r>
+            <a:r>
+              <a:rPr lang="en-ID" sz="2400" dirty="0" err="1"/>
+              <a:t>dari</a:t>
+            </a:r>
+            <a:r>
+              <a:rPr lang="en-ID" sz="2400" dirty="0"/>
+              <a:t> A </a:t>
+            </a:r>
+            <a:r>
+              <a:rPr lang="en-ID" sz="2400" dirty="0" err="1"/>
+              <a:t>ke</a:t>
+            </a:r>
+            <a:r>
+              <a:rPr lang="en-ID" sz="2400" dirty="0"/>
+              <a:t> C?</a:t>
+            </a:r>
+          </a:p>
+        </p:txBody>
+      </p:sp>
+    </p:spTree>
+    <p:extLst>
+      <p:ext uri="{BB962C8B-B14F-4D97-AF65-F5344CB8AC3E}">
+        <p14:creationId xmlns:p14="http://schemas.microsoft.com/office/powerpoint/2010/main" val="3039411475"/>
+      </p:ext>
+    </p:extLst>
+  </p:cSld>
+  <p:clrMapOvr>
+    <a:masterClrMapping/>
+  </p:clrMapOvr>
+</p:sld>
+</file>
+
+<file path=ppt/slides/slide76.xml><?xml version="1.0" encoding="utf-8"?>
+<p:sld xmlns:a="http://schemas.openxmlformats.org/drawingml/2006/main" xmlns:r="http://schemas.openxmlformats.org/officeDocument/2006/relationships" xmlns:p="http://schemas.openxmlformats.org/presentationml/2006/main">
+  <p:cSld>
+    <p:spTree>
+      <p:nvGrpSpPr>
+        <p:cNvPr id="1" name=""/>
+        <p:cNvGrpSpPr/>
+        <p:nvPr/>
+      </p:nvGrpSpPr>
+      <p:grpSpPr>
+        <a:xfrm>
+          <a:off x="0" y="0"/>
+          <a:ext cx="0" cy="0"/>
+          <a:chOff x="0" y="0"/>
+          <a:chExt cx="0" cy="0"/>
+        </a:xfrm>
+      </p:grpSpPr>
+      <p:sp>
+        <p:nvSpPr>
+          <p:cNvPr id="2" name="Title 1">
+            <a:extLst>
+              <a:ext uri="{FF2B5EF4-FFF2-40B4-BE49-F238E27FC236}">
+                <a16:creationId xmlns:a16="http://schemas.microsoft.com/office/drawing/2014/main" id="{2C6BC7F9-5BBC-4976-A292-E46FBEB005A5}"/>
+              </a:ext>
+            </a:extLst>
+          </p:cNvPr>
+          <p:cNvSpPr>
+            <a:spLocks noGrp="1"/>
+          </p:cNvSpPr>
+          <p:nvPr>
+            <p:ph type="title"/>
+          </p:nvPr>
+        </p:nvSpPr>
+        <p:spPr/>
+        <p:txBody>
+          <a:bodyPr/>
+          <a:lstStyle/>
+          <a:p>
+            <a:r>
+              <a:rPr lang="en-ID" dirty="0"/>
+              <a:t>Menara Hanoi</a:t>
+            </a:r>
+          </a:p>
+        </p:txBody>
+      </p:sp>
+      <p:pic>
+        <p:nvPicPr>
+          <p:cNvPr id="2050" name="Picture 2" descr="Image result for hanoi tower">
+            <a:extLst>
+              <a:ext uri="{FF2B5EF4-FFF2-40B4-BE49-F238E27FC236}">
+                <a16:creationId xmlns:a16="http://schemas.microsoft.com/office/drawing/2014/main" id="{1A16C81C-B342-4D19-863D-B3156BE59637}"/>
+              </a:ext>
+            </a:extLst>
+          </p:cNvPr>
+          <p:cNvPicPr>
+            <a:picLocks noChangeAspect="1" noChangeArrowheads="1"/>
+          </p:cNvPicPr>
+          <p:nvPr/>
+        </p:nvPicPr>
+        <p:blipFill>
+          <a:blip r:embed="rId2">
+            <a:extLst>
+              <a:ext uri="{28A0092B-C50C-407E-A947-70E740481C1C}">
+                <a14:useLocalDpi xmlns:a14="http://schemas.microsoft.com/office/drawing/2010/main" val="0"/>
+              </a:ext>
+            </a:extLst>
+          </a:blip>
+          <a:srcRect/>
+          <a:stretch>
+            <a:fillRect/>
+          </a:stretch>
+        </p:blipFill>
+        <p:spPr bwMode="auto">
+          <a:xfrm>
+            <a:off x="755576" y="1431702"/>
+            <a:ext cx="3744416" cy="5231526"/>
+          </a:xfrm>
+          <a:prstGeom prst="rect">
+            <a:avLst/>
+          </a:prstGeom>
+          <a:noFill/>
+          <a:extLst>
+            <a:ext uri="{909E8E84-426E-40DD-AFC4-6F175D3DCCD1}">
+              <a14:hiddenFill xmlns:a14="http://schemas.microsoft.com/office/drawing/2010/main">
+                <a:solidFill>
+                  <a:srgbClr val="FFFFFF"/>
+                </a:solidFill>
+              </a14:hiddenFill>
+            </a:ext>
+          </a:extLst>
+        </p:spPr>
+      </p:pic>
+      <p:sp>
+        <p:nvSpPr>
+          <p:cNvPr id="4" name="TextBox 3">
+            <a:extLst>
+              <a:ext uri="{FF2B5EF4-FFF2-40B4-BE49-F238E27FC236}">
+                <a16:creationId xmlns:a16="http://schemas.microsoft.com/office/drawing/2014/main" id="{EC9A34D9-183C-4CE2-895E-0A0DDCF11888}"/>
+              </a:ext>
+            </a:extLst>
+          </p:cNvPr>
+          <p:cNvSpPr txBox="1"/>
+          <p:nvPr/>
+        </p:nvSpPr>
+        <p:spPr>
+          <a:xfrm>
+            <a:off x="5292081" y="1988840"/>
+            <a:ext cx="3096344" cy="2677656"/>
+          </a:xfrm>
+          <a:prstGeom prst="rect">
+            <a:avLst/>
+          </a:prstGeom>
+          <a:noFill/>
+        </p:spPr>
+        <p:txBody>
+          <a:bodyPr wrap="square" rtlCol="0">
+            <a:spAutoFit/>
+          </a:bodyPr>
+          <a:lstStyle/>
+          <a:p>
+            <a:pPr marL="342900" indent="-342900">
+              <a:buFont typeface="+mj-lt"/>
+              <a:buAutoNum type="arabicPeriod"/>
+            </a:pPr>
+            <a:r>
+              <a:rPr lang="en-ID" sz="2800" dirty="0" err="1"/>
+              <a:t>Pindahkan</a:t>
+            </a:r>
+            <a:r>
+              <a:rPr lang="en-ID" sz="2800" dirty="0"/>
+              <a:t> n-1 discs </a:t>
+            </a:r>
+            <a:r>
+              <a:rPr lang="en-ID" sz="2800" dirty="0" err="1"/>
+              <a:t>dari</a:t>
+            </a:r>
+            <a:r>
+              <a:rPr lang="en-ID" sz="2800" dirty="0"/>
+              <a:t> A </a:t>
+            </a:r>
+            <a:r>
+              <a:rPr lang="en-ID" sz="2800" dirty="0" err="1"/>
+              <a:t>ke</a:t>
+            </a:r>
+            <a:r>
+              <a:rPr lang="en-ID" sz="2800" dirty="0"/>
+              <a:t> B</a:t>
+            </a:r>
+          </a:p>
+          <a:p>
+            <a:pPr marL="342900" indent="-342900">
+              <a:buFont typeface="+mj-lt"/>
+              <a:buAutoNum type="arabicPeriod"/>
+            </a:pPr>
+            <a:r>
+              <a:rPr lang="en-ID" sz="2800" dirty="0" err="1"/>
+              <a:t>Pindahkan</a:t>
+            </a:r>
+            <a:r>
+              <a:rPr lang="en-ID" sz="2800" dirty="0"/>
+              <a:t> 1 disc </a:t>
+            </a:r>
+            <a:r>
+              <a:rPr lang="en-ID" sz="2800" dirty="0" err="1"/>
+              <a:t>dari</a:t>
+            </a:r>
+            <a:r>
+              <a:rPr lang="en-ID" sz="2800" dirty="0"/>
+              <a:t> A </a:t>
+            </a:r>
+            <a:r>
+              <a:rPr lang="en-ID" sz="2800" dirty="0" err="1"/>
+              <a:t>ke</a:t>
+            </a:r>
+            <a:r>
+              <a:rPr lang="en-ID" sz="2800" dirty="0"/>
+              <a:t> C</a:t>
+            </a:r>
+          </a:p>
+          <a:p>
+            <a:pPr marL="342900" indent="-342900">
+              <a:buFont typeface="+mj-lt"/>
+              <a:buAutoNum type="arabicPeriod"/>
+            </a:pPr>
+            <a:r>
+              <a:rPr lang="en-ID" sz="2800" dirty="0" err="1"/>
+              <a:t>Pindahkan</a:t>
+            </a:r>
+            <a:r>
+              <a:rPr lang="en-ID" sz="2800" dirty="0"/>
+              <a:t> n-1 discs </a:t>
+            </a:r>
+            <a:r>
+              <a:rPr lang="en-ID" sz="2800" dirty="0" err="1"/>
+              <a:t>dari</a:t>
+            </a:r>
+            <a:r>
+              <a:rPr lang="en-ID" sz="2800" dirty="0"/>
+              <a:t> B </a:t>
+            </a:r>
+            <a:r>
+              <a:rPr lang="en-ID" sz="2800" dirty="0" err="1"/>
+              <a:t>ke</a:t>
+            </a:r>
+            <a:r>
+              <a:rPr lang="en-ID" sz="2800" dirty="0"/>
+              <a:t> C</a:t>
+            </a:r>
+          </a:p>
+        </p:txBody>
+      </p:sp>
+    </p:spTree>
+    <p:extLst>
+      <p:ext uri="{BB962C8B-B14F-4D97-AF65-F5344CB8AC3E}">
+        <p14:creationId xmlns:p14="http://schemas.microsoft.com/office/powerpoint/2010/main" val="1887166078"/>
+      </p:ext>
+    </p:extLst>
+  </p:cSld>
+  <p:clrMapOvr>
+    <a:masterClrMapping/>
+  </p:clrMapOvr>
+</p:sld>
+</file>
+
+<file path=ppt/slides/slide77.xml><?xml version="1.0" encoding="utf-8"?>
+<p:sld xmlns:a="http://schemas.openxmlformats.org/drawingml/2006/main" xmlns:r="http://schemas.openxmlformats.org/officeDocument/2006/relationships" xmlns:p="http://schemas.openxmlformats.org/presentationml/2006/main">
+  <p:cSld>
+    <p:spTree>
+      <p:nvGrpSpPr>
+        <p:cNvPr id="1" name=""/>
+        <p:cNvGrpSpPr/>
+        <p:nvPr/>
+      </p:nvGrpSpPr>
+      <p:grpSpPr>
+        <a:xfrm>
+          <a:off x="0" y="0"/>
+          <a:ext cx="0" cy="0"/>
+          <a:chOff x="0" y="0"/>
+          <a:chExt cx="0" cy="0"/>
+        </a:xfrm>
+      </p:grpSpPr>
+      <p:sp>
+        <p:nvSpPr>
+          <p:cNvPr id="2" name="Title 1">
+            <a:extLst>
+              <a:ext uri="{FF2B5EF4-FFF2-40B4-BE49-F238E27FC236}">
+                <a16:creationId xmlns:a16="http://schemas.microsoft.com/office/drawing/2014/main" id="{03487D62-938C-41A7-AAAC-0D36B0B9C48E}"/>
+              </a:ext>
+            </a:extLst>
+          </p:cNvPr>
+          <p:cNvSpPr>
+            <a:spLocks noGrp="1"/>
+          </p:cNvSpPr>
+          <p:nvPr>
+            <p:ph type="title"/>
+          </p:nvPr>
+        </p:nvSpPr>
+        <p:spPr/>
+        <p:txBody>
+          <a:bodyPr/>
+          <a:lstStyle/>
+          <a:p>
+            <a:r>
+              <a:rPr lang="en-ID" dirty="0" err="1"/>
+              <a:t>Algoritma</a:t>
+            </a:r>
+            <a:r>
+              <a:rPr lang="en-ID" dirty="0"/>
+              <a:t> Menara Hanoi</a:t>
+            </a:r>
+          </a:p>
+        </p:txBody>
+      </p:sp>
+      <p:pic>
+        <p:nvPicPr>
+          <p:cNvPr id="4" name="Picture 3">
+            <a:extLst>
+              <a:ext uri="{FF2B5EF4-FFF2-40B4-BE49-F238E27FC236}">
+                <a16:creationId xmlns:a16="http://schemas.microsoft.com/office/drawing/2014/main" id="{B7C523D4-A7CD-4CFB-A82E-E10F38171B4F}"/>
+              </a:ext>
+            </a:extLst>
+          </p:cNvPr>
+          <p:cNvPicPr>
+            <a:picLocks noChangeAspect="1"/>
+          </p:cNvPicPr>
+          <p:nvPr/>
+        </p:nvPicPr>
+        <p:blipFill>
+          <a:blip r:embed="rId2"/>
+          <a:stretch>
+            <a:fillRect/>
+          </a:stretch>
+        </p:blipFill>
+        <p:spPr>
+          <a:xfrm>
+            <a:off x="158024" y="1767819"/>
+            <a:ext cx="8827951" cy="2188487"/>
+          </a:xfrm>
+          <a:prstGeom prst="rect">
+            <a:avLst/>
+          </a:prstGeom>
+        </p:spPr>
+      </p:pic>
+    </p:spTree>
+    <p:extLst>
+      <p:ext uri="{BB962C8B-B14F-4D97-AF65-F5344CB8AC3E}">
+        <p14:creationId xmlns:p14="http://schemas.microsoft.com/office/powerpoint/2010/main" val="2384922159"/>
+      </p:ext>
+    </p:extLst>
+  </p:cSld>
+  <p:clrMapOvr>
+    <a:masterClrMapping/>
+  </p:clrMapOvr>
+</p:sld>
+</file>
+
+<file path=ppt/slides/slide78.xml><?xml version="1.0" encoding="utf-8"?>
+<p:sld xmlns:a="http://schemas.openxmlformats.org/drawingml/2006/main" xmlns:r="http://schemas.openxmlformats.org/officeDocument/2006/relationships" xmlns:p="http://schemas.openxmlformats.org/presentationml/2006/main">
+  <p:cSld>
+    <p:spTree>
+      <p:nvGrpSpPr>
+        <p:cNvPr id="1" name=""/>
+        <p:cNvGrpSpPr/>
+        <p:nvPr/>
+      </p:nvGrpSpPr>
+      <p:grpSpPr>
+        <a:xfrm>
+          <a:off x="0" y="0"/>
+          <a:ext cx="0" cy="0"/>
+          <a:chOff x="0" y="0"/>
+          <a:chExt cx="0" cy="0"/>
+        </a:xfrm>
+      </p:grpSpPr>
+      <p:sp>
+        <p:nvSpPr>
+          <p:cNvPr id="2" name="Title 1">
+            <a:extLst>
+              <a:ext uri="{FF2B5EF4-FFF2-40B4-BE49-F238E27FC236}">
+                <a16:creationId xmlns:a16="http://schemas.microsoft.com/office/drawing/2014/main" id="{FFC66978-F39B-4054-A8C3-AE933A61487D}"/>
+              </a:ext>
+            </a:extLst>
+          </p:cNvPr>
+          <p:cNvSpPr>
+            <a:spLocks noGrp="1"/>
+          </p:cNvSpPr>
+          <p:nvPr>
+            <p:ph type="title"/>
+          </p:nvPr>
+        </p:nvSpPr>
+        <p:spPr/>
+        <p:txBody>
+          <a:bodyPr/>
+          <a:lstStyle/>
+          <a:p>
+            <a:r>
+              <a:rPr lang="en-ID" dirty="0"/>
+              <a:t>What is Recursive Algorithm?</a:t>
+            </a:r>
+          </a:p>
+        </p:txBody>
+      </p:sp>
+      <p:sp>
+        <p:nvSpPr>
+          <p:cNvPr id="3" name="Content Placeholder 2">
+            <a:extLst>
+              <a:ext uri="{FF2B5EF4-FFF2-40B4-BE49-F238E27FC236}">
+                <a16:creationId xmlns:a16="http://schemas.microsoft.com/office/drawing/2014/main" id="{85B99036-9BA9-4476-9227-AF07542B7255}"/>
+              </a:ext>
+            </a:extLst>
+          </p:cNvPr>
+          <p:cNvSpPr>
+            <a:spLocks noGrp="1"/>
+          </p:cNvSpPr>
+          <p:nvPr>
+            <p:ph idx="1"/>
+          </p:nvPr>
+        </p:nvSpPr>
+        <p:spPr/>
+        <p:txBody>
+          <a:bodyPr/>
+          <a:lstStyle/>
+          <a:p>
+            <a:r>
+              <a:rPr lang="en-US" dirty="0"/>
+              <a:t>A </a:t>
+            </a:r>
+            <a:r>
+              <a:rPr lang="en-US" b="1" dirty="0"/>
+              <a:t>recursive algorithm </a:t>
+            </a:r>
+            <a:r>
+              <a:rPr lang="en-US" dirty="0"/>
+              <a:t>is an algorithm which calls itself (in the form of function) with "smaller (or simpler)" input values, and which obtains the result for the current input by applying simple operations to the returned value for the smaller (or simpler) input</a:t>
+            </a:r>
+          </a:p>
+          <a:p>
+            <a:endParaRPr lang="en-ID" dirty="0"/>
+          </a:p>
+        </p:txBody>
+      </p:sp>
+    </p:spTree>
+    <p:extLst>
+      <p:ext uri="{BB962C8B-B14F-4D97-AF65-F5344CB8AC3E}">
+        <p14:creationId xmlns:p14="http://schemas.microsoft.com/office/powerpoint/2010/main" val="2614601688"/>
+      </p:ext>
+    </p:extLst>
+  </p:cSld>
+  <p:clrMapOvr>
+    <a:masterClrMapping/>
+  </p:clrMapOvr>
+</p:sld>
+</file>
+
+<file path=ppt/slides/slide79.xml><?xml version="1.0" encoding="utf-8"?>
+<p:sld xmlns:a="http://schemas.openxmlformats.org/drawingml/2006/main" xmlns:r="http://schemas.openxmlformats.org/officeDocument/2006/relationships" xmlns:p="http://schemas.openxmlformats.org/presentationml/2006/main">
+  <p:cSld>
+    <p:spTree>
+      <p:nvGrpSpPr>
+        <p:cNvPr id="1" name=""/>
+        <p:cNvGrpSpPr/>
+        <p:nvPr/>
+      </p:nvGrpSpPr>
+      <p:grpSpPr>
+        <a:xfrm>
+          <a:off x="0" y="0"/>
+          <a:ext cx="0" cy="0"/>
+          <a:chOff x="0" y="0"/>
+          <a:chExt cx="0" cy="0"/>
+        </a:xfrm>
+      </p:grpSpPr>
+      <p:sp>
+        <p:nvSpPr>
+          <p:cNvPr id="2" name="Title 1">
+            <a:extLst>
+              <a:ext uri="{FF2B5EF4-FFF2-40B4-BE49-F238E27FC236}">
+                <a16:creationId xmlns:a16="http://schemas.microsoft.com/office/drawing/2014/main" id="{3AC5FDE2-755E-479B-9DF4-B248F44EE4FC}"/>
+              </a:ext>
+            </a:extLst>
+          </p:cNvPr>
+          <p:cNvSpPr>
+            <a:spLocks noGrp="1"/>
+          </p:cNvSpPr>
+          <p:nvPr>
+            <p:ph type="title"/>
+          </p:nvPr>
+        </p:nvSpPr>
+        <p:spPr/>
+        <p:txBody>
+          <a:bodyPr>
+            <a:normAutofit fontScale="90000"/>
+          </a:bodyPr>
+          <a:lstStyle/>
+          <a:p>
+            <a:r>
+              <a:rPr lang="en-ID" dirty="0"/>
+              <a:t>Recursive Algorithm’s Characteristics</a:t>
+            </a:r>
+          </a:p>
+        </p:txBody>
+      </p:sp>
+      <p:sp>
+        <p:nvSpPr>
+          <p:cNvPr id="3" name="Content Placeholder 2">
+            <a:extLst>
+              <a:ext uri="{FF2B5EF4-FFF2-40B4-BE49-F238E27FC236}">
+                <a16:creationId xmlns:a16="http://schemas.microsoft.com/office/drawing/2014/main" id="{0BFC6DC8-8C49-4A4C-83B6-AE43B781E035}"/>
+              </a:ext>
+            </a:extLst>
+          </p:cNvPr>
+          <p:cNvSpPr>
+            <a:spLocks noGrp="1"/>
+          </p:cNvSpPr>
+          <p:nvPr>
+            <p:ph idx="1"/>
+          </p:nvPr>
+        </p:nvSpPr>
+        <p:spPr/>
+        <p:txBody>
+          <a:bodyPr>
+            <a:normAutofit lnSpcReduction="10000"/>
+          </a:bodyPr>
+          <a:lstStyle/>
+          <a:p>
+            <a:r>
+              <a:rPr lang="en-US" dirty="0"/>
+              <a:t>If a set or a function is defined recursively, then a recursive algorithm to compute its members or values mirrors the definition.</a:t>
+            </a:r>
+          </a:p>
+          <a:p>
+            <a:r>
+              <a:rPr lang="en-US" dirty="0"/>
+              <a:t>Initial steps of the recursive algorithm correspond to the basis clause of the recursive definition and they identify the basis elements.</a:t>
+            </a:r>
+          </a:p>
+          <a:p>
+            <a:r>
+              <a:rPr lang="en-US" dirty="0"/>
+              <a:t>They are then followed by steps corresponding to the inductive clause.</a:t>
+            </a:r>
+            <a:endParaRPr lang="en-ID" dirty="0"/>
+          </a:p>
+        </p:txBody>
+      </p:sp>
+    </p:spTree>
+    <p:extLst>
+      <p:ext uri="{BB962C8B-B14F-4D97-AF65-F5344CB8AC3E}">
+        <p14:creationId xmlns:p14="http://schemas.microsoft.com/office/powerpoint/2010/main" val="1579869001"/>
+      </p:ext>
+    </p:extLst>
+  </p:cSld>
+  <p:clrMapOvr>
+    <a:masterClrMapping/>
+  </p:clrMapOvr>
+</p:sld>
+</file>
+
 <file path=ppt/slides/slide8.xml><?xml version="1.0" encoding="utf-8"?>
 <p:sld xmlns:a="http://schemas.openxmlformats.org/drawingml/2006/main" xmlns:r="http://schemas.openxmlformats.org/officeDocument/2006/relationships" xmlns:p="http://schemas.openxmlformats.org/presentationml/2006/main">
   <p:cSld>
@@ -19987,6 +21456,2055 @@
     <p:extLst>
       <p:ext uri="{BB962C8B-B14F-4D97-AF65-F5344CB8AC3E}">
         <p14:creationId xmlns:p14="http://schemas.microsoft.com/office/powerpoint/2010/main" val="1370083943"/>
+      </p:ext>
+    </p:extLst>
+  </p:cSld>
+  <p:clrMapOvr>
+    <a:masterClrMapping/>
+  </p:clrMapOvr>
+</p:sld>
+</file>
+
+<file path=ppt/slides/slide80.xml><?xml version="1.0" encoding="utf-8"?>
+<p:sld xmlns:a="http://schemas.openxmlformats.org/drawingml/2006/main" xmlns:r="http://schemas.openxmlformats.org/officeDocument/2006/relationships" xmlns:p="http://schemas.openxmlformats.org/presentationml/2006/main">
+  <p:cSld>
+    <p:spTree>
+      <p:nvGrpSpPr>
+        <p:cNvPr id="1" name=""/>
+        <p:cNvGrpSpPr/>
+        <p:nvPr/>
+      </p:nvGrpSpPr>
+      <p:grpSpPr>
+        <a:xfrm>
+          <a:off x="0" y="0"/>
+          <a:ext cx="0" cy="0"/>
+          <a:chOff x="0" y="0"/>
+          <a:chExt cx="0" cy="0"/>
+        </a:xfrm>
+      </p:grpSpPr>
+      <p:sp>
+        <p:nvSpPr>
+          <p:cNvPr id="2" name="Title 1">
+            <a:extLst>
+              <a:ext uri="{FF2B5EF4-FFF2-40B4-BE49-F238E27FC236}">
+                <a16:creationId xmlns:a16="http://schemas.microsoft.com/office/drawing/2014/main" id="{9787DBEF-5F77-4E43-AB21-7EF8938F585C}"/>
+              </a:ext>
+            </a:extLst>
+          </p:cNvPr>
+          <p:cNvSpPr>
+            <a:spLocks noGrp="1"/>
+          </p:cNvSpPr>
+          <p:nvPr>
+            <p:ph type="title"/>
+          </p:nvPr>
+        </p:nvSpPr>
+        <p:spPr/>
+        <p:txBody>
+          <a:bodyPr>
+            <a:normAutofit fontScale="90000"/>
+          </a:bodyPr>
+          <a:lstStyle/>
+          <a:p>
+            <a:r>
+              <a:rPr lang="en-ID" dirty="0"/>
+              <a:t>Recursive Algorithm’s Characteristics</a:t>
+            </a:r>
+          </a:p>
+        </p:txBody>
+      </p:sp>
+      <p:sp>
+        <p:nvSpPr>
+          <p:cNvPr id="3" name="Content Placeholder 2">
+            <a:extLst>
+              <a:ext uri="{FF2B5EF4-FFF2-40B4-BE49-F238E27FC236}">
+                <a16:creationId xmlns:a16="http://schemas.microsoft.com/office/drawing/2014/main" id="{256A01FB-8B7D-4DF7-B3A1-FFF02753B29E}"/>
+              </a:ext>
+            </a:extLst>
+          </p:cNvPr>
+          <p:cNvSpPr>
+            <a:spLocks noGrp="1"/>
+          </p:cNvSpPr>
+          <p:nvPr>
+            <p:ph idx="1"/>
+          </p:nvPr>
+        </p:nvSpPr>
+        <p:spPr/>
+        <p:txBody>
+          <a:bodyPr/>
+          <a:lstStyle/>
+          <a:p>
+            <a:r>
+              <a:rPr lang="en-ID" b="1" dirty="0"/>
+              <a:t>Advantage</a:t>
+            </a:r>
+            <a:r>
+              <a:rPr lang="en-ID" dirty="0"/>
+              <a:t>: </a:t>
+            </a:r>
+            <a:r>
+              <a:rPr lang="en-US" dirty="0"/>
+              <a:t>they are simpler and for many cases a natural way of thinking about the problem</a:t>
+            </a:r>
+          </a:p>
+          <a:p>
+            <a:r>
+              <a:rPr lang="en-US" b="1" dirty="0"/>
+              <a:t>Disadvantage</a:t>
+            </a:r>
+            <a:r>
+              <a:rPr lang="en-US" dirty="0"/>
+              <a:t>: require more memory and computation compared with iterative algorithms</a:t>
+            </a:r>
+            <a:endParaRPr lang="en-ID" dirty="0"/>
+          </a:p>
+        </p:txBody>
+      </p:sp>
+    </p:spTree>
+    <p:extLst>
+      <p:ext uri="{BB962C8B-B14F-4D97-AF65-F5344CB8AC3E}">
+        <p14:creationId xmlns:p14="http://schemas.microsoft.com/office/powerpoint/2010/main" val="1004726047"/>
+      </p:ext>
+    </p:extLst>
+  </p:cSld>
+  <p:clrMapOvr>
+    <a:masterClrMapping/>
+  </p:clrMapOvr>
+</p:sld>
+</file>
+
+<file path=ppt/slides/slide81.xml><?xml version="1.0" encoding="utf-8"?>
+<p:sld xmlns:a="http://schemas.openxmlformats.org/drawingml/2006/main" xmlns:r="http://schemas.openxmlformats.org/officeDocument/2006/relationships" xmlns:p="http://schemas.openxmlformats.org/presentationml/2006/main">
+  <p:cSld>
+    <p:spTree>
+      <p:nvGrpSpPr>
+        <p:cNvPr id="1" name=""/>
+        <p:cNvGrpSpPr/>
+        <p:nvPr/>
+      </p:nvGrpSpPr>
+      <p:grpSpPr>
+        <a:xfrm>
+          <a:off x="0" y="0"/>
+          <a:ext cx="0" cy="0"/>
+          <a:chOff x="0" y="0"/>
+          <a:chExt cx="0" cy="0"/>
+        </a:xfrm>
+      </p:grpSpPr>
+      <p:sp>
+        <p:nvSpPr>
+          <p:cNvPr id="2" name="Title 1">
+            <a:extLst>
+              <a:ext uri="{FF2B5EF4-FFF2-40B4-BE49-F238E27FC236}">
+                <a16:creationId xmlns:a16="http://schemas.microsoft.com/office/drawing/2014/main" id="{14BC0DE1-9523-4091-91D9-BA172544E0C0}"/>
+              </a:ext>
+            </a:extLst>
+          </p:cNvPr>
+          <p:cNvSpPr>
+            <a:spLocks noGrp="1"/>
+          </p:cNvSpPr>
+          <p:nvPr>
+            <p:ph type="title"/>
+          </p:nvPr>
+        </p:nvSpPr>
+        <p:spPr/>
+        <p:txBody>
+          <a:bodyPr/>
+          <a:lstStyle/>
+          <a:p>
+            <a:r>
+              <a:rPr lang="en-ID" dirty="0"/>
+              <a:t>Examples</a:t>
+            </a:r>
+          </a:p>
+        </p:txBody>
+      </p:sp>
+      <p:sp>
+        <p:nvSpPr>
+          <p:cNvPr id="3" name="Content Placeholder 2">
+            <a:extLst>
+              <a:ext uri="{FF2B5EF4-FFF2-40B4-BE49-F238E27FC236}">
+                <a16:creationId xmlns:a16="http://schemas.microsoft.com/office/drawing/2014/main" id="{2C787ED8-5B95-4F78-B5D4-F636D6723FB9}"/>
+              </a:ext>
+            </a:extLst>
+          </p:cNvPr>
+          <p:cNvSpPr>
+            <a:spLocks noGrp="1"/>
+          </p:cNvSpPr>
+          <p:nvPr>
+            <p:ph idx="1"/>
+          </p:nvPr>
+        </p:nvSpPr>
+        <p:spPr/>
+        <p:txBody>
+          <a:bodyPr>
+            <a:noAutofit/>
+          </a:bodyPr>
+          <a:lstStyle/>
+          <a:p>
+            <a:r>
+              <a:rPr lang="en-US" sz="2300" b="1" dirty="0"/>
+              <a:t>Example 1:</a:t>
+            </a:r>
+            <a:r>
+              <a:rPr lang="en-US" sz="2300" dirty="0"/>
+              <a:t> Algorithm for finding the k-</a:t>
+            </a:r>
+            <a:r>
+              <a:rPr lang="en-US" sz="2300" dirty="0" err="1"/>
+              <a:t>th</a:t>
+            </a:r>
+            <a:r>
+              <a:rPr lang="en-US" sz="2300" dirty="0"/>
+              <a:t> even natural number </a:t>
+            </a:r>
+            <a:br>
+              <a:rPr lang="en-US" sz="2300" dirty="0"/>
+            </a:br>
+            <a:br>
+              <a:rPr lang="en-US" sz="2300" dirty="0"/>
+            </a:br>
+            <a:r>
+              <a:rPr lang="en-US" sz="2300" dirty="0"/>
+              <a:t>Note here that this can be solved very easily by simply outputting 2*(</a:t>
+            </a:r>
+            <a:r>
+              <a:rPr lang="en-US" sz="2300" i="1" dirty="0"/>
+              <a:t>k</a:t>
+            </a:r>
+            <a:r>
+              <a:rPr lang="en-US" sz="2300" dirty="0"/>
+              <a:t> - 1) for a given k . </a:t>
+            </a:r>
+            <a:br>
+              <a:rPr lang="en-US" sz="2300" dirty="0"/>
+            </a:br>
+            <a:br>
+              <a:rPr lang="en-US" sz="2300" dirty="0"/>
+            </a:br>
+            <a:r>
+              <a:rPr lang="en-US" sz="2300" b="1" dirty="0"/>
+              <a:t>Algorithm 1</a:t>
+            </a:r>
+            <a:r>
+              <a:rPr lang="en-US" sz="2300" dirty="0"/>
+              <a:t>:   </a:t>
+            </a:r>
+            <a:r>
+              <a:rPr lang="en-US" sz="2000" dirty="0">
+                <a:latin typeface="Courier New" panose="02070309020205020404" pitchFamily="49" charset="0"/>
+                <a:cs typeface="Courier New" panose="02070309020205020404" pitchFamily="49" charset="0"/>
+              </a:rPr>
+              <a:t>Even</a:t>
+            </a:r>
+            <a:r>
+              <a:rPr lang="en-US" sz="2300" dirty="0"/>
+              <a:t>(positive integer </a:t>
+            </a:r>
+            <a:r>
+              <a:rPr lang="en-US" sz="2300" i="1" dirty="0"/>
+              <a:t>k</a:t>
+            </a:r>
+            <a:r>
+              <a:rPr lang="en-US" sz="2300" dirty="0"/>
+              <a:t>) </a:t>
+            </a:r>
+            <a:br>
+              <a:rPr lang="en-US" sz="2300" dirty="0"/>
+            </a:br>
+            <a:r>
+              <a:rPr lang="en-US" sz="2300" dirty="0"/>
+              <a:t>Input: </a:t>
+            </a:r>
+            <a:r>
+              <a:rPr lang="en-US" sz="2300" i="1" dirty="0"/>
+              <a:t>k</a:t>
+            </a:r>
+            <a:r>
+              <a:rPr lang="en-US" sz="2300" dirty="0"/>
+              <a:t> , a positive integer </a:t>
+            </a:r>
+            <a:br>
+              <a:rPr lang="en-US" sz="2300" dirty="0"/>
+            </a:br>
+            <a:r>
+              <a:rPr lang="en-US" sz="2300" dirty="0"/>
+              <a:t>Output: </a:t>
+            </a:r>
+            <a:r>
+              <a:rPr lang="en-US" sz="2300" i="1" dirty="0"/>
+              <a:t>k</a:t>
+            </a:r>
+            <a:r>
+              <a:rPr lang="en-US" sz="2300" dirty="0"/>
+              <a:t>-</a:t>
+            </a:r>
+            <a:r>
+              <a:rPr lang="en-US" sz="2300" dirty="0" err="1"/>
+              <a:t>th</a:t>
+            </a:r>
+            <a:r>
+              <a:rPr lang="en-US" sz="2300" dirty="0"/>
+              <a:t> even natural number (the first even being 0) </a:t>
+            </a:r>
+            <a:br>
+              <a:rPr lang="en-US" sz="2300" dirty="0"/>
+            </a:br>
+            <a:br>
+              <a:rPr lang="en-US" sz="2300" dirty="0"/>
+            </a:br>
+            <a:r>
+              <a:rPr lang="en-US" sz="2300" dirty="0"/>
+              <a:t>Algorithm: </a:t>
+            </a:r>
+            <a:br>
+              <a:rPr lang="en-US" sz="2300" dirty="0"/>
+            </a:br>
+            <a:r>
+              <a:rPr lang="en-US" sz="2000" dirty="0">
+                <a:latin typeface="Courier New" panose="02070309020205020404" pitchFamily="49" charset="0"/>
+                <a:cs typeface="Courier New" panose="02070309020205020404" pitchFamily="49" charset="0"/>
+              </a:rPr>
+              <a:t>if k = 1, then return 0; </a:t>
+            </a:r>
+            <a:br>
+              <a:rPr lang="en-US" sz="2000" dirty="0">
+                <a:latin typeface="Courier New" panose="02070309020205020404" pitchFamily="49" charset="0"/>
+                <a:cs typeface="Courier New" panose="02070309020205020404" pitchFamily="49" charset="0"/>
+              </a:rPr>
+            </a:br>
+            <a:r>
+              <a:rPr lang="en-US" sz="2000" dirty="0">
+                <a:latin typeface="Courier New" panose="02070309020205020404" pitchFamily="49" charset="0"/>
+                <a:cs typeface="Courier New" panose="02070309020205020404" pitchFamily="49" charset="0"/>
+              </a:rPr>
+              <a:t>else return </a:t>
+            </a:r>
+            <a:r>
+              <a:rPr lang="en-US" sz="2000" b="1" dirty="0">
+                <a:latin typeface="Courier New" panose="02070309020205020404" pitchFamily="49" charset="0"/>
+                <a:cs typeface="Courier New" panose="02070309020205020404" pitchFamily="49" charset="0"/>
+              </a:rPr>
+              <a:t>Even(k-1) </a:t>
+            </a:r>
+            <a:r>
+              <a:rPr lang="en-US" sz="2000" dirty="0">
+                <a:latin typeface="Courier New" panose="02070309020205020404" pitchFamily="49" charset="0"/>
+                <a:cs typeface="Courier New" panose="02070309020205020404" pitchFamily="49" charset="0"/>
+              </a:rPr>
+              <a:t>+ 2 . </a:t>
+            </a:r>
+            <a:endParaRPr lang="en-ID" sz="2300" dirty="0">
+              <a:latin typeface="Courier New" panose="02070309020205020404" pitchFamily="49" charset="0"/>
+              <a:cs typeface="Courier New" panose="02070309020205020404" pitchFamily="49" charset="0"/>
+            </a:endParaRPr>
+          </a:p>
+        </p:txBody>
+      </p:sp>
+    </p:spTree>
+    <p:extLst>
+      <p:ext uri="{BB962C8B-B14F-4D97-AF65-F5344CB8AC3E}">
+        <p14:creationId xmlns:p14="http://schemas.microsoft.com/office/powerpoint/2010/main" val="2260995949"/>
+      </p:ext>
+    </p:extLst>
+  </p:cSld>
+  <p:clrMapOvr>
+    <a:masterClrMapping/>
+  </p:clrMapOvr>
+</p:sld>
+</file>
+
+<file path=ppt/slides/slide82.xml><?xml version="1.0" encoding="utf-8"?>
+<p:sld xmlns:a="http://schemas.openxmlformats.org/drawingml/2006/main" xmlns:r="http://schemas.openxmlformats.org/officeDocument/2006/relationships" xmlns:p="http://schemas.openxmlformats.org/presentationml/2006/main">
+  <p:cSld>
+    <p:spTree>
+      <p:nvGrpSpPr>
+        <p:cNvPr id="1" name=""/>
+        <p:cNvGrpSpPr/>
+        <p:nvPr/>
+      </p:nvGrpSpPr>
+      <p:grpSpPr>
+        <a:xfrm>
+          <a:off x="0" y="0"/>
+          <a:ext cx="0" cy="0"/>
+          <a:chOff x="0" y="0"/>
+          <a:chExt cx="0" cy="0"/>
+        </a:xfrm>
+      </p:grpSpPr>
+      <p:sp>
+        <p:nvSpPr>
+          <p:cNvPr id="2" name="Title 1">
+            <a:extLst>
+              <a:ext uri="{FF2B5EF4-FFF2-40B4-BE49-F238E27FC236}">
+                <a16:creationId xmlns:a16="http://schemas.microsoft.com/office/drawing/2014/main" id="{64EC9167-2E76-46C6-94AC-432AAEFE7BA7}"/>
+              </a:ext>
+            </a:extLst>
+          </p:cNvPr>
+          <p:cNvSpPr>
+            <a:spLocks noGrp="1"/>
+          </p:cNvSpPr>
+          <p:nvPr>
+            <p:ph type="title"/>
+          </p:nvPr>
+        </p:nvSpPr>
+        <p:spPr/>
+        <p:txBody>
+          <a:bodyPr/>
+          <a:lstStyle/>
+          <a:p>
+            <a:r>
+              <a:rPr lang="en-ID" dirty="0"/>
+              <a:t>Examples</a:t>
+            </a:r>
+          </a:p>
+        </p:txBody>
+      </p:sp>
+      <p:sp>
+        <p:nvSpPr>
+          <p:cNvPr id="3" name="Content Placeholder 2">
+            <a:extLst>
+              <a:ext uri="{FF2B5EF4-FFF2-40B4-BE49-F238E27FC236}">
+                <a16:creationId xmlns:a16="http://schemas.microsoft.com/office/drawing/2014/main" id="{492BE83E-6220-4012-882C-4CD2B7D2BA96}"/>
+              </a:ext>
+            </a:extLst>
+          </p:cNvPr>
+          <p:cNvSpPr>
+            <a:spLocks noGrp="1"/>
+          </p:cNvSpPr>
+          <p:nvPr>
+            <p:ph idx="1"/>
+          </p:nvPr>
+        </p:nvSpPr>
+        <p:spPr/>
+        <p:txBody>
+          <a:bodyPr>
+            <a:normAutofit fontScale="77500" lnSpcReduction="20000"/>
+          </a:bodyPr>
+          <a:lstStyle/>
+          <a:p>
+            <a:r>
+              <a:rPr lang="en-ID" b="1" dirty="0"/>
+              <a:t>Algorithm 1-a </a:t>
+            </a:r>
+            <a:r>
+              <a:rPr lang="en-ID" dirty="0"/>
+              <a:t>:   </a:t>
+            </a:r>
+            <a:r>
+              <a:rPr lang="en-ID" sz="3100" dirty="0">
+                <a:latin typeface="Courier New" panose="02070309020205020404" pitchFamily="49" charset="0"/>
+                <a:cs typeface="Courier New" panose="02070309020205020404" pitchFamily="49" charset="0"/>
+              </a:rPr>
+              <a:t>Even</a:t>
+            </a:r>
+            <a:r>
+              <a:rPr lang="en-ID" dirty="0"/>
+              <a:t> (positive integer </a:t>
+            </a:r>
+            <a:r>
+              <a:rPr lang="en-ID" i="1" dirty="0"/>
+              <a:t>k</a:t>
+            </a:r>
+            <a:r>
+              <a:rPr lang="en-ID" dirty="0"/>
+              <a:t>) </a:t>
+            </a:r>
+            <a:br>
+              <a:rPr lang="en-ID" dirty="0"/>
+            </a:br>
+            <a:r>
+              <a:rPr lang="en-ID" dirty="0"/>
+              <a:t>Input: </a:t>
+            </a:r>
+            <a:r>
+              <a:rPr lang="en-ID" i="1" dirty="0"/>
+              <a:t>k</a:t>
+            </a:r>
+            <a:r>
+              <a:rPr lang="en-ID" dirty="0"/>
+              <a:t>, a positive integer </a:t>
+            </a:r>
+            <a:br>
+              <a:rPr lang="en-ID" dirty="0"/>
+            </a:br>
+            <a:r>
+              <a:rPr lang="en-ID" dirty="0"/>
+              <a:t>Output: </a:t>
+            </a:r>
+            <a:r>
+              <a:rPr lang="en-ID" i="1" dirty="0"/>
+              <a:t>k</a:t>
+            </a:r>
+            <a:r>
+              <a:rPr lang="en-ID" dirty="0"/>
+              <a:t>-</a:t>
+            </a:r>
+            <a:r>
+              <a:rPr lang="en-ID" dirty="0" err="1"/>
+              <a:t>th</a:t>
+            </a:r>
+            <a:r>
+              <a:rPr lang="en-ID" dirty="0"/>
+              <a:t> even natural number (the first even being 0) </a:t>
+            </a:r>
+            <a:br>
+              <a:rPr lang="en-ID" dirty="0"/>
+            </a:br>
+            <a:br>
+              <a:rPr lang="en-ID" dirty="0"/>
+            </a:br>
+            <a:r>
+              <a:rPr lang="en-ID" dirty="0"/>
+              <a:t>Algorithm: </a:t>
+            </a:r>
+            <a:br>
+              <a:rPr lang="en-ID" dirty="0"/>
+            </a:br>
+            <a:br>
+              <a:rPr lang="en-ID" dirty="0"/>
+            </a:br>
+            <a:r>
+              <a:rPr lang="en-ID" sz="3100" dirty="0" err="1">
+                <a:latin typeface="Courier New" panose="02070309020205020404" pitchFamily="49" charset="0"/>
+                <a:cs typeface="Courier New" panose="02070309020205020404" pitchFamily="49" charset="0"/>
+              </a:rPr>
+              <a:t>i</a:t>
+            </a:r>
+            <a:r>
+              <a:rPr lang="en-ID" sz="3100" dirty="0">
+                <a:latin typeface="Courier New" panose="02070309020205020404" pitchFamily="49" charset="0"/>
+                <a:cs typeface="Courier New" panose="02070309020205020404" pitchFamily="49" charset="0"/>
+              </a:rPr>
+              <a:t> = 1</a:t>
+            </a:r>
+            <a:br>
+              <a:rPr lang="en-ID" sz="3100" dirty="0">
+                <a:latin typeface="Courier New" panose="02070309020205020404" pitchFamily="49" charset="0"/>
+                <a:cs typeface="Courier New" panose="02070309020205020404" pitchFamily="49" charset="0"/>
+              </a:rPr>
+            </a:br>
+            <a:r>
+              <a:rPr lang="en-ID" sz="3100" dirty="0">
+                <a:latin typeface="Courier New" panose="02070309020205020404" pitchFamily="49" charset="0"/>
+                <a:cs typeface="Courier New" panose="02070309020205020404" pitchFamily="49" charset="0"/>
+              </a:rPr>
+              <a:t>even = 0</a:t>
+            </a:r>
+            <a:br>
+              <a:rPr lang="en-ID" sz="3100" dirty="0">
+                <a:latin typeface="Courier New" panose="02070309020205020404" pitchFamily="49" charset="0"/>
+                <a:cs typeface="Courier New" panose="02070309020205020404" pitchFamily="49" charset="0"/>
+              </a:rPr>
+            </a:br>
+            <a:r>
+              <a:rPr lang="en-ID" sz="3100" dirty="0">
+                <a:latin typeface="Courier New" panose="02070309020205020404" pitchFamily="49" charset="0"/>
+                <a:cs typeface="Courier New" panose="02070309020205020404" pitchFamily="49" charset="0"/>
+              </a:rPr>
+              <a:t>while(</a:t>
+            </a:r>
+            <a:r>
+              <a:rPr lang="en-ID" sz="3100" dirty="0" err="1">
+                <a:latin typeface="Courier New" panose="02070309020205020404" pitchFamily="49" charset="0"/>
+                <a:cs typeface="Courier New" panose="02070309020205020404" pitchFamily="49" charset="0"/>
+              </a:rPr>
+              <a:t>i</a:t>
+            </a:r>
+            <a:r>
+              <a:rPr lang="en-ID" sz="3100" dirty="0">
+                <a:latin typeface="Courier New" panose="02070309020205020404" pitchFamily="49" charset="0"/>
+                <a:cs typeface="Courier New" panose="02070309020205020404" pitchFamily="49" charset="0"/>
+              </a:rPr>
+              <a:t> &lt; k) { </a:t>
+            </a:r>
+            <a:br>
+              <a:rPr lang="en-ID" sz="3100" dirty="0">
+                <a:latin typeface="Courier New" panose="02070309020205020404" pitchFamily="49" charset="0"/>
+                <a:cs typeface="Courier New" panose="02070309020205020404" pitchFamily="49" charset="0"/>
+              </a:rPr>
+            </a:br>
+            <a:r>
+              <a:rPr lang="en-ID" sz="3100" dirty="0">
+                <a:latin typeface="Courier New" panose="02070309020205020404" pitchFamily="49" charset="0"/>
+                <a:cs typeface="Courier New" panose="02070309020205020404" pitchFamily="49" charset="0"/>
+              </a:rPr>
+              <a:t>   even = even + 2 </a:t>
+            </a:r>
+            <a:br>
+              <a:rPr lang="en-ID" sz="3100" dirty="0">
+                <a:latin typeface="Courier New" panose="02070309020205020404" pitchFamily="49" charset="0"/>
+                <a:cs typeface="Courier New" panose="02070309020205020404" pitchFamily="49" charset="0"/>
+              </a:rPr>
+            </a:br>
+            <a:r>
+              <a:rPr lang="en-ID" sz="3100" dirty="0">
+                <a:latin typeface="Courier New" panose="02070309020205020404" pitchFamily="49" charset="0"/>
+                <a:cs typeface="Courier New" panose="02070309020205020404" pitchFamily="49" charset="0"/>
+              </a:rPr>
+              <a:t>   </a:t>
+            </a:r>
+            <a:r>
+              <a:rPr lang="en-ID" sz="3100" dirty="0" err="1">
+                <a:latin typeface="Courier New" panose="02070309020205020404" pitchFamily="49" charset="0"/>
+                <a:cs typeface="Courier New" panose="02070309020205020404" pitchFamily="49" charset="0"/>
+              </a:rPr>
+              <a:t>i</a:t>
+            </a:r>
+            <a:r>
+              <a:rPr lang="en-ID" sz="3100" dirty="0">
+                <a:latin typeface="Courier New" panose="02070309020205020404" pitchFamily="49" charset="0"/>
+                <a:cs typeface="Courier New" panose="02070309020205020404" pitchFamily="49" charset="0"/>
+              </a:rPr>
+              <a:t> = </a:t>
+            </a:r>
+            <a:r>
+              <a:rPr lang="en-ID" sz="3100" dirty="0" err="1">
+                <a:latin typeface="Courier New" panose="02070309020205020404" pitchFamily="49" charset="0"/>
+                <a:cs typeface="Courier New" panose="02070309020205020404" pitchFamily="49" charset="0"/>
+              </a:rPr>
+              <a:t>i</a:t>
+            </a:r>
+            <a:r>
+              <a:rPr lang="en-ID" sz="3100" dirty="0">
+                <a:latin typeface="Courier New" panose="02070309020205020404" pitchFamily="49" charset="0"/>
+                <a:cs typeface="Courier New" panose="02070309020205020404" pitchFamily="49" charset="0"/>
+              </a:rPr>
+              <a:t> + 1</a:t>
+            </a:r>
+            <a:br>
+              <a:rPr lang="en-ID" sz="3100" dirty="0">
+                <a:latin typeface="Courier New" panose="02070309020205020404" pitchFamily="49" charset="0"/>
+                <a:cs typeface="Courier New" panose="02070309020205020404" pitchFamily="49" charset="0"/>
+              </a:rPr>
+            </a:br>
+            <a:r>
+              <a:rPr lang="en-ID" sz="3100" dirty="0">
+                <a:latin typeface="Courier New" panose="02070309020205020404" pitchFamily="49" charset="0"/>
+                <a:cs typeface="Courier New" panose="02070309020205020404" pitchFamily="49" charset="0"/>
+              </a:rPr>
+              <a:t>} </a:t>
+            </a:r>
+            <a:br>
+              <a:rPr lang="en-ID" sz="3100" dirty="0">
+                <a:latin typeface="Courier New" panose="02070309020205020404" pitchFamily="49" charset="0"/>
+                <a:cs typeface="Courier New" panose="02070309020205020404" pitchFamily="49" charset="0"/>
+              </a:rPr>
+            </a:br>
+            <a:r>
+              <a:rPr lang="en-ID" sz="3100" dirty="0">
+                <a:latin typeface="Courier New" panose="02070309020205020404" pitchFamily="49" charset="0"/>
+                <a:cs typeface="Courier New" panose="02070309020205020404" pitchFamily="49" charset="0"/>
+              </a:rPr>
+              <a:t>return even</a:t>
+            </a:r>
+            <a:r>
+              <a:rPr lang="en-ID" dirty="0"/>
+              <a:t> </a:t>
+            </a:r>
+          </a:p>
+        </p:txBody>
+      </p:sp>
+    </p:spTree>
+    <p:extLst>
+      <p:ext uri="{BB962C8B-B14F-4D97-AF65-F5344CB8AC3E}">
+        <p14:creationId xmlns:p14="http://schemas.microsoft.com/office/powerpoint/2010/main" val="2421061990"/>
+      </p:ext>
+    </p:extLst>
+  </p:cSld>
+  <p:clrMapOvr>
+    <a:masterClrMapping/>
+  </p:clrMapOvr>
+</p:sld>
+</file>
+
+<file path=ppt/slides/slide83.xml><?xml version="1.0" encoding="utf-8"?>
+<p:sld xmlns:a="http://schemas.openxmlformats.org/drawingml/2006/main" xmlns:r="http://schemas.openxmlformats.org/officeDocument/2006/relationships" xmlns:p="http://schemas.openxmlformats.org/presentationml/2006/main">
+  <p:cSld>
+    <p:spTree>
+      <p:nvGrpSpPr>
+        <p:cNvPr id="1" name=""/>
+        <p:cNvGrpSpPr/>
+        <p:nvPr/>
+      </p:nvGrpSpPr>
+      <p:grpSpPr>
+        <a:xfrm>
+          <a:off x="0" y="0"/>
+          <a:ext cx="0" cy="0"/>
+          <a:chOff x="0" y="0"/>
+          <a:chExt cx="0" cy="0"/>
+        </a:xfrm>
+      </p:grpSpPr>
+      <p:sp>
+        <p:nvSpPr>
+          <p:cNvPr id="2" name="Title 1">
+            <a:extLst>
+              <a:ext uri="{FF2B5EF4-FFF2-40B4-BE49-F238E27FC236}">
+                <a16:creationId xmlns:a16="http://schemas.microsoft.com/office/drawing/2014/main" id="{B56E9AE0-1EA3-468B-89C8-D4011D5D540A}"/>
+              </a:ext>
+            </a:extLst>
+          </p:cNvPr>
+          <p:cNvSpPr>
+            <a:spLocks noGrp="1"/>
+          </p:cNvSpPr>
+          <p:nvPr>
+            <p:ph type="title"/>
+          </p:nvPr>
+        </p:nvSpPr>
+        <p:spPr/>
+        <p:txBody>
+          <a:bodyPr/>
+          <a:lstStyle/>
+          <a:p>
+            <a:r>
+              <a:rPr lang="en-ID" dirty="0"/>
+              <a:t>Examples</a:t>
+            </a:r>
+          </a:p>
+        </p:txBody>
+      </p:sp>
+      <p:sp>
+        <p:nvSpPr>
+          <p:cNvPr id="3" name="Content Placeholder 2">
+            <a:extLst>
+              <a:ext uri="{FF2B5EF4-FFF2-40B4-BE49-F238E27FC236}">
+                <a16:creationId xmlns:a16="http://schemas.microsoft.com/office/drawing/2014/main" id="{152A3970-40BD-4C8B-A805-D2296D6FD632}"/>
+              </a:ext>
+            </a:extLst>
+          </p:cNvPr>
+          <p:cNvSpPr>
+            <a:spLocks noGrp="1"/>
+          </p:cNvSpPr>
+          <p:nvPr>
+            <p:ph idx="1"/>
+          </p:nvPr>
+        </p:nvSpPr>
+        <p:spPr/>
+        <p:txBody>
+          <a:bodyPr>
+            <a:normAutofit fontScale="92500" lnSpcReduction="10000"/>
+          </a:bodyPr>
+          <a:lstStyle/>
+          <a:p>
+            <a:r>
+              <a:rPr lang="en-US" b="1" dirty="0"/>
+              <a:t>Example 2</a:t>
+            </a:r>
+            <a:r>
+              <a:rPr lang="en-US" dirty="0"/>
+              <a:t>: Algorithm for computing the </a:t>
+            </a:r>
+            <a:r>
+              <a:rPr lang="en-US" i="1" dirty="0"/>
+              <a:t>k</a:t>
+            </a:r>
+            <a:r>
+              <a:rPr lang="en-US" dirty="0"/>
+              <a:t>-</a:t>
+            </a:r>
+            <a:r>
+              <a:rPr lang="en-US" dirty="0" err="1"/>
+              <a:t>th</a:t>
+            </a:r>
+            <a:r>
+              <a:rPr lang="en-US" dirty="0"/>
+              <a:t> power of 2 </a:t>
+            </a:r>
+            <a:br>
+              <a:rPr lang="en-US" dirty="0"/>
+            </a:br>
+            <a:br>
+              <a:rPr lang="en-US" dirty="0"/>
+            </a:br>
+            <a:r>
+              <a:rPr lang="en-US" dirty="0"/>
+              <a:t>Algorithm 2:   </a:t>
+            </a:r>
+            <a:r>
+              <a:rPr lang="en-US" sz="2800" dirty="0">
+                <a:latin typeface="Courier New" panose="02070309020205020404" pitchFamily="49" charset="0"/>
+                <a:cs typeface="Courier New" panose="02070309020205020404" pitchFamily="49" charset="0"/>
+              </a:rPr>
+              <a:t>Power_of_2</a:t>
+            </a:r>
+            <a:r>
+              <a:rPr lang="en-US" dirty="0"/>
+              <a:t>(natural number </a:t>
+            </a:r>
+            <a:r>
+              <a:rPr lang="en-US" i="1" dirty="0"/>
+              <a:t>k</a:t>
+            </a:r>
+            <a:r>
+              <a:rPr lang="en-US" dirty="0"/>
+              <a:t>) Input: </a:t>
+            </a:r>
+            <a:r>
+              <a:rPr lang="en-US" i="1" dirty="0"/>
+              <a:t>k</a:t>
+            </a:r>
+            <a:r>
+              <a:rPr lang="en-US" dirty="0"/>
+              <a:t> , a natural number </a:t>
+            </a:r>
+            <a:br>
+              <a:rPr lang="en-US" dirty="0"/>
+            </a:br>
+            <a:r>
+              <a:rPr lang="en-US" dirty="0"/>
+              <a:t>Output: </a:t>
+            </a:r>
+            <a:r>
+              <a:rPr lang="en-US" i="1" dirty="0"/>
+              <a:t>k</a:t>
+            </a:r>
+            <a:r>
+              <a:rPr lang="en-US" dirty="0"/>
+              <a:t>-</a:t>
+            </a:r>
+            <a:r>
+              <a:rPr lang="en-US" dirty="0" err="1"/>
+              <a:t>th</a:t>
+            </a:r>
+            <a:r>
+              <a:rPr lang="en-US" dirty="0"/>
+              <a:t> power of 2 </a:t>
+            </a:r>
+            <a:br>
+              <a:rPr lang="en-US" dirty="0"/>
+            </a:br>
+            <a:br>
+              <a:rPr lang="en-US" dirty="0"/>
+            </a:br>
+            <a:r>
+              <a:rPr lang="en-US" dirty="0"/>
+              <a:t>Algorithm: </a:t>
+            </a:r>
+            <a:br>
+              <a:rPr lang="en-US" dirty="0"/>
+            </a:br>
+            <a:r>
+              <a:rPr lang="en-US" sz="3000" dirty="0">
+                <a:latin typeface="Courier New" panose="02070309020205020404" pitchFamily="49" charset="0"/>
+                <a:cs typeface="Courier New" panose="02070309020205020404" pitchFamily="49" charset="0"/>
+              </a:rPr>
+              <a:t>if k = 0, then return 1; </a:t>
+            </a:r>
+            <a:br>
+              <a:rPr lang="en-US" sz="3000" dirty="0">
+                <a:latin typeface="Courier New" panose="02070309020205020404" pitchFamily="49" charset="0"/>
+                <a:cs typeface="Courier New" panose="02070309020205020404" pitchFamily="49" charset="0"/>
+              </a:rPr>
+            </a:br>
+            <a:r>
+              <a:rPr lang="en-US" sz="3000" dirty="0">
+                <a:latin typeface="Courier New" panose="02070309020205020404" pitchFamily="49" charset="0"/>
+                <a:cs typeface="Courier New" panose="02070309020205020404" pitchFamily="49" charset="0"/>
+              </a:rPr>
+              <a:t>else return 2*Power_of_2(k - 1) </a:t>
+            </a:r>
+            <a:r>
+              <a:rPr lang="en-US" dirty="0"/>
+              <a:t>. </a:t>
+            </a:r>
+          </a:p>
+          <a:p>
+            <a:endParaRPr lang="en-ID" dirty="0"/>
+          </a:p>
+        </p:txBody>
+      </p:sp>
+    </p:spTree>
+    <p:extLst>
+      <p:ext uri="{BB962C8B-B14F-4D97-AF65-F5344CB8AC3E}">
+        <p14:creationId xmlns:p14="http://schemas.microsoft.com/office/powerpoint/2010/main" val="181903834"/>
+      </p:ext>
+    </p:extLst>
+  </p:cSld>
+  <p:clrMapOvr>
+    <a:masterClrMapping/>
+  </p:clrMapOvr>
+</p:sld>
+</file>
+
+<file path=ppt/slides/slide84.xml><?xml version="1.0" encoding="utf-8"?>
+<p:sld xmlns:a="http://schemas.openxmlformats.org/drawingml/2006/main" xmlns:r="http://schemas.openxmlformats.org/officeDocument/2006/relationships" xmlns:p="http://schemas.openxmlformats.org/presentationml/2006/main">
+  <p:cSld>
+    <p:spTree>
+      <p:nvGrpSpPr>
+        <p:cNvPr id="1" name=""/>
+        <p:cNvGrpSpPr/>
+        <p:nvPr/>
+      </p:nvGrpSpPr>
+      <p:grpSpPr>
+        <a:xfrm>
+          <a:off x="0" y="0"/>
+          <a:ext cx="0" cy="0"/>
+          <a:chOff x="0" y="0"/>
+          <a:chExt cx="0" cy="0"/>
+        </a:xfrm>
+      </p:grpSpPr>
+      <p:sp>
+        <p:nvSpPr>
+          <p:cNvPr id="2" name="Title 1">
+            <a:extLst>
+              <a:ext uri="{FF2B5EF4-FFF2-40B4-BE49-F238E27FC236}">
+                <a16:creationId xmlns:a16="http://schemas.microsoft.com/office/drawing/2014/main" id="{89F8F0C7-E866-4A8A-A013-EDC6EF0C7BC0}"/>
+              </a:ext>
+            </a:extLst>
+          </p:cNvPr>
+          <p:cNvSpPr>
+            <a:spLocks noGrp="1"/>
+          </p:cNvSpPr>
+          <p:nvPr>
+            <p:ph type="title"/>
+          </p:nvPr>
+        </p:nvSpPr>
+        <p:spPr/>
+        <p:txBody>
+          <a:bodyPr/>
+          <a:lstStyle/>
+          <a:p>
+            <a:r>
+              <a:rPr lang="en-ID" dirty="0"/>
+              <a:t>Examples</a:t>
+            </a:r>
+          </a:p>
+        </p:txBody>
+      </p:sp>
+      <p:sp>
+        <p:nvSpPr>
+          <p:cNvPr id="3" name="Content Placeholder 2">
+            <a:extLst>
+              <a:ext uri="{FF2B5EF4-FFF2-40B4-BE49-F238E27FC236}">
+                <a16:creationId xmlns:a16="http://schemas.microsoft.com/office/drawing/2014/main" id="{BB7B833B-3D42-4B30-B842-75F906FEAA81}"/>
+              </a:ext>
+            </a:extLst>
+          </p:cNvPr>
+          <p:cNvSpPr>
+            <a:spLocks noGrp="1"/>
+          </p:cNvSpPr>
+          <p:nvPr>
+            <p:ph idx="1"/>
+          </p:nvPr>
+        </p:nvSpPr>
+        <p:spPr/>
+        <p:txBody>
+          <a:bodyPr>
+            <a:normAutofit fontScale="92500" lnSpcReduction="20000"/>
+          </a:bodyPr>
+          <a:lstStyle/>
+          <a:p>
+            <a:r>
+              <a:rPr lang="en-US" b="1" dirty="0"/>
+              <a:t>Algorithm 2-a</a:t>
+            </a:r>
+            <a:r>
+              <a:rPr lang="en-US" dirty="0"/>
+              <a:t>:   Power_of_2(natural number </a:t>
+            </a:r>
+            <a:r>
+              <a:rPr lang="en-US" i="1" dirty="0"/>
+              <a:t>k</a:t>
+            </a:r>
+            <a:r>
+              <a:rPr lang="en-US" dirty="0"/>
+              <a:t>) </a:t>
+            </a:r>
+            <a:br>
+              <a:rPr lang="en-US" dirty="0"/>
+            </a:br>
+            <a:r>
+              <a:rPr lang="en-US" dirty="0"/>
+              <a:t>Input: </a:t>
+            </a:r>
+            <a:r>
+              <a:rPr lang="en-US" i="1" dirty="0"/>
+              <a:t>k</a:t>
+            </a:r>
+            <a:r>
+              <a:rPr lang="en-US" dirty="0"/>
+              <a:t> , a natural number </a:t>
+            </a:r>
+            <a:br>
+              <a:rPr lang="en-US" dirty="0"/>
+            </a:br>
+            <a:r>
+              <a:rPr lang="en-US" dirty="0"/>
+              <a:t>Output: </a:t>
+            </a:r>
+            <a:r>
+              <a:rPr lang="en-US" i="1" dirty="0"/>
+              <a:t>k</a:t>
+            </a:r>
+            <a:r>
+              <a:rPr lang="en-US" dirty="0"/>
+              <a:t>-</a:t>
+            </a:r>
+            <a:r>
+              <a:rPr lang="en-US" dirty="0" err="1"/>
+              <a:t>th</a:t>
+            </a:r>
+            <a:r>
+              <a:rPr lang="en-US" dirty="0"/>
+              <a:t> power of 2 </a:t>
+            </a:r>
+            <a:br>
+              <a:rPr lang="en-US" dirty="0"/>
+            </a:br>
+            <a:br>
+              <a:rPr lang="en-US" dirty="0"/>
+            </a:br>
+            <a:r>
+              <a:rPr lang="en-US" dirty="0"/>
+              <a:t>Algorithm: </a:t>
+            </a:r>
+            <a:br>
+              <a:rPr lang="en-US" dirty="0"/>
+            </a:br>
+            <a:br>
+              <a:rPr lang="en-US" dirty="0"/>
+            </a:br>
+            <a:r>
+              <a:rPr lang="en-US" sz="3000" dirty="0" err="1">
+                <a:latin typeface="Courier New" panose="02070309020205020404" pitchFamily="49" charset="0"/>
+                <a:cs typeface="Courier New" panose="02070309020205020404" pitchFamily="49" charset="0"/>
+              </a:rPr>
+              <a:t>i</a:t>
+            </a:r>
+            <a:r>
+              <a:rPr lang="en-US" sz="3000" dirty="0">
+                <a:latin typeface="Courier New" panose="02070309020205020404" pitchFamily="49" charset="0"/>
+                <a:cs typeface="Courier New" panose="02070309020205020404" pitchFamily="49" charset="0"/>
+              </a:rPr>
+              <a:t> = 0</a:t>
+            </a:r>
+            <a:br>
+              <a:rPr lang="en-US" sz="3000" dirty="0">
+                <a:latin typeface="Courier New" panose="02070309020205020404" pitchFamily="49" charset="0"/>
+                <a:cs typeface="Courier New" panose="02070309020205020404" pitchFamily="49" charset="0"/>
+              </a:rPr>
+            </a:br>
+            <a:r>
+              <a:rPr lang="en-US" sz="3000" dirty="0">
+                <a:latin typeface="Courier New" panose="02070309020205020404" pitchFamily="49" charset="0"/>
+                <a:cs typeface="Courier New" panose="02070309020205020404" pitchFamily="49" charset="0"/>
+              </a:rPr>
+              <a:t>power = 1</a:t>
+            </a:r>
+            <a:br>
+              <a:rPr lang="en-US" sz="3000" dirty="0">
+                <a:latin typeface="Courier New" panose="02070309020205020404" pitchFamily="49" charset="0"/>
+                <a:cs typeface="Courier New" panose="02070309020205020404" pitchFamily="49" charset="0"/>
+              </a:rPr>
+            </a:br>
+            <a:r>
+              <a:rPr lang="en-US" sz="3000" dirty="0">
+                <a:latin typeface="Courier New" panose="02070309020205020404" pitchFamily="49" charset="0"/>
+                <a:cs typeface="Courier New" panose="02070309020205020404" pitchFamily="49" charset="0"/>
+              </a:rPr>
+              <a:t>while(</a:t>
+            </a:r>
+            <a:r>
+              <a:rPr lang="en-US" sz="3000" dirty="0" err="1">
+                <a:latin typeface="Courier New" panose="02070309020205020404" pitchFamily="49" charset="0"/>
+                <a:cs typeface="Courier New" panose="02070309020205020404" pitchFamily="49" charset="0"/>
+              </a:rPr>
+              <a:t>i</a:t>
+            </a:r>
+            <a:r>
+              <a:rPr lang="en-US" sz="3000" dirty="0">
+                <a:latin typeface="Courier New" panose="02070309020205020404" pitchFamily="49" charset="0"/>
+                <a:cs typeface="Courier New" panose="02070309020205020404" pitchFamily="49" charset="0"/>
+              </a:rPr>
+              <a:t> &lt; k) { </a:t>
+            </a:r>
+            <a:br>
+              <a:rPr lang="en-US" sz="3000" dirty="0">
+                <a:latin typeface="Courier New" panose="02070309020205020404" pitchFamily="49" charset="0"/>
+                <a:cs typeface="Courier New" panose="02070309020205020404" pitchFamily="49" charset="0"/>
+              </a:rPr>
+            </a:br>
+            <a:r>
+              <a:rPr lang="en-US" sz="3000" dirty="0">
+                <a:latin typeface="Courier New" panose="02070309020205020404" pitchFamily="49" charset="0"/>
+                <a:cs typeface="Courier New" panose="02070309020205020404" pitchFamily="49" charset="0"/>
+              </a:rPr>
+              <a:t>          power = power * 2 </a:t>
+            </a:r>
+            <a:br>
+              <a:rPr lang="en-US" sz="3000" dirty="0">
+                <a:latin typeface="Courier New" panose="02070309020205020404" pitchFamily="49" charset="0"/>
+                <a:cs typeface="Courier New" panose="02070309020205020404" pitchFamily="49" charset="0"/>
+              </a:rPr>
+            </a:br>
+            <a:r>
+              <a:rPr lang="en-US" sz="3000" dirty="0">
+                <a:latin typeface="Courier New" panose="02070309020205020404" pitchFamily="49" charset="0"/>
+                <a:cs typeface="Courier New" panose="02070309020205020404" pitchFamily="49" charset="0"/>
+              </a:rPr>
+              <a:t>          </a:t>
+            </a:r>
+            <a:r>
+              <a:rPr lang="en-US" sz="3000" dirty="0" err="1">
+                <a:latin typeface="Courier New" panose="02070309020205020404" pitchFamily="49" charset="0"/>
+                <a:cs typeface="Courier New" panose="02070309020205020404" pitchFamily="49" charset="0"/>
+              </a:rPr>
+              <a:t>i</a:t>
+            </a:r>
+            <a:r>
+              <a:rPr lang="en-US" sz="3000" dirty="0">
+                <a:latin typeface="Courier New" panose="02070309020205020404" pitchFamily="49" charset="0"/>
+                <a:cs typeface="Courier New" panose="02070309020205020404" pitchFamily="49" charset="0"/>
+              </a:rPr>
+              <a:t> = </a:t>
+            </a:r>
+            <a:r>
+              <a:rPr lang="en-US" sz="3000" dirty="0" err="1">
+                <a:latin typeface="Courier New" panose="02070309020205020404" pitchFamily="49" charset="0"/>
+                <a:cs typeface="Courier New" panose="02070309020205020404" pitchFamily="49" charset="0"/>
+              </a:rPr>
+              <a:t>i</a:t>
+            </a:r>
+            <a:r>
+              <a:rPr lang="en-US" sz="3000" dirty="0">
+                <a:latin typeface="Courier New" panose="02070309020205020404" pitchFamily="49" charset="0"/>
+                <a:cs typeface="Courier New" panose="02070309020205020404" pitchFamily="49" charset="0"/>
+              </a:rPr>
+              <a:t> + 1 </a:t>
+            </a:r>
+            <a:br>
+              <a:rPr lang="en-US" sz="3000" dirty="0">
+                <a:latin typeface="Courier New" panose="02070309020205020404" pitchFamily="49" charset="0"/>
+                <a:cs typeface="Courier New" panose="02070309020205020404" pitchFamily="49" charset="0"/>
+              </a:rPr>
+            </a:br>
+            <a:r>
+              <a:rPr lang="en-US" sz="3000" dirty="0">
+                <a:latin typeface="Courier New" panose="02070309020205020404" pitchFamily="49" charset="0"/>
+                <a:cs typeface="Courier New" panose="02070309020205020404" pitchFamily="49" charset="0"/>
+              </a:rPr>
+              <a:t>} return power </a:t>
+            </a:r>
+            <a:endParaRPr lang="en-ID" dirty="0">
+              <a:latin typeface="Courier New" panose="02070309020205020404" pitchFamily="49" charset="0"/>
+              <a:cs typeface="Courier New" panose="02070309020205020404" pitchFamily="49" charset="0"/>
+            </a:endParaRPr>
+          </a:p>
+        </p:txBody>
+      </p:sp>
+    </p:spTree>
+    <p:extLst>
+      <p:ext uri="{BB962C8B-B14F-4D97-AF65-F5344CB8AC3E}">
+        <p14:creationId xmlns:p14="http://schemas.microsoft.com/office/powerpoint/2010/main" val="2498057030"/>
+      </p:ext>
+    </p:extLst>
+  </p:cSld>
+  <p:clrMapOvr>
+    <a:masterClrMapping/>
+  </p:clrMapOvr>
+</p:sld>
+</file>
+
+<file path=ppt/slides/slide85.xml><?xml version="1.0" encoding="utf-8"?>
+<p:sld xmlns:a="http://schemas.openxmlformats.org/drawingml/2006/main" xmlns:r="http://schemas.openxmlformats.org/officeDocument/2006/relationships" xmlns:p="http://schemas.openxmlformats.org/presentationml/2006/main">
+  <p:cSld>
+    <p:spTree>
+      <p:nvGrpSpPr>
+        <p:cNvPr id="1" name=""/>
+        <p:cNvGrpSpPr/>
+        <p:nvPr/>
+      </p:nvGrpSpPr>
+      <p:grpSpPr>
+        <a:xfrm>
+          <a:off x="0" y="0"/>
+          <a:ext cx="0" cy="0"/>
+          <a:chOff x="0" y="0"/>
+          <a:chExt cx="0" cy="0"/>
+        </a:xfrm>
+      </p:grpSpPr>
+      <p:sp>
+        <p:nvSpPr>
+          <p:cNvPr id="2" name="Title 1">
+            <a:extLst>
+              <a:ext uri="{FF2B5EF4-FFF2-40B4-BE49-F238E27FC236}">
+                <a16:creationId xmlns:a16="http://schemas.microsoft.com/office/drawing/2014/main" id="{00470208-F163-40CA-ADD5-32FD1B96ED2C}"/>
+              </a:ext>
+            </a:extLst>
+          </p:cNvPr>
+          <p:cNvSpPr>
+            <a:spLocks noGrp="1"/>
+          </p:cNvSpPr>
+          <p:nvPr>
+            <p:ph type="title"/>
+          </p:nvPr>
+        </p:nvSpPr>
+        <p:spPr/>
+        <p:txBody>
+          <a:bodyPr/>
+          <a:lstStyle/>
+          <a:p>
+            <a:r>
+              <a:rPr lang="en-ID" dirty="0"/>
+              <a:t>Examples</a:t>
+            </a:r>
+          </a:p>
+        </p:txBody>
+      </p:sp>
+      <p:sp>
+        <p:nvSpPr>
+          <p:cNvPr id="3" name="Content Placeholder 2">
+            <a:extLst>
+              <a:ext uri="{FF2B5EF4-FFF2-40B4-BE49-F238E27FC236}">
+                <a16:creationId xmlns:a16="http://schemas.microsoft.com/office/drawing/2014/main" id="{B37A7149-1B41-4393-B849-D233AF4C58D7}"/>
+              </a:ext>
+            </a:extLst>
+          </p:cNvPr>
+          <p:cNvSpPr>
+            <a:spLocks noGrp="1"/>
+          </p:cNvSpPr>
+          <p:nvPr>
+            <p:ph idx="1"/>
+          </p:nvPr>
+        </p:nvSpPr>
+        <p:spPr>
+          <a:xfrm>
+            <a:off x="457200" y="1600200"/>
+            <a:ext cx="8507288" cy="5257800"/>
+          </a:xfrm>
+        </p:spPr>
+        <p:txBody>
+          <a:bodyPr>
+            <a:normAutofit fontScale="55000" lnSpcReduction="20000"/>
+          </a:bodyPr>
+          <a:lstStyle/>
+          <a:p>
+            <a:pPr marL="0" indent="0">
+              <a:buNone/>
+            </a:pPr>
+            <a:r>
+              <a:rPr lang="en-US" sz="5100" b="1" dirty="0"/>
+              <a:t>Example 3</a:t>
+            </a:r>
+            <a:r>
+              <a:rPr lang="en-US" sz="5100" dirty="0"/>
+              <a:t>: Recursive Algorithm for Sequential Search </a:t>
+            </a:r>
+          </a:p>
+          <a:p>
+            <a:pPr marL="0" indent="0">
+              <a:buNone/>
+            </a:pPr>
+            <a:endParaRPr lang="en-US" dirty="0"/>
+          </a:p>
+          <a:p>
+            <a:pPr marL="0" indent="0">
+              <a:buNone/>
+            </a:pPr>
+            <a:r>
+              <a:rPr lang="en-US" sz="4800" b="1" dirty="0"/>
+              <a:t>Algorithm 3</a:t>
+            </a:r>
+            <a:r>
+              <a:rPr lang="en-US" sz="4800" dirty="0"/>
+              <a:t>:  </a:t>
+            </a:r>
+            <a:r>
+              <a:rPr lang="en-US" sz="4800" dirty="0">
+                <a:latin typeface="Courier New" panose="02070309020205020404" pitchFamily="49" charset="0"/>
+                <a:cs typeface="Courier New" panose="02070309020205020404" pitchFamily="49" charset="0"/>
+              </a:rPr>
+              <a:t> </a:t>
+            </a:r>
+            <a:r>
+              <a:rPr lang="en-US" sz="4800" dirty="0" err="1">
+                <a:latin typeface="Courier New" panose="02070309020205020404" pitchFamily="49" charset="0"/>
+                <a:cs typeface="Courier New" panose="02070309020205020404" pitchFamily="49" charset="0"/>
+              </a:rPr>
+              <a:t>SeqSearch</a:t>
+            </a:r>
+            <a:r>
+              <a:rPr lang="en-US" sz="4800" dirty="0">
+                <a:latin typeface="Courier New" panose="02070309020205020404" pitchFamily="49" charset="0"/>
+                <a:cs typeface="Courier New" panose="02070309020205020404" pitchFamily="49" charset="0"/>
+              </a:rPr>
+              <a:t>(L, </a:t>
+            </a:r>
+            <a:r>
+              <a:rPr lang="en-US" sz="4800" dirty="0" err="1">
+                <a:latin typeface="Courier New" panose="02070309020205020404" pitchFamily="49" charset="0"/>
+                <a:cs typeface="Courier New" panose="02070309020205020404" pitchFamily="49" charset="0"/>
+              </a:rPr>
+              <a:t>i</a:t>
+            </a:r>
+            <a:r>
+              <a:rPr lang="en-US" sz="4800" dirty="0">
+                <a:latin typeface="Courier New" panose="02070309020205020404" pitchFamily="49" charset="0"/>
+                <a:cs typeface="Courier New" panose="02070309020205020404" pitchFamily="49" charset="0"/>
+              </a:rPr>
+              <a:t>, j, x)</a:t>
+            </a:r>
+            <a:r>
+              <a:rPr lang="en-US" sz="4800" dirty="0"/>
+              <a:t> </a:t>
+            </a:r>
+          </a:p>
+          <a:p>
+            <a:pPr marL="0" indent="0">
+              <a:buNone/>
+            </a:pPr>
+            <a:r>
+              <a:rPr lang="en-US" sz="4800" dirty="0"/>
+              <a:t>Input: </a:t>
+            </a:r>
+            <a:r>
+              <a:rPr lang="en-US" sz="4800" i="1" dirty="0"/>
+              <a:t>L</a:t>
+            </a:r>
+            <a:r>
+              <a:rPr lang="en-US" sz="4800" dirty="0"/>
+              <a:t> is an array, </a:t>
+            </a:r>
+            <a:r>
+              <a:rPr lang="en-US" sz="4800" i="1" dirty="0" err="1"/>
+              <a:t>i</a:t>
+            </a:r>
+            <a:r>
+              <a:rPr lang="en-US" sz="4800" dirty="0"/>
+              <a:t> and</a:t>
+            </a:r>
+            <a:r>
+              <a:rPr lang="en-US" sz="4800" i="1" dirty="0"/>
+              <a:t> j </a:t>
+            </a:r>
+            <a:r>
+              <a:rPr lang="en-US" sz="4800" dirty="0"/>
+              <a:t>are positive integers, </a:t>
+            </a:r>
+            <a:r>
+              <a:rPr lang="en-US" sz="4800" i="1" dirty="0" err="1"/>
+              <a:t>i</a:t>
+            </a:r>
+            <a:r>
+              <a:rPr lang="en-US" sz="4800" dirty="0"/>
+              <a:t> </a:t>
+            </a:r>
+            <a:r>
+              <a:rPr lang="en-US" sz="4800" dirty="0">
+                <a:latin typeface="Courier New" panose="02070309020205020404" pitchFamily="49" charset="0"/>
+                <a:cs typeface="Courier New" panose="02070309020205020404" pitchFamily="49" charset="0"/>
+              </a:rPr>
+              <a:t>≤</a:t>
+            </a:r>
+            <a:r>
+              <a:rPr lang="en-US" sz="4800" dirty="0"/>
+              <a:t> </a:t>
+            </a:r>
+            <a:r>
+              <a:rPr lang="en-US" sz="4800" i="1" dirty="0"/>
+              <a:t>j</a:t>
+            </a:r>
+            <a:r>
+              <a:rPr lang="en-US" sz="4800" dirty="0"/>
+              <a:t>, and </a:t>
+            </a:r>
+            <a:r>
+              <a:rPr lang="en-US" sz="4800" i="1" dirty="0"/>
+              <a:t>x</a:t>
+            </a:r>
+            <a:r>
+              <a:rPr lang="en-US" sz="4800" dirty="0"/>
+              <a:t> is the key to be searched for in </a:t>
+            </a:r>
+            <a:r>
+              <a:rPr lang="en-US" sz="4800" i="1" dirty="0"/>
+              <a:t>L</a:t>
+            </a:r>
+            <a:r>
+              <a:rPr lang="en-US" sz="4800" dirty="0"/>
+              <a:t>. </a:t>
+            </a:r>
+          </a:p>
+          <a:p>
+            <a:pPr marL="0" indent="0">
+              <a:buNone/>
+            </a:pPr>
+            <a:r>
+              <a:rPr lang="en-US" sz="4800" dirty="0"/>
+              <a:t>Output: If </a:t>
+            </a:r>
+            <a:r>
+              <a:rPr lang="en-US" sz="4800" i="1" dirty="0"/>
+              <a:t>x</a:t>
+            </a:r>
+            <a:r>
+              <a:rPr lang="en-US" sz="4800" dirty="0"/>
+              <a:t> is in </a:t>
+            </a:r>
+            <a:r>
+              <a:rPr lang="en-US" sz="4800" i="1" dirty="0"/>
+              <a:t>L</a:t>
+            </a:r>
+            <a:r>
+              <a:rPr lang="en-US" sz="4800" dirty="0"/>
+              <a:t> between indexes </a:t>
+            </a:r>
+            <a:r>
+              <a:rPr lang="en-US" sz="4800" i="1" dirty="0" err="1"/>
+              <a:t>i</a:t>
+            </a:r>
+            <a:r>
+              <a:rPr lang="en-US" sz="4800" dirty="0"/>
+              <a:t> and </a:t>
+            </a:r>
+            <a:r>
+              <a:rPr lang="en-US" sz="4800" i="1" dirty="0"/>
+              <a:t>j</a:t>
+            </a:r>
+            <a:r>
+              <a:rPr lang="en-US" sz="4800" dirty="0"/>
+              <a:t>, then output its index, else output 0. </a:t>
+            </a:r>
+          </a:p>
+          <a:p>
+            <a:pPr marL="0" indent="0">
+              <a:buNone/>
+            </a:pPr>
+            <a:endParaRPr lang="en-US" dirty="0"/>
+          </a:p>
+          <a:p>
+            <a:pPr marL="0" indent="0">
+              <a:buNone/>
+            </a:pPr>
+            <a:r>
+              <a:rPr lang="en-US" sz="5100" dirty="0">
+                <a:cs typeface="Courier New" panose="02070309020205020404" pitchFamily="49" charset="0"/>
+              </a:rPr>
+              <a:t>Algorithm: </a:t>
+            </a:r>
+          </a:p>
+          <a:p>
+            <a:pPr marL="0" indent="0">
+              <a:buNone/>
+            </a:pPr>
+            <a:r>
+              <a:rPr lang="en-US" sz="4200" dirty="0">
+                <a:latin typeface="Courier New" panose="02070309020205020404" pitchFamily="49" charset="0"/>
+                <a:cs typeface="Courier New" panose="02070309020205020404" pitchFamily="49" charset="0"/>
+              </a:rPr>
+              <a:t>if </a:t>
+            </a:r>
+            <a:r>
+              <a:rPr lang="en-US" sz="4200" dirty="0" err="1">
+                <a:latin typeface="Courier New" panose="02070309020205020404" pitchFamily="49" charset="0"/>
+                <a:cs typeface="Courier New" panose="02070309020205020404" pitchFamily="49" charset="0"/>
+              </a:rPr>
+              <a:t>i</a:t>
+            </a:r>
+            <a:r>
+              <a:rPr lang="en-US" sz="4200" dirty="0">
+                <a:latin typeface="Courier New" panose="02070309020205020404" pitchFamily="49" charset="0"/>
+                <a:cs typeface="Courier New" panose="02070309020205020404" pitchFamily="49" charset="0"/>
+              </a:rPr>
+              <a:t> ≤ j, then { </a:t>
+            </a:r>
+          </a:p>
+          <a:p>
+            <a:pPr marL="0" indent="0">
+              <a:buNone/>
+            </a:pPr>
+            <a:r>
+              <a:rPr lang="en-US" sz="4200" dirty="0">
+                <a:latin typeface="Courier New" panose="02070309020205020404" pitchFamily="49" charset="0"/>
+                <a:cs typeface="Courier New" panose="02070309020205020404" pitchFamily="49" charset="0"/>
+              </a:rPr>
+              <a:t>   if L(</a:t>
+            </a:r>
+            <a:r>
+              <a:rPr lang="en-US" sz="4200" dirty="0" err="1">
+                <a:latin typeface="Courier New" panose="02070309020205020404" pitchFamily="49" charset="0"/>
+                <a:cs typeface="Courier New" panose="02070309020205020404" pitchFamily="49" charset="0"/>
+              </a:rPr>
+              <a:t>i</a:t>
+            </a:r>
+            <a:r>
+              <a:rPr lang="en-US" sz="4200" dirty="0">
+                <a:latin typeface="Courier New" panose="02070309020205020404" pitchFamily="49" charset="0"/>
+                <a:cs typeface="Courier New" panose="02070309020205020404" pitchFamily="49" charset="0"/>
+              </a:rPr>
+              <a:t>) = x, then return </a:t>
+            </a:r>
+            <a:r>
+              <a:rPr lang="en-US" sz="4200" dirty="0" err="1">
+                <a:latin typeface="Courier New" panose="02070309020205020404" pitchFamily="49" charset="0"/>
+                <a:cs typeface="Courier New" panose="02070309020205020404" pitchFamily="49" charset="0"/>
+              </a:rPr>
+              <a:t>i</a:t>
+            </a:r>
+            <a:r>
+              <a:rPr lang="en-US" sz="4200" dirty="0">
+                <a:latin typeface="Courier New" panose="02070309020205020404" pitchFamily="49" charset="0"/>
+                <a:cs typeface="Courier New" panose="02070309020205020404" pitchFamily="49" charset="0"/>
+              </a:rPr>
+              <a:t> ; </a:t>
+            </a:r>
+          </a:p>
+          <a:p>
+            <a:pPr marL="0" indent="0">
+              <a:buNone/>
+            </a:pPr>
+            <a:r>
+              <a:rPr lang="en-US" sz="4200" dirty="0">
+                <a:latin typeface="Courier New" panose="02070309020205020404" pitchFamily="49" charset="0"/>
+                <a:cs typeface="Courier New" panose="02070309020205020404" pitchFamily="49" charset="0"/>
+              </a:rPr>
+              <a:t>   else return </a:t>
+            </a:r>
+            <a:r>
+              <a:rPr lang="en-US" sz="4200" dirty="0" err="1">
+                <a:latin typeface="Courier New" panose="02070309020205020404" pitchFamily="49" charset="0"/>
+                <a:cs typeface="Courier New" panose="02070309020205020404" pitchFamily="49" charset="0"/>
+              </a:rPr>
+              <a:t>SeqSearch</a:t>
+            </a:r>
+            <a:r>
+              <a:rPr lang="en-US" sz="4200" dirty="0">
+                <a:latin typeface="Courier New" panose="02070309020205020404" pitchFamily="49" charset="0"/>
+                <a:cs typeface="Courier New" panose="02070309020205020404" pitchFamily="49" charset="0"/>
+              </a:rPr>
+              <a:t>(L, i+1, j, x) </a:t>
+            </a:r>
+          </a:p>
+          <a:p>
+            <a:pPr marL="0" indent="0">
+              <a:buNone/>
+            </a:pPr>
+            <a:r>
+              <a:rPr lang="en-US" sz="4200" dirty="0">
+                <a:latin typeface="Courier New" panose="02070309020205020404" pitchFamily="49" charset="0"/>
+                <a:cs typeface="Courier New" panose="02070309020205020404" pitchFamily="49" charset="0"/>
+              </a:rPr>
+              <a:t>} </a:t>
+            </a:r>
+          </a:p>
+          <a:p>
+            <a:pPr marL="0" indent="0">
+              <a:buNone/>
+            </a:pPr>
+            <a:r>
+              <a:rPr lang="en-US" sz="4200" dirty="0">
+                <a:latin typeface="Courier New" panose="02070309020205020404" pitchFamily="49" charset="0"/>
+                <a:cs typeface="Courier New" panose="02070309020205020404" pitchFamily="49" charset="0"/>
+              </a:rPr>
+              <a:t>else return 0</a:t>
+            </a:r>
+            <a:r>
+              <a:rPr lang="en-US" sz="3600" dirty="0">
+                <a:latin typeface="Courier New" panose="02070309020205020404" pitchFamily="49" charset="0"/>
+                <a:cs typeface="Courier New" panose="02070309020205020404" pitchFamily="49" charset="0"/>
+              </a:rPr>
+              <a:t> </a:t>
+            </a:r>
+            <a:endParaRPr lang="en-ID" sz="3600" dirty="0">
+              <a:latin typeface="Courier New" panose="02070309020205020404" pitchFamily="49" charset="0"/>
+              <a:cs typeface="Courier New" panose="02070309020205020404" pitchFamily="49" charset="0"/>
+            </a:endParaRPr>
+          </a:p>
+        </p:txBody>
+      </p:sp>
+    </p:spTree>
+    <p:extLst>
+      <p:ext uri="{BB962C8B-B14F-4D97-AF65-F5344CB8AC3E}">
+        <p14:creationId xmlns:p14="http://schemas.microsoft.com/office/powerpoint/2010/main" val="1971513352"/>
+      </p:ext>
+    </p:extLst>
+  </p:cSld>
+  <p:clrMapOvr>
+    <a:masterClrMapping/>
+  </p:clrMapOvr>
+</p:sld>
+</file>
+
+<file path=ppt/slides/slide86.xml><?xml version="1.0" encoding="utf-8"?>
+<p:sld xmlns:a="http://schemas.openxmlformats.org/drawingml/2006/main" xmlns:r="http://schemas.openxmlformats.org/officeDocument/2006/relationships" xmlns:p="http://schemas.openxmlformats.org/presentationml/2006/main">
+  <p:cSld>
+    <p:spTree>
+      <p:nvGrpSpPr>
+        <p:cNvPr id="1" name=""/>
+        <p:cNvGrpSpPr/>
+        <p:nvPr/>
+      </p:nvGrpSpPr>
+      <p:grpSpPr>
+        <a:xfrm>
+          <a:off x="0" y="0"/>
+          <a:ext cx="0" cy="0"/>
+          <a:chOff x="0" y="0"/>
+          <a:chExt cx="0" cy="0"/>
+        </a:xfrm>
+      </p:grpSpPr>
+      <p:sp>
+        <p:nvSpPr>
+          <p:cNvPr id="2" name="Title 1">
+            <a:extLst>
+              <a:ext uri="{FF2B5EF4-FFF2-40B4-BE49-F238E27FC236}">
+                <a16:creationId xmlns:a16="http://schemas.microsoft.com/office/drawing/2014/main" id="{A9AB8C6A-62E2-4A98-B28D-1E292DDC84A7}"/>
+              </a:ext>
+            </a:extLst>
+          </p:cNvPr>
+          <p:cNvSpPr>
+            <a:spLocks noGrp="1"/>
+          </p:cNvSpPr>
+          <p:nvPr>
+            <p:ph type="title"/>
+          </p:nvPr>
+        </p:nvSpPr>
+        <p:spPr/>
+        <p:txBody>
+          <a:bodyPr/>
+          <a:lstStyle/>
+          <a:p>
+            <a:r>
+              <a:rPr lang="en-ID" dirty="0"/>
+              <a:t>Examples</a:t>
+            </a:r>
+          </a:p>
+        </p:txBody>
+      </p:sp>
+      <p:sp>
+        <p:nvSpPr>
+          <p:cNvPr id="3" name="Content Placeholder 2">
+            <a:extLst>
+              <a:ext uri="{FF2B5EF4-FFF2-40B4-BE49-F238E27FC236}">
+                <a16:creationId xmlns:a16="http://schemas.microsoft.com/office/drawing/2014/main" id="{3B4DAAF8-DEAD-408A-AD22-6BA74BF1F3F3}"/>
+              </a:ext>
+            </a:extLst>
+          </p:cNvPr>
+          <p:cNvSpPr>
+            <a:spLocks noGrp="1"/>
+          </p:cNvSpPr>
+          <p:nvPr>
+            <p:ph idx="1"/>
+          </p:nvPr>
+        </p:nvSpPr>
+        <p:spPr>
+          <a:xfrm>
+            <a:off x="457200" y="1600200"/>
+            <a:ext cx="8229600" cy="5141168"/>
+          </a:xfrm>
+        </p:spPr>
+        <p:txBody>
+          <a:bodyPr>
+            <a:normAutofit fontScale="85000" lnSpcReduction="20000"/>
+          </a:bodyPr>
+          <a:lstStyle/>
+          <a:p>
+            <a:pPr marL="0" indent="0">
+              <a:buNone/>
+            </a:pPr>
+            <a:r>
+              <a:rPr lang="en-US" b="1" dirty="0"/>
+              <a:t>Example 4: </a:t>
+            </a:r>
+            <a:r>
+              <a:rPr lang="en-US" dirty="0"/>
+              <a:t>Algorithm for testing whether or not a number x is a natural number </a:t>
+            </a:r>
+          </a:p>
+          <a:p>
+            <a:pPr marL="0" indent="0">
+              <a:buNone/>
+            </a:pPr>
+            <a:endParaRPr lang="en-US" dirty="0"/>
+          </a:p>
+          <a:p>
+            <a:pPr marL="0" indent="0">
+              <a:buNone/>
+            </a:pPr>
+            <a:r>
+              <a:rPr lang="en-US" b="1" dirty="0"/>
+              <a:t>Algorithm 4</a:t>
+            </a:r>
+            <a:r>
+              <a:rPr lang="en-US" dirty="0"/>
+              <a:t>:   </a:t>
+            </a:r>
+            <a:r>
+              <a:rPr lang="en-US" dirty="0">
+                <a:latin typeface="Courier New" panose="02070309020205020404" pitchFamily="49" charset="0"/>
+                <a:cs typeface="Courier New" panose="02070309020205020404" pitchFamily="49" charset="0"/>
+              </a:rPr>
+              <a:t>Natural</a:t>
+            </a:r>
+            <a:r>
+              <a:rPr lang="en-US" dirty="0"/>
+              <a:t>(a number </a:t>
+            </a:r>
+            <a:r>
+              <a:rPr lang="en-US" i="1" dirty="0"/>
+              <a:t>x</a:t>
+            </a:r>
+            <a:r>
+              <a:rPr lang="en-US" dirty="0"/>
+              <a:t>) </a:t>
+            </a:r>
+          </a:p>
+          <a:p>
+            <a:pPr marL="0" indent="0">
+              <a:buNone/>
+            </a:pPr>
+            <a:r>
+              <a:rPr lang="en-US" dirty="0"/>
+              <a:t>Input: A number </a:t>
+            </a:r>
+            <a:r>
+              <a:rPr lang="en-US" i="1" dirty="0"/>
+              <a:t>x</a:t>
+            </a:r>
+            <a:r>
+              <a:rPr lang="en-US" dirty="0"/>
+              <a:t> </a:t>
+            </a:r>
+          </a:p>
+          <a:p>
+            <a:pPr marL="0" indent="0">
+              <a:buNone/>
+            </a:pPr>
+            <a:r>
+              <a:rPr lang="en-US" dirty="0"/>
+              <a:t>Output: "Yes" if </a:t>
+            </a:r>
+            <a:r>
+              <a:rPr lang="en-US" i="1" dirty="0"/>
+              <a:t>x</a:t>
+            </a:r>
+            <a:r>
+              <a:rPr lang="en-US" dirty="0"/>
+              <a:t> is a natural number, else "No" </a:t>
+            </a:r>
+          </a:p>
+          <a:p>
+            <a:pPr marL="0" indent="0">
+              <a:buNone/>
+            </a:pPr>
+            <a:endParaRPr lang="en-US" dirty="0"/>
+          </a:p>
+          <a:p>
+            <a:pPr marL="0" indent="0">
+              <a:buNone/>
+            </a:pPr>
+            <a:r>
+              <a:rPr lang="en-US" dirty="0"/>
+              <a:t>Algorithm: </a:t>
+            </a:r>
+          </a:p>
+          <a:p>
+            <a:pPr marL="0" indent="0">
+              <a:buNone/>
+            </a:pPr>
+            <a:r>
+              <a:rPr lang="en-US" sz="2800" dirty="0">
+                <a:latin typeface="Courier New" panose="02070309020205020404" pitchFamily="49" charset="0"/>
+                <a:cs typeface="Courier New" panose="02070309020205020404" pitchFamily="49" charset="0"/>
+              </a:rPr>
+              <a:t>if x &lt; 0, then return "No" </a:t>
+            </a:r>
+          </a:p>
+          <a:p>
+            <a:pPr marL="0" indent="0">
+              <a:buNone/>
+            </a:pPr>
+            <a:r>
+              <a:rPr lang="en-US" sz="2800" dirty="0">
+                <a:latin typeface="Courier New" panose="02070309020205020404" pitchFamily="49" charset="0"/>
+                <a:cs typeface="Courier New" panose="02070309020205020404" pitchFamily="49" charset="0"/>
+              </a:rPr>
+              <a:t>else </a:t>
+            </a:r>
+          </a:p>
+          <a:p>
+            <a:pPr marL="0" indent="0">
+              <a:buNone/>
+            </a:pPr>
+            <a:r>
+              <a:rPr lang="en-US" sz="2800" dirty="0">
+                <a:latin typeface="Courier New" panose="02070309020205020404" pitchFamily="49" charset="0"/>
+                <a:cs typeface="Courier New" panose="02070309020205020404" pitchFamily="49" charset="0"/>
+              </a:rPr>
+              <a:t>    if x = 0, then return "Yes" </a:t>
+            </a:r>
+          </a:p>
+          <a:p>
+            <a:pPr marL="0" indent="0">
+              <a:buNone/>
+            </a:pPr>
+            <a:r>
+              <a:rPr lang="en-US" sz="2800" dirty="0">
+                <a:latin typeface="Courier New" panose="02070309020205020404" pitchFamily="49" charset="0"/>
+                <a:cs typeface="Courier New" panose="02070309020205020404" pitchFamily="49" charset="0"/>
+              </a:rPr>
+              <a:t>    else return Natural(x-1) </a:t>
+            </a:r>
+            <a:endParaRPr lang="en-ID" sz="2800" dirty="0">
+              <a:latin typeface="Courier New" panose="02070309020205020404" pitchFamily="49" charset="0"/>
+              <a:cs typeface="Courier New" panose="02070309020205020404" pitchFamily="49" charset="0"/>
+            </a:endParaRPr>
+          </a:p>
+        </p:txBody>
+      </p:sp>
+    </p:spTree>
+    <p:extLst>
+      <p:ext uri="{BB962C8B-B14F-4D97-AF65-F5344CB8AC3E}">
+        <p14:creationId xmlns:p14="http://schemas.microsoft.com/office/powerpoint/2010/main" val="1718443020"/>
+      </p:ext>
+    </p:extLst>
+  </p:cSld>
+  <p:clrMapOvr>
+    <a:masterClrMapping/>
+  </p:clrMapOvr>
+</p:sld>
+</file>
+
+<file path=ppt/slides/slide87.xml><?xml version="1.0" encoding="utf-8"?>
+<p:sld xmlns:a="http://schemas.openxmlformats.org/drawingml/2006/main" xmlns:r="http://schemas.openxmlformats.org/officeDocument/2006/relationships" xmlns:p="http://schemas.openxmlformats.org/presentationml/2006/main">
+  <p:cSld>
+    <p:spTree>
+      <p:nvGrpSpPr>
+        <p:cNvPr id="1" name=""/>
+        <p:cNvGrpSpPr/>
+        <p:nvPr/>
+      </p:nvGrpSpPr>
+      <p:grpSpPr>
+        <a:xfrm>
+          <a:off x="0" y="0"/>
+          <a:ext cx="0" cy="0"/>
+          <a:chOff x="0" y="0"/>
+          <a:chExt cx="0" cy="0"/>
+        </a:xfrm>
+      </p:grpSpPr>
+      <p:sp>
+        <p:nvSpPr>
+          <p:cNvPr id="2" name="Title 1">
+            <a:extLst>
+              <a:ext uri="{FF2B5EF4-FFF2-40B4-BE49-F238E27FC236}">
+                <a16:creationId xmlns:a16="http://schemas.microsoft.com/office/drawing/2014/main" id="{7349AFE2-17B6-4CA5-9C67-87B38B603709}"/>
+              </a:ext>
+            </a:extLst>
+          </p:cNvPr>
+          <p:cNvSpPr>
+            <a:spLocks noGrp="1"/>
+          </p:cNvSpPr>
+          <p:nvPr>
+            <p:ph type="title"/>
+          </p:nvPr>
+        </p:nvSpPr>
+        <p:spPr/>
+        <p:txBody>
+          <a:bodyPr/>
+          <a:lstStyle/>
+          <a:p>
+            <a:r>
+              <a:rPr lang="en-ID" dirty="0"/>
+              <a:t>Exercises</a:t>
+            </a:r>
+          </a:p>
+        </p:txBody>
+      </p:sp>
+      <p:sp>
+        <p:nvSpPr>
+          <p:cNvPr id="3" name="Content Placeholder 2">
+            <a:extLst>
+              <a:ext uri="{FF2B5EF4-FFF2-40B4-BE49-F238E27FC236}">
+                <a16:creationId xmlns:a16="http://schemas.microsoft.com/office/drawing/2014/main" id="{90949713-A6EF-43F2-8A91-F5F53E1157C4}"/>
+              </a:ext>
+            </a:extLst>
+          </p:cNvPr>
+          <p:cNvSpPr>
+            <a:spLocks noGrp="1"/>
+          </p:cNvSpPr>
+          <p:nvPr>
+            <p:ph idx="1"/>
+          </p:nvPr>
+        </p:nvSpPr>
+        <p:spPr/>
+        <p:txBody>
+          <a:bodyPr/>
+          <a:lstStyle/>
+          <a:p>
+            <a:pPr marL="514350" indent="-514350">
+              <a:buFont typeface="+mj-lt"/>
+              <a:buAutoNum type="arabicPeriod"/>
+            </a:pPr>
+            <a:r>
+              <a:rPr lang="en-US" dirty="0"/>
+              <a:t>Given a string, calculate length of the string using recursion.</a:t>
+            </a:r>
+            <a:endParaRPr lang="en-ID" dirty="0"/>
+          </a:p>
+        </p:txBody>
+      </p:sp>
+      <p:pic>
+        <p:nvPicPr>
+          <p:cNvPr id="4" name="Picture 3">
+            <a:extLst>
+              <a:ext uri="{FF2B5EF4-FFF2-40B4-BE49-F238E27FC236}">
+                <a16:creationId xmlns:a16="http://schemas.microsoft.com/office/drawing/2014/main" id="{46C46315-58C1-4D72-AE22-704224C40635}"/>
+              </a:ext>
+            </a:extLst>
+          </p:cNvPr>
+          <p:cNvPicPr>
+            <a:picLocks noChangeAspect="1"/>
+          </p:cNvPicPr>
+          <p:nvPr/>
+        </p:nvPicPr>
+        <p:blipFill>
+          <a:blip r:embed="rId2"/>
+          <a:stretch>
+            <a:fillRect/>
+          </a:stretch>
+        </p:blipFill>
+        <p:spPr>
+          <a:xfrm>
+            <a:off x="827584" y="3072565"/>
+            <a:ext cx="6591266" cy="2588683"/>
+          </a:xfrm>
+          <a:prstGeom prst="rect">
+            <a:avLst/>
+          </a:prstGeom>
+        </p:spPr>
+      </p:pic>
+    </p:spTree>
+    <p:extLst>
+      <p:ext uri="{BB962C8B-B14F-4D97-AF65-F5344CB8AC3E}">
+        <p14:creationId xmlns:p14="http://schemas.microsoft.com/office/powerpoint/2010/main" val="3152682486"/>
+      </p:ext>
+    </p:extLst>
+  </p:cSld>
+  <p:clrMapOvr>
+    <a:masterClrMapping/>
+  </p:clrMapOvr>
+</p:sld>
+</file>
+
+<file path=ppt/slides/slide88.xml><?xml version="1.0" encoding="utf-8"?>
+<p:sld xmlns:a="http://schemas.openxmlformats.org/drawingml/2006/main" xmlns:r="http://schemas.openxmlformats.org/officeDocument/2006/relationships" xmlns:p="http://schemas.openxmlformats.org/presentationml/2006/main">
+  <p:cSld>
+    <p:spTree>
+      <p:nvGrpSpPr>
+        <p:cNvPr id="1" name=""/>
+        <p:cNvGrpSpPr/>
+        <p:nvPr/>
+      </p:nvGrpSpPr>
+      <p:grpSpPr>
+        <a:xfrm>
+          <a:off x="0" y="0"/>
+          <a:ext cx="0" cy="0"/>
+          <a:chOff x="0" y="0"/>
+          <a:chExt cx="0" cy="0"/>
+        </a:xfrm>
+      </p:grpSpPr>
+      <p:sp>
+        <p:nvSpPr>
+          <p:cNvPr id="2" name="Title 1">
+            <a:extLst>
+              <a:ext uri="{FF2B5EF4-FFF2-40B4-BE49-F238E27FC236}">
+                <a16:creationId xmlns:a16="http://schemas.microsoft.com/office/drawing/2014/main" id="{D4A001F7-7493-40A2-8BF0-9A905618E16A}"/>
+              </a:ext>
+            </a:extLst>
+          </p:cNvPr>
+          <p:cNvSpPr>
+            <a:spLocks noGrp="1"/>
+          </p:cNvSpPr>
+          <p:nvPr>
+            <p:ph type="title"/>
+          </p:nvPr>
+        </p:nvSpPr>
+        <p:spPr/>
+        <p:txBody>
+          <a:bodyPr/>
+          <a:lstStyle/>
+          <a:p>
+            <a:r>
+              <a:rPr lang="en-ID" dirty="0"/>
+              <a:t>Exercises</a:t>
+            </a:r>
+          </a:p>
+        </p:txBody>
+      </p:sp>
+      <p:sp>
+        <p:nvSpPr>
+          <p:cNvPr id="3" name="Content Placeholder 2">
+            <a:extLst>
+              <a:ext uri="{FF2B5EF4-FFF2-40B4-BE49-F238E27FC236}">
+                <a16:creationId xmlns:a16="http://schemas.microsoft.com/office/drawing/2014/main" id="{E0AF8322-A1C1-49D3-BB6E-4B06C9CFCF1C}"/>
+              </a:ext>
+            </a:extLst>
+          </p:cNvPr>
+          <p:cNvSpPr>
+            <a:spLocks noGrp="1"/>
+          </p:cNvSpPr>
+          <p:nvPr>
+            <p:ph idx="1"/>
+          </p:nvPr>
+        </p:nvSpPr>
+        <p:spPr/>
+        <p:txBody>
+          <a:bodyPr/>
+          <a:lstStyle/>
+          <a:p>
+            <a:pPr marL="514350" indent="-514350">
+              <a:buFont typeface="+mj-lt"/>
+              <a:buAutoNum type="arabicPeriod" startAt="2"/>
+            </a:pPr>
+            <a:r>
+              <a:rPr lang="en-US" dirty="0"/>
+              <a:t>Given a string find its first uppercase letter</a:t>
+            </a:r>
+          </a:p>
+          <a:p>
+            <a:pPr marL="514350" indent="-514350">
+              <a:buFont typeface="+mj-lt"/>
+              <a:buAutoNum type="arabicPeriod" startAt="2"/>
+            </a:pPr>
+            <a:endParaRPr lang="en-US" dirty="0"/>
+          </a:p>
+          <a:p>
+            <a:pPr marL="0" indent="0">
+              <a:buNone/>
+            </a:pPr>
+            <a:endParaRPr lang="en-ID" dirty="0"/>
+          </a:p>
+        </p:txBody>
+      </p:sp>
+      <p:pic>
+        <p:nvPicPr>
+          <p:cNvPr id="4" name="Picture 3">
+            <a:extLst>
+              <a:ext uri="{FF2B5EF4-FFF2-40B4-BE49-F238E27FC236}">
+                <a16:creationId xmlns:a16="http://schemas.microsoft.com/office/drawing/2014/main" id="{85B2A4C8-A167-4C1A-9FA8-DE6CC8658597}"/>
+              </a:ext>
+            </a:extLst>
+          </p:cNvPr>
+          <p:cNvPicPr>
+            <a:picLocks noChangeAspect="1"/>
+          </p:cNvPicPr>
+          <p:nvPr/>
+        </p:nvPicPr>
+        <p:blipFill>
+          <a:blip r:embed="rId2"/>
+          <a:stretch>
+            <a:fillRect/>
+          </a:stretch>
+        </p:blipFill>
+        <p:spPr>
+          <a:xfrm>
+            <a:off x="1043608" y="2289062"/>
+            <a:ext cx="6470882" cy="2580097"/>
+          </a:xfrm>
+          <a:prstGeom prst="rect">
+            <a:avLst/>
+          </a:prstGeom>
+        </p:spPr>
+      </p:pic>
+    </p:spTree>
+    <p:extLst>
+      <p:ext uri="{BB962C8B-B14F-4D97-AF65-F5344CB8AC3E}">
+        <p14:creationId xmlns:p14="http://schemas.microsoft.com/office/powerpoint/2010/main" val="2459099906"/>
       </p:ext>
     </p:extLst>
   </p:cSld>
